--- a/Documents/Final Presentation.pptx
+++ b/Documents/Final Presentation.pptx
@@ -117,12 +117,18 @@
       </a:defRPr>
     </a:lvl9pPr>
   </p:defaultTextStyle>
+  <p:extLst>
+    <p:ext uri="{EFAFB233-063F-42B5-8137-9DF3F51BA10A}">
+      <p15:sldGuideLst xmlns:p15="http://schemas.microsoft.com/office/powerpoint/2012/main"/>
+    </p:ext>
+  </p:extLst>
 </p:presentation>
 </file>
 
 <file path=ppt/revisionInfo.xml><?xml version="1.0" encoding="utf-8"?>
 <p1510:revInfo xmlns:a="http://schemas.openxmlformats.org/drawingml/2006/main" xmlns:r="http://schemas.openxmlformats.org/officeDocument/2006/relationships" xmlns:p1510="http://schemas.microsoft.com/office/powerpoint/2015/10/main">
   <p1510:revLst>
+    <p1510:client id="{014B04EA-880C-4F53-AF3E-54B947C3017E}" v="15" dt="2025-06-09T14:22:31.949"/>
     <p1510:client id="{8828F114-EB9B-4CB9-8A46-B9A739E80DA9}" v="43" dt="2025-06-08T16:18:26.920"/>
   </p1510:revLst>
 </p1510:revInfo>
@@ -130,6 +136,211 @@
 
 <file path=ppt/changesInfos/changesInfo1.xml><?xml version="1.0" encoding="utf-8"?>
 <pc:chgInfo xmlns:a="http://schemas.openxmlformats.org/drawingml/2006/main" xmlns:r="http://schemas.openxmlformats.org/officeDocument/2006/relationships" xmlns:ac="http://schemas.microsoft.com/office/drawing/2013/main/command" xmlns:pc="http://schemas.microsoft.com/office/powerpoint/2013/main/command">
+  <pc:docChgLst>
+    <pc:chgData name="Nicolai Plachetzky" userId="823c8b06-e4c9-469b-b821-a844d7744de1" providerId="ADAL" clId="{014B04EA-880C-4F53-AF3E-54B947C3017E}"/>
+    <pc:docChg chg="undo custSel modSld">
+      <pc:chgData name="Nicolai Plachetzky" userId="823c8b06-e4c9-469b-b821-a844d7744de1" providerId="ADAL" clId="{014B04EA-880C-4F53-AF3E-54B947C3017E}" dt="2025-06-09T14:23:01.150" v="168" actId="26606"/>
+      <pc:docMkLst>
+        <pc:docMk/>
+      </pc:docMkLst>
+      <pc:sldChg chg="addSp delSp modSp mod modNotesTx">
+        <pc:chgData name="Nicolai Plachetzky" userId="823c8b06-e4c9-469b-b821-a844d7744de1" providerId="ADAL" clId="{014B04EA-880C-4F53-AF3E-54B947C3017E}" dt="2025-06-09T14:15:11.129" v="148" actId="20577"/>
+        <pc:sldMkLst>
+          <pc:docMk/>
+          <pc:sldMk cId="3153824113" sldId="263"/>
+        </pc:sldMkLst>
+        <pc:spChg chg="mod">
+          <ac:chgData name="Nicolai Plachetzky" userId="823c8b06-e4c9-469b-b821-a844d7744de1" providerId="ADAL" clId="{014B04EA-880C-4F53-AF3E-54B947C3017E}" dt="2025-06-09T13:57:12.878" v="25" actId="20577"/>
+          <ac:spMkLst>
+            <pc:docMk/>
+            <pc:sldMk cId="3153824113" sldId="263"/>
+            <ac:spMk id="2" creationId="{5238A395-6E0A-71EF-FF2D-04103080E988}"/>
+          </ac:spMkLst>
+        </pc:spChg>
+        <pc:spChg chg="del mod">
+          <ac:chgData name="Nicolai Plachetzky" userId="823c8b06-e4c9-469b-b821-a844d7744de1" providerId="ADAL" clId="{014B04EA-880C-4F53-AF3E-54B947C3017E}" dt="2025-06-09T14:07:16.380" v="31"/>
+          <ac:spMkLst>
+            <pc:docMk/>
+            <pc:sldMk cId="3153824113" sldId="263"/>
+            <ac:spMk id="3" creationId="{29245E8F-94D3-0A38-31F3-23A25538C8AD}"/>
+          </ac:spMkLst>
+        </pc:spChg>
+        <pc:picChg chg="add del mod">
+          <ac:chgData name="Nicolai Plachetzky" userId="823c8b06-e4c9-469b-b821-a844d7744de1" providerId="ADAL" clId="{014B04EA-880C-4F53-AF3E-54B947C3017E}" dt="2025-06-09T13:56:31.975" v="13" actId="478"/>
+          <ac:picMkLst>
+            <pc:docMk/>
+            <pc:sldMk cId="3153824113" sldId="263"/>
+            <ac:picMk id="5" creationId="{914A35EE-378C-EDB8-4611-E5E18291A3A4}"/>
+          </ac:picMkLst>
+        </pc:picChg>
+        <pc:picChg chg="add del mod">
+          <ac:chgData name="Nicolai Plachetzky" userId="823c8b06-e4c9-469b-b821-a844d7744de1" providerId="ADAL" clId="{014B04EA-880C-4F53-AF3E-54B947C3017E}" dt="2025-06-09T14:07:14.062" v="30" actId="478"/>
+          <ac:picMkLst>
+            <pc:docMk/>
+            <pc:sldMk cId="3153824113" sldId="263"/>
+            <ac:picMk id="7" creationId="{A30A075C-A710-93D6-771D-3D43279DC51F}"/>
+          </ac:picMkLst>
+        </pc:picChg>
+        <pc:picChg chg="add mod">
+          <ac:chgData name="Nicolai Plachetzky" userId="823c8b06-e4c9-469b-b821-a844d7744de1" providerId="ADAL" clId="{014B04EA-880C-4F53-AF3E-54B947C3017E}" dt="2025-06-09T14:07:38.251" v="39" actId="14100"/>
+          <ac:picMkLst>
+            <pc:docMk/>
+            <pc:sldMk cId="3153824113" sldId="263"/>
+            <ac:picMk id="9" creationId="{7DC48D76-7729-C36B-0CA6-EA27FAE18BBB}"/>
+          </ac:picMkLst>
+        </pc:picChg>
+      </pc:sldChg>
+      <pc:sldChg chg="addSp modSp mod">
+        <pc:chgData name="Nicolai Plachetzky" userId="823c8b06-e4c9-469b-b821-a844d7744de1" providerId="ADAL" clId="{014B04EA-880C-4F53-AF3E-54B947C3017E}" dt="2025-06-09T14:21:06.483" v="154" actId="1076"/>
+        <pc:sldMkLst>
+          <pc:docMk/>
+          <pc:sldMk cId="3772376716" sldId="264"/>
+        </pc:sldMkLst>
+        <pc:spChg chg="mod">
+          <ac:chgData name="Nicolai Plachetzky" userId="823c8b06-e4c9-469b-b821-a844d7744de1" providerId="ADAL" clId="{014B04EA-880C-4F53-AF3E-54B947C3017E}" dt="2025-06-09T14:15:10.863" v="147" actId="20577"/>
+          <ac:spMkLst>
+            <pc:docMk/>
+            <pc:sldMk cId="3772376716" sldId="264"/>
+            <ac:spMk id="3" creationId="{78056E36-A6DD-AB79-5CB9-B2A35B549BE1}"/>
+          </ac:spMkLst>
+        </pc:spChg>
+        <pc:picChg chg="add mod">
+          <ac:chgData name="Nicolai Plachetzky" userId="823c8b06-e4c9-469b-b821-a844d7744de1" providerId="ADAL" clId="{014B04EA-880C-4F53-AF3E-54B947C3017E}" dt="2025-06-09T14:21:06.483" v="154" actId="1076"/>
+          <ac:picMkLst>
+            <pc:docMk/>
+            <pc:sldMk cId="3772376716" sldId="264"/>
+            <ac:picMk id="1026" creationId="{3DA241AF-4145-6A00-2CBA-5008276EC762}"/>
+          </ac:picMkLst>
+        </pc:picChg>
+      </pc:sldChg>
+      <pc:sldChg chg="addSp delSp modSp mod setBg setClrOvrMap">
+        <pc:chgData name="Nicolai Plachetzky" userId="823c8b06-e4c9-469b-b821-a844d7744de1" providerId="ADAL" clId="{014B04EA-880C-4F53-AF3E-54B947C3017E}" dt="2025-06-09T14:22:31.949" v="167" actId="12"/>
+        <pc:sldMkLst>
+          <pc:docMk/>
+          <pc:sldMk cId="2536878213" sldId="265"/>
+        </pc:sldMkLst>
+        <pc:spChg chg="mod">
+          <ac:chgData name="Nicolai Plachetzky" userId="823c8b06-e4c9-469b-b821-a844d7744de1" providerId="ADAL" clId="{014B04EA-880C-4F53-AF3E-54B947C3017E}" dt="2025-06-09T14:22:03.437" v="157" actId="26606"/>
+          <ac:spMkLst>
+            <pc:docMk/>
+            <pc:sldMk cId="2536878213" sldId="265"/>
+            <ac:spMk id="2" creationId="{2E5BAF5E-09DD-BDF0-8BF2-8D58386BC47D}"/>
+          </ac:spMkLst>
+        </pc:spChg>
+        <pc:spChg chg="add del">
+          <ac:chgData name="Nicolai Plachetzky" userId="823c8b06-e4c9-469b-b821-a844d7744de1" providerId="ADAL" clId="{014B04EA-880C-4F53-AF3E-54B947C3017E}" dt="2025-06-09T14:22:13.325" v="164" actId="26606"/>
+          <ac:spMkLst>
+            <pc:docMk/>
+            <pc:sldMk cId="2536878213" sldId="265"/>
+            <ac:spMk id="3" creationId="{1220D917-1486-8AEE-8670-FD49830A89B1}"/>
+          </ac:spMkLst>
+        </pc:spChg>
+        <pc:spChg chg="add del">
+          <ac:chgData name="Nicolai Plachetzky" userId="823c8b06-e4c9-469b-b821-a844d7744de1" providerId="ADAL" clId="{014B04EA-880C-4F53-AF3E-54B947C3017E}" dt="2025-06-09T14:22:03.437" v="157" actId="26606"/>
+          <ac:spMkLst>
+            <pc:docMk/>
+            <pc:sldMk cId="2536878213" sldId="265"/>
+            <ac:spMk id="9" creationId="{25482F9D-E110-434E-9B4F-41A3F5CB2A2F}"/>
+          </ac:spMkLst>
+        </pc:spChg>
+        <pc:spChg chg="add del">
+          <ac:chgData name="Nicolai Plachetzky" userId="823c8b06-e4c9-469b-b821-a844d7744de1" providerId="ADAL" clId="{014B04EA-880C-4F53-AF3E-54B947C3017E}" dt="2025-06-09T14:22:03.437" v="157" actId="26606"/>
+          <ac:spMkLst>
+            <pc:docMk/>
+            <pc:sldMk cId="2536878213" sldId="265"/>
+            <ac:spMk id="11" creationId="{5779FF2E-BB5C-4805-AAD5-275495A2B7EF}"/>
+          </ac:spMkLst>
+        </pc:spChg>
+        <pc:spChg chg="add del">
+          <ac:chgData name="Nicolai Plachetzky" userId="823c8b06-e4c9-469b-b821-a844d7744de1" providerId="ADAL" clId="{014B04EA-880C-4F53-AF3E-54B947C3017E}" dt="2025-06-09T14:22:03.437" v="157" actId="26606"/>
+          <ac:spMkLst>
+            <pc:docMk/>
+            <pc:sldMk cId="2536878213" sldId="265"/>
+            <ac:spMk id="13" creationId="{6EB83258-50E7-4A51-8C48-ADA7CD7FCA02}"/>
+          </ac:spMkLst>
+        </pc:spChg>
+        <pc:spChg chg="add del">
+          <ac:chgData name="Nicolai Plachetzky" userId="823c8b06-e4c9-469b-b821-a844d7744de1" providerId="ADAL" clId="{014B04EA-880C-4F53-AF3E-54B947C3017E}" dt="2025-06-09T14:22:03.437" v="157" actId="26606"/>
+          <ac:spMkLst>
+            <pc:docMk/>
+            <pc:sldMk cId="2536878213" sldId="265"/>
+            <ac:spMk id="15" creationId="{A4188960-1398-409C-BA5D-F87CCB743390}"/>
+          </ac:spMkLst>
+        </pc:spChg>
+        <pc:graphicFrameChg chg="add del">
+          <ac:chgData name="Nicolai Plachetzky" userId="823c8b06-e4c9-469b-b821-a844d7744de1" providerId="ADAL" clId="{014B04EA-880C-4F53-AF3E-54B947C3017E}" dt="2025-06-09T14:22:03.437" v="157" actId="26606"/>
+          <ac:graphicFrameMkLst>
+            <pc:docMk/>
+            <pc:sldMk cId="2536878213" sldId="265"/>
+            <ac:graphicFrameMk id="5" creationId="{40E381DC-DB01-9930-DC0C-9CFD3BBC8F5F}"/>
+          </ac:graphicFrameMkLst>
+        </pc:graphicFrameChg>
+        <pc:graphicFrameChg chg="add del">
+          <ac:chgData name="Nicolai Plachetzky" userId="823c8b06-e4c9-469b-b821-a844d7744de1" providerId="ADAL" clId="{014B04EA-880C-4F53-AF3E-54B947C3017E}" dt="2025-06-09T14:22:10.845" v="159" actId="26606"/>
+          <ac:graphicFrameMkLst>
+            <pc:docMk/>
+            <pc:sldMk cId="2536878213" sldId="265"/>
+            <ac:graphicFrameMk id="17" creationId="{506D488A-794B-C84C-F4AA-10A07F48B519}"/>
+          </ac:graphicFrameMkLst>
+        </pc:graphicFrameChg>
+        <pc:graphicFrameChg chg="add del">
+          <ac:chgData name="Nicolai Plachetzky" userId="823c8b06-e4c9-469b-b821-a844d7744de1" providerId="ADAL" clId="{014B04EA-880C-4F53-AF3E-54B947C3017E}" dt="2025-06-09T14:22:12.575" v="161" actId="26606"/>
+          <ac:graphicFrameMkLst>
+            <pc:docMk/>
+            <pc:sldMk cId="2536878213" sldId="265"/>
+            <ac:graphicFrameMk id="19" creationId="{B7E2E4AA-2DA6-1223-48AF-6878C1A11DA4}"/>
+          </ac:graphicFrameMkLst>
+        </pc:graphicFrameChg>
+        <pc:graphicFrameChg chg="add del">
+          <ac:chgData name="Nicolai Plachetzky" userId="823c8b06-e4c9-469b-b821-a844d7744de1" providerId="ADAL" clId="{014B04EA-880C-4F53-AF3E-54B947C3017E}" dt="2025-06-09T14:22:13.315" v="163" actId="26606"/>
+          <ac:graphicFrameMkLst>
+            <pc:docMk/>
+            <pc:sldMk cId="2536878213" sldId="265"/>
+            <ac:graphicFrameMk id="21" creationId="{506D488A-794B-C84C-F4AA-10A07F48B519}"/>
+          </ac:graphicFrameMkLst>
+        </pc:graphicFrameChg>
+        <pc:graphicFrameChg chg="add mod">
+          <ac:chgData name="Nicolai Plachetzky" userId="823c8b06-e4c9-469b-b821-a844d7744de1" providerId="ADAL" clId="{014B04EA-880C-4F53-AF3E-54B947C3017E}" dt="2025-06-09T14:22:31.949" v="167" actId="12"/>
+          <ac:graphicFrameMkLst>
+            <pc:docMk/>
+            <pc:sldMk cId="2536878213" sldId="265"/>
+            <ac:graphicFrameMk id="23" creationId="{7FAA8C9F-4534-3A06-B39C-B790C2D906AE}"/>
+          </ac:graphicFrameMkLst>
+        </pc:graphicFrameChg>
+        <pc:picChg chg="add">
+          <ac:chgData name="Nicolai Plachetzky" userId="823c8b06-e4c9-469b-b821-a844d7744de1" providerId="ADAL" clId="{014B04EA-880C-4F53-AF3E-54B947C3017E}" dt="2025-06-09T14:21:52.630" v="155"/>
+          <ac:picMkLst>
+            <pc:docMk/>
+            <pc:sldMk cId="2536878213" sldId="265"/>
+            <ac:picMk id="2050" creationId="{674F214F-6720-FF63-1971-326F81013BDE}"/>
+          </ac:picMkLst>
+        </pc:picChg>
+      </pc:sldChg>
+      <pc:sldChg chg="addSp delSp mod">
+        <pc:chgData name="Nicolai Plachetzky" userId="823c8b06-e4c9-469b-b821-a844d7744de1" providerId="ADAL" clId="{014B04EA-880C-4F53-AF3E-54B947C3017E}" dt="2025-06-09T14:23:01.150" v="168" actId="26606"/>
+        <pc:sldMkLst>
+          <pc:docMk/>
+          <pc:sldMk cId="3853091742" sldId="266"/>
+        </pc:sldMkLst>
+        <pc:spChg chg="del">
+          <ac:chgData name="Nicolai Plachetzky" userId="823c8b06-e4c9-469b-b821-a844d7744de1" providerId="ADAL" clId="{014B04EA-880C-4F53-AF3E-54B947C3017E}" dt="2025-06-09T14:23:01.150" v="168" actId="26606"/>
+          <ac:spMkLst>
+            <pc:docMk/>
+            <pc:sldMk cId="3853091742" sldId="266"/>
+            <ac:spMk id="3" creationId="{69F5E269-E31D-BA43-5384-41D919037EE2}"/>
+          </ac:spMkLst>
+        </pc:spChg>
+        <pc:graphicFrameChg chg="add">
+          <ac:chgData name="Nicolai Plachetzky" userId="823c8b06-e4c9-469b-b821-a844d7744de1" providerId="ADAL" clId="{014B04EA-880C-4F53-AF3E-54B947C3017E}" dt="2025-06-09T14:23:01.150" v="168" actId="26606"/>
+          <ac:graphicFrameMkLst>
+            <pc:docMk/>
+            <pc:sldMk cId="3853091742" sldId="266"/>
+            <ac:graphicFrameMk id="6" creationId="{F5B11798-C7F4-BA0F-151D-A9D65C55D044}"/>
+          </ac:graphicFrameMkLst>
+        </pc:graphicFrameChg>
+      </pc:sldChg>
+    </pc:docChg>
+  </pc:docChgLst>
   <pc:docChgLst>
     <pc:chgData name="Nicolai Plachetzky" userId="823c8b06-e4c9-469b-b821-a844d7744de1" providerId="ADAL" clId="{8828F114-EB9B-4CB9-8A46-B9A739E80DA9}"/>
     <pc:docChg chg="undo redo custSel addSld delSld modSld sldOrd addMainMaster delMainMaster">
@@ -991,6 +1202,5703 @@
 </pc:chgInfo>
 </file>
 
+<file path=ppt/diagrams/colors1.xml><?xml version="1.0" encoding="utf-8"?>
+<dgm:colorsDef xmlns:dgm="http://schemas.openxmlformats.org/drawingml/2006/diagram" xmlns:a="http://schemas.openxmlformats.org/drawingml/2006/main" uniqueId="urn:microsoft.com/office/officeart/2005/8/colors/accent1_2">
+  <dgm:title val=""/>
+  <dgm:desc val=""/>
+  <dgm:catLst>
+    <dgm:cat type="accent1" pri="11200"/>
+  </dgm:catLst>
+  <dgm:styleLbl name="node0">
+    <dgm:fillClrLst meth="repeat">
+      <a:schemeClr val="accent1"/>
+    </dgm:fillClrLst>
+    <dgm:linClrLst meth="repeat">
+      <a:schemeClr val="lt1"/>
+    </dgm:linClrLst>
+    <dgm:effectClrLst/>
+    <dgm:txLinClrLst/>
+    <dgm:txFillClrLst/>
+    <dgm:txEffectClrLst/>
+  </dgm:styleLbl>
+  <dgm:styleLbl name="alignNode1">
+    <dgm:fillClrLst meth="repeat">
+      <a:schemeClr val="accent1"/>
+    </dgm:fillClrLst>
+    <dgm:linClrLst meth="repeat">
+      <a:schemeClr val="accent1"/>
+    </dgm:linClrLst>
+    <dgm:effectClrLst/>
+    <dgm:txLinClrLst/>
+    <dgm:txFillClrLst/>
+    <dgm:txEffectClrLst/>
+  </dgm:styleLbl>
+  <dgm:styleLbl name="node1">
+    <dgm:fillClrLst meth="repeat">
+      <a:schemeClr val="accent1"/>
+    </dgm:fillClrLst>
+    <dgm:linClrLst meth="repeat">
+      <a:schemeClr val="lt1"/>
+    </dgm:linClrLst>
+    <dgm:effectClrLst/>
+    <dgm:txLinClrLst/>
+    <dgm:txFillClrLst/>
+    <dgm:txEffectClrLst/>
+  </dgm:styleLbl>
+  <dgm:styleLbl name="lnNode1">
+    <dgm:fillClrLst meth="repeat">
+      <a:schemeClr val="accent1"/>
+    </dgm:fillClrLst>
+    <dgm:linClrLst meth="repeat">
+      <a:schemeClr val="lt1"/>
+    </dgm:linClrLst>
+    <dgm:effectClrLst/>
+    <dgm:txLinClrLst/>
+    <dgm:txFillClrLst/>
+    <dgm:txEffectClrLst/>
+  </dgm:styleLbl>
+  <dgm:styleLbl name="vennNode1">
+    <dgm:fillClrLst meth="repeat">
+      <a:schemeClr val="accent1">
+        <a:alpha val="50000"/>
+      </a:schemeClr>
+    </dgm:fillClrLst>
+    <dgm:linClrLst meth="repeat">
+      <a:schemeClr val="lt1"/>
+    </dgm:linClrLst>
+    <dgm:effectClrLst/>
+    <dgm:txLinClrLst/>
+    <dgm:txFillClrLst/>
+    <dgm:txEffectClrLst/>
+  </dgm:styleLbl>
+  <dgm:styleLbl name="node2">
+    <dgm:fillClrLst meth="repeat">
+      <a:schemeClr val="accent1"/>
+    </dgm:fillClrLst>
+    <dgm:linClrLst meth="repeat">
+      <a:schemeClr val="lt1"/>
+    </dgm:linClrLst>
+    <dgm:effectClrLst/>
+    <dgm:txLinClrLst/>
+    <dgm:txFillClrLst/>
+    <dgm:txEffectClrLst/>
+  </dgm:styleLbl>
+  <dgm:styleLbl name="node3">
+    <dgm:fillClrLst meth="repeat">
+      <a:schemeClr val="accent1"/>
+    </dgm:fillClrLst>
+    <dgm:linClrLst meth="repeat">
+      <a:schemeClr val="lt1"/>
+    </dgm:linClrLst>
+    <dgm:effectClrLst/>
+    <dgm:txLinClrLst/>
+    <dgm:txFillClrLst/>
+    <dgm:txEffectClrLst/>
+  </dgm:styleLbl>
+  <dgm:styleLbl name="node4">
+    <dgm:fillClrLst meth="repeat">
+      <a:schemeClr val="accent1"/>
+    </dgm:fillClrLst>
+    <dgm:linClrLst meth="repeat">
+      <a:schemeClr val="lt1"/>
+    </dgm:linClrLst>
+    <dgm:effectClrLst/>
+    <dgm:txLinClrLst/>
+    <dgm:txFillClrLst/>
+    <dgm:txEffectClrLst/>
+  </dgm:styleLbl>
+  <dgm:styleLbl name="fgImgPlace1">
+    <dgm:fillClrLst meth="repeat">
+      <a:schemeClr val="accent1">
+        <a:tint val="50000"/>
+      </a:schemeClr>
+    </dgm:fillClrLst>
+    <dgm:linClrLst meth="repeat">
+      <a:schemeClr val="lt1"/>
+    </dgm:linClrLst>
+    <dgm:effectClrLst/>
+    <dgm:txLinClrLst/>
+    <dgm:txFillClrLst meth="repeat">
+      <a:schemeClr val="lt1"/>
+    </dgm:txFillClrLst>
+    <dgm:txEffectClrLst/>
+  </dgm:styleLbl>
+  <dgm:styleLbl name="alignImgPlace1">
+    <dgm:fillClrLst meth="repeat">
+      <a:schemeClr val="accent1">
+        <a:tint val="50000"/>
+      </a:schemeClr>
+    </dgm:fillClrLst>
+    <dgm:linClrLst meth="repeat">
+      <a:schemeClr val="lt1"/>
+    </dgm:linClrLst>
+    <dgm:effectClrLst/>
+    <dgm:txLinClrLst/>
+    <dgm:txFillClrLst meth="repeat">
+      <a:schemeClr val="lt1"/>
+    </dgm:txFillClrLst>
+    <dgm:txEffectClrLst/>
+  </dgm:styleLbl>
+  <dgm:styleLbl name="bgImgPlace1">
+    <dgm:fillClrLst meth="repeat">
+      <a:schemeClr val="accent1">
+        <a:tint val="50000"/>
+      </a:schemeClr>
+    </dgm:fillClrLst>
+    <dgm:linClrLst meth="repeat">
+      <a:schemeClr val="lt1"/>
+    </dgm:linClrLst>
+    <dgm:effectClrLst/>
+    <dgm:txLinClrLst/>
+    <dgm:txFillClrLst meth="repeat">
+      <a:schemeClr val="lt1"/>
+    </dgm:txFillClrLst>
+    <dgm:txEffectClrLst/>
+  </dgm:styleLbl>
+  <dgm:styleLbl name="sibTrans2D1">
+    <dgm:fillClrLst meth="repeat">
+      <a:schemeClr val="accent1">
+        <a:tint val="60000"/>
+      </a:schemeClr>
+    </dgm:fillClrLst>
+    <dgm:linClrLst meth="repeat">
+      <a:schemeClr val="accent1">
+        <a:tint val="60000"/>
+      </a:schemeClr>
+    </dgm:linClrLst>
+    <dgm:effectClrLst/>
+    <dgm:txLinClrLst/>
+    <dgm:txFillClrLst/>
+    <dgm:txEffectClrLst/>
+  </dgm:styleLbl>
+  <dgm:styleLbl name="fgSibTrans2D1">
+    <dgm:fillClrLst meth="repeat">
+      <a:schemeClr val="accent1">
+        <a:tint val="60000"/>
+      </a:schemeClr>
+    </dgm:fillClrLst>
+    <dgm:linClrLst meth="repeat">
+      <a:schemeClr val="accent1">
+        <a:tint val="60000"/>
+      </a:schemeClr>
+    </dgm:linClrLst>
+    <dgm:effectClrLst/>
+    <dgm:txLinClrLst/>
+    <dgm:txFillClrLst/>
+    <dgm:txEffectClrLst/>
+  </dgm:styleLbl>
+  <dgm:styleLbl name="bgSibTrans2D1">
+    <dgm:fillClrLst meth="repeat">
+      <a:schemeClr val="accent1">
+        <a:tint val="60000"/>
+      </a:schemeClr>
+    </dgm:fillClrLst>
+    <dgm:linClrLst meth="repeat">
+      <a:schemeClr val="accent1">
+        <a:tint val="60000"/>
+      </a:schemeClr>
+    </dgm:linClrLst>
+    <dgm:effectClrLst/>
+    <dgm:txLinClrLst/>
+    <dgm:txFillClrLst/>
+    <dgm:txEffectClrLst/>
+  </dgm:styleLbl>
+  <dgm:styleLbl name="sibTrans1D1">
+    <dgm:fillClrLst meth="repeat">
+      <a:schemeClr val="accent1"/>
+    </dgm:fillClrLst>
+    <dgm:linClrLst meth="repeat">
+      <a:schemeClr val="accent1"/>
+    </dgm:linClrLst>
+    <dgm:effectClrLst/>
+    <dgm:txLinClrLst/>
+    <dgm:txFillClrLst meth="repeat">
+      <a:schemeClr val="tx1"/>
+    </dgm:txFillClrLst>
+    <dgm:txEffectClrLst/>
+  </dgm:styleLbl>
+  <dgm:styleLbl name="callout">
+    <dgm:fillClrLst meth="repeat">
+      <a:schemeClr val="accent1"/>
+    </dgm:fillClrLst>
+    <dgm:linClrLst meth="repeat">
+      <a:schemeClr val="accent1">
+        <a:tint val="50000"/>
+      </a:schemeClr>
+    </dgm:linClrLst>
+    <dgm:effectClrLst/>
+    <dgm:txLinClrLst/>
+    <dgm:txFillClrLst meth="repeat">
+      <a:schemeClr val="tx1"/>
+    </dgm:txFillClrLst>
+    <dgm:txEffectClrLst/>
+  </dgm:styleLbl>
+  <dgm:styleLbl name="asst0">
+    <dgm:fillClrLst meth="repeat">
+      <a:schemeClr val="accent1"/>
+    </dgm:fillClrLst>
+    <dgm:linClrLst meth="repeat">
+      <a:schemeClr val="lt1"/>
+    </dgm:linClrLst>
+    <dgm:effectClrLst/>
+    <dgm:txLinClrLst/>
+    <dgm:txFillClrLst/>
+    <dgm:txEffectClrLst/>
+  </dgm:styleLbl>
+  <dgm:styleLbl name="asst1">
+    <dgm:fillClrLst meth="repeat">
+      <a:schemeClr val="accent1"/>
+    </dgm:fillClrLst>
+    <dgm:linClrLst meth="repeat">
+      <a:schemeClr val="lt1"/>
+    </dgm:linClrLst>
+    <dgm:effectClrLst/>
+    <dgm:txLinClrLst/>
+    <dgm:txFillClrLst/>
+    <dgm:txEffectClrLst/>
+  </dgm:styleLbl>
+  <dgm:styleLbl name="asst2">
+    <dgm:fillClrLst meth="repeat">
+      <a:schemeClr val="accent1"/>
+    </dgm:fillClrLst>
+    <dgm:linClrLst meth="repeat">
+      <a:schemeClr val="lt1"/>
+    </dgm:linClrLst>
+    <dgm:effectClrLst/>
+    <dgm:txLinClrLst/>
+    <dgm:txFillClrLst/>
+    <dgm:txEffectClrLst/>
+  </dgm:styleLbl>
+  <dgm:styleLbl name="asst3">
+    <dgm:fillClrLst meth="repeat">
+      <a:schemeClr val="accent1"/>
+    </dgm:fillClrLst>
+    <dgm:linClrLst meth="repeat">
+      <a:schemeClr val="lt1"/>
+    </dgm:linClrLst>
+    <dgm:effectClrLst/>
+    <dgm:txLinClrLst/>
+    <dgm:txFillClrLst/>
+    <dgm:txEffectClrLst/>
+  </dgm:styleLbl>
+  <dgm:styleLbl name="asst4">
+    <dgm:fillClrLst meth="repeat">
+      <a:schemeClr val="accent1"/>
+    </dgm:fillClrLst>
+    <dgm:linClrLst meth="repeat">
+      <a:schemeClr val="lt1"/>
+    </dgm:linClrLst>
+    <dgm:effectClrLst/>
+    <dgm:txLinClrLst/>
+    <dgm:txFillClrLst/>
+    <dgm:txEffectClrLst/>
+  </dgm:styleLbl>
+  <dgm:styleLbl name="parChTrans2D1">
+    <dgm:fillClrLst meth="repeat">
+      <a:schemeClr val="accent1">
+        <a:tint val="60000"/>
+      </a:schemeClr>
+    </dgm:fillClrLst>
+    <dgm:linClrLst meth="repeat">
+      <a:schemeClr val="accent1">
+        <a:tint val="60000"/>
+      </a:schemeClr>
+    </dgm:linClrLst>
+    <dgm:effectClrLst/>
+    <dgm:txLinClrLst/>
+    <dgm:txFillClrLst meth="repeat">
+      <a:schemeClr val="lt1"/>
+    </dgm:txFillClrLst>
+    <dgm:txEffectClrLst/>
+  </dgm:styleLbl>
+  <dgm:styleLbl name="parChTrans2D2">
+    <dgm:fillClrLst meth="repeat">
+      <a:schemeClr val="accent1"/>
+    </dgm:fillClrLst>
+    <dgm:linClrLst meth="repeat">
+      <a:schemeClr val="accent1"/>
+    </dgm:linClrLst>
+    <dgm:effectClrLst/>
+    <dgm:txLinClrLst/>
+    <dgm:txFillClrLst meth="repeat">
+      <a:schemeClr val="lt1"/>
+    </dgm:txFillClrLst>
+    <dgm:txEffectClrLst/>
+  </dgm:styleLbl>
+  <dgm:styleLbl name="parChTrans2D3">
+    <dgm:fillClrLst meth="repeat">
+      <a:schemeClr val="accent1"/>
+    </dgm:fillClrLst>
+    <dgm:linClrLst meth="repeat">
+      <a:schemeClr val="accent1"/>
+    </dgm:linClrLst>
+    <dgm:effectClrLst/>
+    <dgm:txLinClrLst/>
+    <dgm:txFillClrLst meth="repeat">
+      <a:schemeClr val="lt1"/>
+    </dgm:txFillClrLst>
+    <dgm:txEffectClrLst/>
+  </dgm:styleLbl>
+  <dgm:styleLbl name="parChTrans2D4">
+    <dgm:fillClrLst meth="repeat">
+      <a:schemeClr val="accent1"/>
+    </dgm:fillClrLst>
+    <dgm:linClrLst meth="repeat">
+      <a:schemeClr val="accent1"/>
+    </dgm:linClrLst>
+    <dgm:effectClrLst/>
+    <dgm:txLinClrLst/>
+    <dgm:txFillClrLst meth="repeat">
+      <a:schemeClr val="lt1"/>
+    </dgm:txFillClrLst>
+    <dgm:txEffectClrLst/>
+  </dgm:styleLbl>
+  <dgm:styleLbl name="parChTrans1D1">
+    <dgm:fillClrLst meth="repeat">
+      <a:schemeClr val="accent1"/>
+    </dgm:fillClrLst>
+    <dgm:linClrLst meth="repeat">
+      <a:schemeClr val="accent1">
+        <a:shade val="60000"/>
+      </a:schemeClr>
+    </dgm:linClrLst>
+    <dgm:effectClrLst/>
+    <dgm:txLinClrLst/>
+    <dgm:txFillClrLst meth="repeat">
+      <a:schemeClr val="tx1"/>
+    </dgm:txFillClrLst>
+    <dgm:txEffectClrLst/>
+  </dgm:styleLbl>
+  <dgm:styleLbl name="parChTrans1D2">
+    <dgm:fillClrLst meth="repeat">
+      <a:schemeClr val="accent1"/>
+    </dgm:fillClrLst>
+    <dgm:linClrLst meth="repeat">
+      <a:schemeClr val="accent1">
+        <a:shade val="60000"/>
+      </a:schemeClr>
+    </dgm:linClrLst>
+    <dgm:effectClrLst/>
+    <dgm:txLinClrLst/>
+    <dgm:txFillClrLst meth="repeat">
+      <a:schemeClr val="tx1"/>
+    </dgm:txFillClrLst>
+    <dgm:txEffectClrLst/>
+  </dgm:styleLbl>
+  <dgm:styleLbl name="parChTrans1D3">
+    <dgm:fillClrLst meth="repeat">
+      <a:schemeClr val="accent1"/>
+    </dgm:fillClrLst>
+    <dgm:linClrLst meth="repeat">
+      <a:schemeClr val="accent1">
+        <a:shade val="80000"/>
+      </a:schemeClr>
+    </dgm:linClrLst>
+    <dgm:effectClrLst/>
+    <dgm:txLinClrLst/>
+    <dgm:txFillClrLst meth="repeat">
+      <a:schemeClr val="tx1"/>
+    </dgm:txFillClrLst>
+    <dgm:txEffectClrLst/>
+  </dgm:styleLbl>
+  <dgm:styleLbl name="parChTrans1D4">
+    <dgm:fillClrLst meth="repeat">
+      <a:schemeClr val="accent1"/>
+    </dgm:fillClrLst>
+    <dgm:linClrLst meth="repeat">
+      <a:schemeClr val="accent1">
+        <a:shade val="80000"/>
+      </a:schemeClr>
+    </dgm:linClrLst>
+    <dgm:effectClrLst/>
+    <dgm:txLinClrLst/>
+    <dgm:txFillClrLst meth="repeat">
+      <a:schemeClr val="tx1"/>
+    </dgm:txFillClrLst>
+    <dgm:txEffectClrLst/>
+  </dgm:styleLbl>
+  <dgm:styleLbl name="fgAcc1">
+    <dgm:fillClrLst meth="repeat">
+      <a:schemeClr val="lt1">
+        <a:alpha val="90000"/>
+      </a:schemeClr>
+    </dgm:fillClrLst>
+    <dgm:linClrLst meth="repeat">
+      <a:schemeClr val="accent1"/>
+    </dgm:linClrLst>
+    <dgm:effectClrLst/>
+    <dgm:txLinClrLst/>
+    <dgm:txFillClrLst meth="repeat">
+      <a:schemeClr val="dk1"/>
+    </dgm:txFillClrLst>
+    <dgm:txEffectClrLst/>
+  </dgm:styleLbl>
+  <dgm:styleLbl name="conFgAcc1">
+    <dgm:fillClrLst meth="repeat">
+      <a:schemeClr val="lt1">
+        <a:alpha val="90000"/>
+      </a:schemeClr>
+    </dgm:fillClrLst>
+    <dgm:linClrLst meth="repeat">
+      <a:schemeClr val="accent1"/>
+    </dgm:linClrLst>
+    <dgm:effectClrLst/>
+    <dgm:txLinClrLst/>
+    <dgm:txFillClrLst meth="repeat">
+      <a:schemeClr val="dk1"/>
+    </dgm:txFillClrLst>
+    <dgm:txEffectClrLst/>
+  </dgm:styleLbl>
+  <dgm:styleLbl name="alignAcc1">
+    <dgm:fillClrLst meth="repeat">
+      <a:schemeClr val="lt1">
+        <a:alpha val="90000"/>
+      </a:schemeClr>
+    </dgm:fillClrLst>
+    <dgm:linClrLst meth="repeat">
+      <a:schemeClr val="accent1"/>
+    </dgm:linClrLst>
+    <dgm:effectClrLst/>
+    <dgm:txLinClrLst/>
+    <dgm:txFillClrLst meth="repeat">
+      <a:schemeClr val="dk1"/>
+    </dgm:txFillClrLst>
+    <dgm:txEffectClrLst/>
+  </dgm:styleLbl>
+  <dgm:styleLbl name="trAlignAcc1">
+    <dgm:fillClrLst meth="repeat">
+      <a:schemeClr val="lt1">
+        <a:alpha val="40000"/>
+      </a:schemeClr>
+    </dgm:fillClrLst>
+    <dgm:linClrLst meth="repeat">
+      <a:schemeClr val="accent1"/>
+    </dgm:linClrLst>
+    <dgm:effectClrLst/>
+    <dgm:txLinClrLst/>
+    <dgm:txFillClrLst meth="repeat">
+      <a:schemeClr val="dk1"/>
+    </dgm:txFillClrLst>
+    <dgm:txEffectClrLst/>
+  </dgm:styleLbl>
+  <dgm:styleLbl name="bgAcc1">
+    <dgm:fillClrLst meth="repeat">
+      <a:schemeClr val="lt1">
+        <a:alpha val="90000"/>
+      </a:schemeClr>
+    </dgm:fillClrLst>
+    <dgm:linClrLst meth="repeat">
+      <a:schemeClr val="accent1"/>
+    </dgm:linClrLst>
+    <dgm:effectClrLst/>
+    <dgm:txLinClrLst/>
+    <dgm:txFillClrLst meth="repeat">
+      <a:schemeClr val="dk1"/>
+    </dgm:txFillClrLst>
+    <dgm:txEffectClrLst/>
+  </dgm:styleLbl>
+  <dgm:styleLbl name="solidFgAcc1">
+    <dgm:fillClrLst meth="repeat">
+      <a:schemeClr val="lt1"/>
+    </dgm:fillClrLst>
+    <dgm:linClrLst meth="repeat">
+      <a:schemeClr val="accent1"/>
+    </dgm:linClrLst>
+    <dgm:effectClrLst/>
+    <dgm:txLinClrLst/>
+    <dgm:txFillClrLst meth="repeat">
+      <a:schemeClr val="dk1"/>
+    </dgm:txFillClrLst>
+    <dgm:txEffectClrLst/>
+  </dgm:styleLbl>
+  <dgm:styleLbl name="solidAlignAcc1">
+    <dgm:fillClrLst meth="repeat">
+      <a:schemeClr val="lt1"/>
+    </dgm:fillClrLst>
+    <dgm:linClrLst meth="repeat">
+      <a:schemeClr val="accent1"/>
+    </dgm:linClrLst>
+    <dgm:effectClrLst/>
+    <dgm:txLinClrLst/>
+    <dgm:txFillClrLst meth="repeat">
+      <a:schemeClr val="dk1"/>
+    </dgm:txFillClrLst>
+    <dgm:txEffectClrLst/>
+  </dgm:styleLbl>
+  <dgm:styleLbl name="solidBgAcc1">
+    <dgm:fillClrLst meth="repeat">
+      <a:schemeClr val="lt1"/>
+    </dgm:fillClrLst>
+    <dgm:linClrLst meth="repeat">
+      <a:schemeClr val="accent1"/>
+    </dgm:linClrLst>
+    <dgm:effectClrLst/>
+    <dgm:txLinClrLst/>
+    <dgm:txFillClrLst meth="repeat">
+      <a:schemeClr val="dk1"/>
+    </dgm:txFillClrLst>
+    <dgm:txEffectClrLst/>
+  </dgm:styleLbl>
+  <dgm:styleLbl name="fgAccFollowNode1">
+    <dgm:fillClrLst meth="repeat">
+      <a:schemeClr val="accent1">
+        <a:alpha val="90000"/>
+        <a:tint val="40000"/>
+      </a:schemeClr>
+    </dgm:fillClrLst>
+    <dgm:linClrLst meth="repeat">
+      <a:schemeClr val="accent1">
+        <a:alpha val="90000"/>
+        <a:tint val="40000"/>
+      </a:schemeClr>
+    </dgm:linClrLst>
+    <dgm:effectClrLst/>
+    <dgm:txLinClrLst/>
+    <dgm:txFillClrLst meth="repeat">
+      <a:schemeClr val="dk1"/>
+    </dgm:txFillClrLst>
+    <dgm:txEffectClrLst/>
+  </dgm:styleLbl>
+  <dgm:styleLbl name="alignAccFollowNode1">
+    <dgm:fillClrLst meth="repeat">
+      <a:schemeClr val="accent1">
+        <a:alpha val="90000"/>
+        <a:tint val="40000"/>
+      </a:schemeClr>
+    </dgm:fillClrLst>
+    <dgm:linClrLst meth="repeat">
+      <a:schemeClr val="accent1">
+        <a:alpha val="90000"/>
+        <a:tint val="40000"/>
+      </a:schemeClr>
+    </dgm:linClrLst>
+    <dgm:effectClrLst/>
+    <dgm:txLinClrLst/>
+    <dgm:txFillClrLst meth="repeat">
+      <a:schemeClr val="dk1"/>
+    </dgm:txFillClrLst>
+    <dgm:txEffectClrLst/>
+  </dgm:styleLbl>
+  <dgm:styleLbl name="bgAccFollowNode1">
+    <dgm:fillClrLst meth="repeat">
+      <a:schemeClr val="accent1">
+        <a:alpha val="90000"/>
+        <a:tint val="40000"/>
+      </a:schemeClr>
+    </dgm:fillClrLst>
+    <dgm:linClrLst meth="repeat">
+      <a:schemeClr val="accent1">
+        <a:alpha val="90000"/>
+        <a:tint val="40000"/>
+      </a:schemeClr>
+    </dgm:linClrLst>
+    <dgm:effectClrLst/>
+    <dgm:txLinClrLst/>
+    <dgm:txFillClrLst meth="repeat">
+      <a:schemeClr val="dk1"/>
+    </dgm:txFillClrLst>
+    <dgm:txEffectClrLst/>
+  </dgm:styleLbl>
+  <dgm:styleLbl name="fgAcc0">
+    <dgm:fillClrLst meth="repeat">
+      <a:schemeClr val="lt1">
+        <a:alpha val="90000"/>
+      </a:schemeClr>
+    </dgm:fillClrLst>
+    <dgm:linClrLst meth="repeat">
+      <a:schemeClr val="accent1"/>
+    </dgm:linClrLst>
+    <dgm:effectClrLst/>
+    <dgm:txLinClrLst/>
+    <dgm:txFillClrLst meth="repeat">
+      <a:schemeClr val="dk1"/>
+    </dgm:txFillClrLst>
+    <dgm:txEffectClrLst/>
+  </dgm:styleLbl>
+  <dgm:styleLbl name="fgAcc2">
+    <dgm:fillClrLst meth="repeat">
+      <a:schemeClr val="lt1">
+        <a:alpha val="90000"/>
+      </a:schemeClr>
+    </dgm:fillClrLst>
+    <dgm:linClrLst meth="repeat">
+      <a:schemeClr val="accent1"/>
+    </dgm:linClrLst>
+    <dgm:effectClrLst/>
+    <dgm:txLinClrLst/>
+    <dgm:txFillClrLst meth="repeat">
+      <a:schemeClr val="dk1"/>
+    </dgm:txFillClrLst>
+    <dgm:txEffectClrLst/>
+  </dgm:styleLbl>
+  <dgm:styleLbl name="fgAcc3">
+    <dgm:fillClrLst meth="repeat">
+      <a:schemeClr val="lt1">
+        <a:alpha val="90000"/>
+      </a:schemeClr>
+    </dgm:fillClrLst>
+    <dgm:linClrLst meth="repeat">
+      <a:schemeClr val="accent1"/>
+    </dgm:linClrLst>
+    <dgm:effectClrLst/>
+    <dgm:txLinClrLst/>
+    <dgm:txFillClrLst meth="repeat">
+      <a:schemeClr val="dk1"/>
+    </dgm:txFillClrLst>
+    <dgm:txEffectClrLst/>
+  </dgm:styleLbl>
+  <dgm:styleLbl name="fgAcc4">
+    <dgm:fillClrLst meth="repeat">
+      <a:schemeClr val="lt1">
+        <a:alpha val="90000"/>
+      </a:schemeClr>
+    </dgm:fillClrLst>
+    <dgm:linClrLst meth="repeat">
+      <a:schemeClr val="accent1"/>
+    </dgm:linClrLst>
+    <dgm:effectClrLst/>
+    <dgm:txLinClrLst/>
+    <dgm:txFillClrLst meth="repeat">
+      <a:schemeClr val="dk1"/>
+    </dgm:txFillClrLst>
+    <dgm:txEffectClrLst/>
+  </dgm:styleLbl>
+  <dgm:styleLbl name="bgShp">
+    <dgm:fillClrLst meth="repeat">
+      <a:schemeClr val="accent1">
+        <a:tint val="40000"/>
+      </a:schemeClr>
+    </dgm:fillClrLst>
+    <dgm:linClrLst meth="repeat">
+      <a:schemeClr val="accent1"/>
+    </dgm:linClrLst>
+    <dgm:effectClrLst/>
+    <dgm:txLinClrLst/>
+    <dgm:txFillClrLst meth="repeat">
+      <a:schemeClr val="dk1"/>
+    </dgm:txFillClrLst>
+    <dgm:txEffectClrLst/>
+  </dgm:styleLbl>
+  <dgm:styleLbl name="dkBgShp">
+    <dgm:fillClrLst meth="repeat">
+      <a:schemeClr val="accent1">
+        <a:shade val="80000"/>
+      </a:schemeClr>
+    </dgm:fillClrLst>
+    <dgm:linClrLst meth="repeat">
+      <a:schemeClr val="accent1"/>
+    </dgm:linClrLst>
+    <dgm:effectClrLst/>
+    <dgm:txLinClrLst/>
+    <dgm:txFillClrLst meth="repeat">
+      <a:schemeClr val="lt1"/>
+    </dgm:txFillClrLst>
+    <dgm:txEffectClrLst/>
+  </dgm:styleLbl>
+  <dgm:styleLbl name="trBgShp">
+    <dgm:fillClrLst meth="repeat">
+      <a:schemeClr val="accent1">
+        <a:tint val="50000"/>
+        <a:alpha val="40000"/>
+      </a:schemeClr>
+    </dgm:fillClrLst>
+    <dgm:linClrLst meth="repeat">
+      <a:schemeClr val="accent1"/>
+    </dgm:linClrLst>
+    <dgm:effectClrLst/>
+    <dgm:txLinClrLst/>
+    <dgm:txFillClrLst meth="repeat">
+      <a:schemeClr val="lt1"/>
+    </dgm:txFillClrLst>
+    <dgm:txEffectClrLst/>
+  </dgm:styleLbl>
+  <dgm:styleLbl name="fgShp">
+    <dgm:fillClrLst meth="repeat">
+      <a:schemeClr val="accent1">
+        <a:tint val="60000"/>
+      </a:schemeClr>
+    </dgm:fillClrLst>
+    <dgm:linClrLst meth="repeat">
+      <a:schemeClr val="lt1"/>
+    </dgm:linClrLst>
+    <dgm:effectClrLst/>
+    <dgm:txLinClrLst/>
+    <dgm:txFillClrLst meth="repeat">
+      <a:schemeClr val="dk1"/>
+    </dgm:txFillClrLst>
+    <dgm:txEffectClrLst/>
+  </dgm:styleLbl>
+  <dgm:styleLbl name="revTx">
+    <dgm:fillClrLst meth="repeat">
+      <a:schemeClr val="lt1">
+        <a:alpha val="0"/>
+      </a:schemeClr>
+    </dgm:fillClrLst>
+    <dgm:linClrLst meth="repeat">
+      <a:schemeClr val="dk1">
+        <a:alpha val="0"/>
+      </a:schemeClr>
+    </dgm:linClrLst>
+    <dgm:effectClrLst/>
+    <dgm:txLinClrLst/>
+    <dgm:txFillClrLst meth="repeat">
+      <a:schemeClr val="tx1"/>
+    </dgm:txFillClrLst>
+    <dgm:txEffectClrLst/>
+  </dgm:styleLbl>
+</dgm:colorsDef>
+</file>
+
+<file path=ppt/diagrams/colors2.xml><?xml version="1.0" encoding="utf-8"?>
+<dgm:colorsDef xmlns:dgm="http://schemas.openxmlformats.org/drawingml/2006/diagram" xmlns:a="http://schemas.openxmlformats.org/drawingml/2006/main" uniqueId="urn:microsoft.com/office/officeart/2005/8/colors/accent1_2">
+  <dgm:title val=""/>
+  <dgm:desc val=""/>
+  <dgm:catLst>
+    <dgm:cat type="accent1" pri="11200"/>
+  </dgm:catLst>
+  <dgm:styleLbl name="node0">
+    <dgm:fillClrLst meth="repeat">
+      <a:schemeClr val="accent1"/>
+    </dgm:fillClrLst>
+    <dgm:linClrLst meth="repeat">
+      <a:schemeClr val="lt1"/>
+    </dgm:linClrLst>
+    <dgm:effectClrLst/>
+    <dgm:txLinClrLst/>
+    <dgm:txFillClrLst/>
+    <dgm:txEffectClrLst/>
+  </dgm:styleLbl>
+  <dgm:styleLbl name="alignNode1">
+    <dgm:fillClrLst meth="repeat">
+      <a:schemeClr val="accent1"/>
+    </dgm:fillClrLst>
+    <dgm:linClrLst meth="repeat">
+      <a:schemeClr val="accent1"/>
+    </dgm:linClrLst>
+    <dgm:effectClrLst/>
+    <dgm:txLinClrLst/>
+    <dgm:txFillClrLst/>
+    <dgm:txEffectClrLst/>
+  </dgm:styleLbl>
+  <dgm:styleLbl name="node1">
+    <dgm:fillClrLst meth="repeat">
+      <a:schemeClr val="accent1"/>
+    </dgm:fillClrLst>
+    <dgm:linClrLst meth="repeat">
+      <a:schemeClr val="lt1"/>
+    </dgm:linClrLst>
+    <dgm:effectClrLst/>
+    <dgm:txLinClrLst/>
+    <dgm:txFillClrLst/>
+    <dgm:txEffectClrLst/>
+  </dgm:styleLbl>
+  <dgm:styleLbl name="lnNode1">
+    <dgm:fillClrLst meth="repeat">
+      <a:schemeClr val="accent1"/>
+    </dgm:fillClrLst>
+    <dgm:linClrLst meth="repeat">
+      <a:schemeClr val="lt1"/>
+    </dgm:linClrLst>
+    <dgm:effectClrLst/>
+    <dgm:txLinClrLst/>
+    <dgm:txFillClrLst/>
+    <dgm:txEffectClrLst/>
+  </dgm:styleLbl>
+  <dgm:styleLbl name="vennNode1">
+    <dgm:fillClrLst meth="repeat">
+      <a:schemeClr val="accent1">
+        <a:alpha val="50000"/>
+      </a:schemeClr>
+    </dgm:fillClrLst>
+    <dgm:linClrLst meth="repeat">
+      <a:schemeClr val="lt1"/>
+    </dgm:linClrLst>
+    <dgm:effectClrLst/>
+    <dgm:txLinClrLst/>
+    <dgm:txFillClrLst/>
+    <dgm:txEffectClrLst/>
+  </dgm:styleLbl>
+  <dgm:styleLbl name="node2">
+    <dgm:fillClrLst meth="repeat">
+      <a:schemeClr val="accent1"/>
+    </dgm:fillClrLst>
+    <dgm:linClrLst meth="repeat">
+      <a:schemeClr val="lt1"/>
+    </dgm:linClrLst>
+    <dgm:effectClrLst/>
+    <dgm:txLinClrLst/>
+    <dgm:txFillClrLst/>
+    <dgm:txEffectClrLst/>
+  </dgm:styleLbl>
+  <dgm:styleLbl name="node3">
+    <dgm:fillClrLst meth="repeat">
+      <a:schemeClr val="accent1"/>
+    </dgm:fillClrLst>
+    <dgm:linClrLst meth="repeat">
+      <a:schemeClr val="lt1"/>
+    </dgm:linClrLst>
+    <dgm:effectClrLst/>
+    <dgm:txLinClrLst/>
+    <dgm:txFillClrLst/>
+    <dgm:txEffectClrLst/>
+  </dgm:styleLbl>
+  <dgm:styleLbl name="node4">
+    <dgm:fillClrLst meth="repeat">
+      <a:schemeClr val="accent1"/>
+    </dgm:fillClrLst>
+    <dgm:linClrLst meth="repeat">
+      <a:schemeClr val="lt1"/>
+    </dgm:linClrLst>
+    <dgm:effectClrLst/>
+    <dgm:txLinClrLst/>
+    <dgm:txFillClrLst/>
+    <dgm:txEffectClrLst/>
+  </dgm:styleLbl>
+  <dgm:styleLbl name="fgImgPlace1">
+    <dgm:fillClrLst meth="repeat">
+      <a:schemeClr val="accent1">
+        <a:tint val="50000"/>
+      </a:schemeClr>
+    </dgm:fillClrLst>
+    <dgm:linClrLst meth="repeat">
+      <a:schemeClr val="lt1"/>
+    </dgm:linClrLst>
+    <dgm:effectClrLst/>
+    <dgm:txLinClrLst/>
+    <dgm:txFillClrLst meth="repeat">
+      <a:schemeClr val="lt1"/>
+    </dgm:txFillClrLst>
+    <dgm:txEffectClrLst/>
+  </dgm:styleLbl>
+  <dgm:styleLbl name="alignImgPlace1">
+    <dgm:fillClrLst meth="repeat">
+      <a:schemeClr val="accent1">
+        <a:tint val="50000"/>
+      </a:schemeClr>
+    </dgm:fillClrLst>
+    <dgm:linClrLst meth="repeat">
+      <a:schemeClr val="lt1"/>
+    </dgm:linClrLst>
+    <dgm:effectClrLst/>
+    <dgm:txLinClrLst/>
+    <dgm:txFillClrLst meth="repeat">
+      <a:schemeClr val="lt1"/>
+    </dgm:txFillClrLst>
+    <dgm:txEffectClrLst/>
+  </dgm:styleLbl>
+  <dgm:styleLbl name="bgImgPlace1">
+    <dgm:fillClrLst meth="repeat">
+      <a:schemeClr val="accent1">
+        <a:tint val="50000"/>
+      </a:schemeClr>
+    </dgm:fillClrLst>
+    <dgm:linClrLst meth="repeat">
+      <a:schemeClr val="lt1"/>
+    </dgm:linClrLst>
+    <dgm:effectClrLst/>
+    <dgm:txLinClrLst/>
+    <dgm:txFillClrLst meth="repeat">
+      <a:schemeClr val="lt1"/>
+    </dgm:txFillClrLst>
+    <dgm:txEffectClrLst/>
+  </dgm:styleLbl>
+  <dgm:styleLbl name="sibTrans2D1">
+    <dgm:fillClrLst meth="repeat">
+      <a:schemeClr val="accent1">
+        <a:tint val="60000"/>
+      </a:schemeClr>
+    </dgm:fillClrLst>
+    <dgm:linClrLst meth="repeat">
+      <a:schemeClr val="accent1">
+        <a:tint val="60000"/>
+      </a:schemeClr>
+    </dgm:linClrLst>
+    <dgm:effectClrLst/>
+    <dgm:txLinClrLst/>
+    <dgm:txFillClrLst/>
+    <dgm:txEffectClrLst/>
+  </dgm:styleLbl>
+  <dgm:styleLbl name="fgSibTrans2D1">
+    <dgm:fillClrLst meth="repeat">
+      <a:schemeClr val="accent1">
+        <a:tint val="60000"/>
+      </a:schemeClr>
+    </dgm:fillClrLst>
+    <dgm:linClrLst meth="repeat">
+      <a:schemeClr val="accent1">
+        <a:tint val="60000"/>
+      </a:schemeClr>
+    </dgm:linClrLst>
+    <dgm:effectClrLst/>
+    <dgm:txLinClrLst/>
+    <dgm:txFillClrLst/>
+    <dgm:txEffectClrLst/>
+  </dgm:styleLbl>
+  <dgm:styleLbl name="bgSibTrans2D1">
+    <dgm:fillClrLst meth="repeat">
+      <a:schemeClr val="accent1">
+        <a:tint val="60000"/>
+      </a:schemeClr>
+    </dgm:fillClrLst>
+    <dgm:linClrLst meth="repeat">
+      <a:schemeClr val="accent1">
+        <a:tint val="60000"/>
+      </a:schemeClr>
+    </dgm:linClrLst>
+    <dgm:effectClrLst/>
+    <dgm:txLinClrLst/>
+    <dgm:txFillClrLst/>
+    <dgm:txEffectClrLst/>
+  </dgm:styleLbl>
+  <dgm:styleLbl name="sibTrans1D1">
+    <dgm:fillClrLst meth="repeat">
+      <a:schemeClr val="accent1"/>
+    </dgm:fillClrLst>
+    <dgm:linClrLst meth="repeat">
+      <a:schemeClr val="accent1"/>
+    </dgm:linClrLst>
+    <dgm:effectClrLst/>
+    <dgm:txLinClrLst/>
+    <dgm:txFillClrLst meth="repeat">
+      <a:schemeClr val="tx1"/>
+    </dgm:txFillClrLst>
+    <dgm:txEffectClrLst/>
+  </dgm:styleLbl>
+  <dgm:styleLbl name="callout">
+    <dgm:fillClrLst meth="repeat">
+      <a:schemeClr val="accent1"/>
+    </dgm:fillClrLst>
+    <dgm:linClrLst meth="repeat">
+      <a:schemeClr val="accent1">
+        <a:tint val="50000"/>
+      </a:schemeClr>
+    </dgm:linClrLst>
+    <dgm:effectClrLst/>
+    <dgm:txLinClrLst/>
+    <dgm:txFillClrLst meth="repeat">
+      <a:schemeClr val="tx1"/>
+    </dgm:txFillClrLst>
+    <dgm:txEffectClrLst/>
+  </dgm:styleLbl>
+  <dgm:styleLbl name="asst0">
+    <dgm:fillClrLst meth="repeat">
+      <a:schemeClr val="accent1"/>
+    </dgm:fillClrLst>
+    <dgm:linClrLst meth="repeat">
+      <a:schemeClr val="lt1"/>
+    </dgm:linClrLst>
+    <dgm:effectClrLst/>
+    <dgm:txLinClrLst/>
+    <dgm:txFillClrLst/>
+    <dgm:txEffectClrLst/>
+  </dgm:styleLbl>
+  <dgm:styleLbl name="asst1">
+    <dgm:fillClrLst meth="repeat">
+      <a:schemeClr val="accent1"/>
+    </dgm:fillClrLst>
+    <dgm:linClrLst meth="repeat">
+      <a:schemeClr val="lt1"/>
+    </dgm:linClrLst>
+    <dgm:effectClrLst/>
+    <dgm:txLinClrLst/>
+    <dgm:txFillClrLst/>
+    <dgm:txEffectClrLst/>
+  </dgm:styleLbl>
+  <dgm:styleLbl name="asst2">
+    <dgm:fillClrLst meth="repeat">
+      <a:schemeClr val="accent1"/>
+    </dgm:fillClrLst>
+    <dgm:linClrLst meth="repeat">
+      <a:schemeClr val="lt1"/>
+    </dgm:linClrLst>
+    <dgm:effectClrLst/>
+    <dgm:txLinClrLst/>
+    <dgm:txFillClrLst/>
+    <dgm:txEffectClrLst/>
+  </dgm:styleLbl>
+  <dgm:styleLbl name="asst3">
+    <dgm:fillClrLst meth="repeat">
+      <a:schemeClr val="accent1"/>
+    </dgm:fillClrLst>
+    <dgm:linClrLst meth="repeat">
+      <a:schemeClr val="lt1"/>
+    </dgm:linClrLst>
+    <dgm:effectClrLst/>
+    <dgm:txLinClrLst/>
+    <dgm:txFillClrLst/>
+    <dgm:txEffectClrLst/>
+  </dgm:styleLbl>
+  <dgm:styleLbl name="asst4">
+    <dgm:fillClrLst meth="repeat">
+      <a:schemeClr val="accent1"/>
+    </dgm:fillClrLst>
+    <dgm:linClrLst meth="repeat">
+      <a:schemeClr val="lt1"/>
+    </dgm:linClrLst>
+    <dgm:effectClrLst/>
+    <dgm:txLinClrLst/>
+    <dgm:txFillClrLst/>
+    <dgm:txEffectClrLst/>
+  </dgm:styleLbl>
+  <dgm:styleLbl name="parChTrans2D1">
+    <dgm:fillClrLst meth="repeat">
+      <a:schemeClr val="accent1">
+        <a:tint val="60000"/>
+      </a:schemeClr>
+    </dgm:fillClrLst>
+    <dgm:linClrLst meth="repeat">
+      <a:schemeClr val="accent1">
+        <a:tint val="60000"/>
+      </a:schemeClr>
+    </dgm:linClrLst>
+    <dgm:effectClrLst/>
+    <dgm:txLinClrLst/>
+    <dgm:txFillClrLst meth="repeat">
+      <a:schemeClr val="lt1"/>
+    </dgm:txFillClrLst>
+    <dgm:txEffectClrLst/>
+  </dgm:styleLbl>
+  <dgm:styleLbl name="parChTrans2D2">
+    <dgm:fillClrLst meth="repeat">
+      <a:schemeClr val="accent1"/>
+    </dgm:fillClrLst>
+    <dgm:linClrLst meth="repeat">
+      <a:schemeClr val="accent1"/>
+    </dgm:linClrLst>
+    <dgm:effectClrLst/>
+    <dgm:txLinClrLst/>
+    <dgm:txFillClrLst meth="repeat">
+      <a:schemeClr val="lt1"/>
+    </dgm:txFillClrLst>
+    <dgm:txEffectClrLst/>
+  </dgm:styleLbl>
+  <dgm:styleLbl name="parChTrans2D3">
+    <dgm:fillClrLst meth="repeat">
+      <a:schemeClr val="accent1"/>
+    </dgm:fillClrLst>
+    <dgm:linClrLst meth="repeat">
+      <a:schemeClr val="accent1"/>
+    </dgm:linClrLst>
+    <dgm:effectClrLst/>
+    <dgm:txLinClrLst/>
+    <dgm:txFillClrLst meth="repeat">
+      <a:schemeClr val="lt1"/>
+    </dgm:txFillClrLst>
+    <dgm:txEffectClrLst/>
+  </dgm:styleLbl>
+  <dgm:styleLbl name="parChTrans2D4">
+    <dgm:fillClrLst meth="repeat">
+      <a:schemeClr val="accent1"/>
+    </dgm:fillClrLst>
+    <dgm:linClrLst meth="repeat">
+      <a:schemeClr val="accent1"/>
+    </dgm:linClrLst>
+    <dgm:effectClrLst/>
+    <dgm:txLinClrLst/>
+    <dgm:txFillClrLst meth="repeat">
+      <a:schemeClr val="lt1"/>
+    </dgm:txFillClrLst>
+    <dgm:txEffectClrLst/>
+  </dgm:styleLbl>
+  <dgm:styleLbl name="parChTrans1D1">
+    <dgm:fillClrLst meth="repeat">
+      <a:schemeClr val="accent1"/>
+    </dgm:fillClrLst>
+    <dgm:linClrLst meth="repeat">
+      <a:schemeClr val="accent1">
+        <a:shade val="60000"/>
+      </a:schemeClr>
+    </dgm:linClrLst>
+    <dgm:effectClrLst/>
+    <dgm:txLinClrLst/>
+    <dgm:txFillClrLst meth="repeat">
+      <a:schemeClr val="tx1"/>
+    </dgm:txFillClrLst>
+    <dgm:txEffectClrLst/>
+  </dgm:styleLbl>
+  <dgm:styleLbl name="parChTrans1D2">
+    <dgm:fillClrLst meth="repeat">
+      <a:schemeClr val="accent1"/>
+    </dgm:fillClrLst>
+    <dgm:linClrLst meth="repeat">
+      <a:schemeClr val="accent1">
+        <a:shade val="60000"/>
+      </a:schemeClr>
+    </dgm:linClrLst>
+    <dgm:effectClrLst/>
+    <dgm:txLinClrLst/>
+    <dgm:txFillClrLst meth="repeat">
+      <a:schemeClr val="tx1"/>
+    </dgm:txFillClrLst>
+    <dgm:txEffectClrLst/>
+  </dgm:styleLbl>
+  <dgm:styleLbl name="parChTrans1D3">
+    <dgm:fillClrLst meth="repeat">
+      <a:schemeClr val="accent1"/>
+    </dgm:fillClrLst>
+    <dgm:linClrLst meth="repeat">
+      <a:schemeClr val="accent1">
+        <a:shade val="80000"/>
+      </a:schemeClr>
+    </dgm:linClrLst>
+    <dgm:effectClrLst/>
+    <dgm:txLinClrLst/>
+    <dgm:txFillClrLst meth="repeat">
+      <a:schemeClr val="tx1"/>
+    </dgm:txFillClrLst>
+    <dgm:txEffectClrLst/>
+  </dgm:styleLbl>
+  <dgm:styleLbl name="parChTrans1D4">
+    <dgm:fillClrLst meth="repeat">
+      <a:schemeClr val="accent1"/>
+    </dgm:fillClrLst>
+    <dgm:linClrLst meth="repeat">
+      <a:schemeClr val="accent1">
+        <a:shade val="80000"/>
+      </a:schemeClr>
+    </dgm:linClrLst>
+    <dgm:effectClrLst/>
+    <dgm:txLinClrLst/>
+    <dgm:txFillClrLst meth="repeat">
+      <a:schemeClr val="tx1"/>
+    </dgm:txFillClrLst>
+    <dgm:txEffectClrLst/>
+  </dgm:styleLbl>
+  <dgm:styleLbl name="fgAcc1">
+    <dgm:fillClrLst meth="repeat">
+      <a:schemeClr val="lt1">
+        <a:alpha val="90000"/>
+      </a:schemeClr>
+    </dgm:fillClrLst>
+    <dgm:linClrLst meth="repeat">
+      <a:schemeClr val="accent1"/>
+    </dgm:linClrLst>
+    <dgm:effectClrLst/>
+    <dgm:txLinClrLst/>
+    <dgm:txFillClrLst meth="repeat">
+      <a:schemeClr val="dk1"/>
+    </dgm:txFillClrLst>
+    <dgm:txEffectClrLst/>
+  </dgm:styleLbl>
+  <dgm:styleLbl name="conFgAcc1">
+    <dgm:fillClrLst meth="repeat">
+      <a:schemeClr val="lt1">
+        <a:alpha val="90000"/>
+      </a:schemeClr>
+    </dgm:fillClrLst>
+    <dgm:linClrLst meth="repeat">
+      <a:schemeClr val="accent1"/>
+    </dgm:linClrLst>
+    <dgm:effectClrLst/>
+    <dgm:txLinClrLst/>
+    <dgm:txFillClrLst meth="repeat">
+      <a:schemeClr val="dk1"/>
+    </dgm:txFillClrLst>
+    <dgm:txEffectClrLst/>
+  </dgm:styleLbl>
+  <dgm:styleLbl name="alignAcc1">
+    <dgm:fillClrLst meth="repeat">
+      <a:schemeClr val="lt1">
+        <a:alpha val="90000"/>
+      </a:schemeClr>
+    </dgm:fillClrLst>
+    <dgm:linClrLst meth="repeat">
+      <a:schemeClr val="accent1"/>
+    </dgm:linClrLst>
+    <dgm:effectClrLst/>
+    <dgm:txLinClrLst/>
+    <dgm:txFillClrLst meth="repeat">
+      <a:schemeClr val="dk1"/>
+    </dgm:txFillClrLst>
+    <dgm:txEffectClrLst/>
+  </dgm:styleLbl>
+  <dgm:styleLbl name="trAlignAcc1">
+    <dgm:fillClrLst meth="repeat">
+      <a:schemeClr val="lt1">
+        <a:alpha val="40000"/>
+      </a:schemeClr>
+    </dgm:fillClrLst>
+    <dgm:linClrLst meth="repeat">
+      <a:schemeClr val="accent1"/>
+    </dgm:linClrLst>
+    <dgm:effectClrLst/>
+    <dgm:txLinClrLst/>
+    <dgm:txFillClrLst meth="repeat">
+      <a:schemeClr val="dk1"/>
+    </dgm:txFillClrLst>
+    <dgm:txEffectClrLst/>
+  </dgm:styleLbl>
+  <dgm:styleLbl name="bgAcc1">
+    <dgm:fillClrLst meth="repeat">
+      <a:schemeClr val="lt1">
+        <a:alpha val="90000"/>
+      </a:schemeClr>
+    </dgm:fillClrLst>
+    <dgm:linClrLst meth="repeat">
+      <a:schemeClr val="accent1"/>
+    </dgm:linClrLst>
+    <dgm:effectClrLst/>
+    <dgm:txLinClrLst/>
+    <dgm:txFillClrLst meth="repeat">
+      <a:schemeClr val="dk1"/>
+    </dgm:txFillClrLst>
+    <dgm:txEffectClrLst/>
+  </dgm:styleLbl>
+  <dgm:styleLbl name="solidFgAcc1">
+    <dgm:fillClrLst meth="repeat">
+      <a:schemeClr val="lt1"/>
+    </dgm:fillClrLst>
+    <dgm:linClrLst meth="repeat">
+      <a:schemeClr val="accent1"/>
+    </dgm:linClrLst>
+    <dgm:effectClrLst/>
+    <dgm:txLinClrLst/>
+    <dgm:txFillClrLst meth="repeat">
+      <a:schemeClr val="dk1"/>
+    </dgm:txFillClrLst>
+    <dgm:txEffectClrLst/>
+  </dgm:styleLbl>
+  <dgm:styleLbl name="solidAlignAcc1">
+    <dgm:fillClrLst meth="repeat">
+      <a:schemeClr val="lt1"/>
+    </dgm:fillClrLst>
+    <dgm:linClrLst meth="repeat">
+      <a:schemeClr val="accent1"/>
+    </dgm:linClrLst>
+    <dgm:effectClrLst/>
+    <dgm:txLinClrLst/>
+    <dgm:txFillClrLst meth="repeat">
+      <a:schemeClr val="dk1"/>
+    </dgm:txFillClrLst>
+    <dgm:txEffectClrLst/>
+  </dgm:styleLbl>
+  <dgm:styleLbl name="solidBgAcc1">
+    <dgm:fillClrLst meth="repeat">
+      <a:schemeClr val="lt1"/>
+    </dgm:fillClrLst>
+    <dgm:linClrLst meth="repeat">
+      <a:schemeClr val="accent1"/>
+    </dgm:linClrLst>
+    <dgm:effectClrLst/>
+    <dgm:txLinClrLst/>
+    <dgm:txFillClrLst meth="repeat">
+      <a:schemeClr val="dk1"/>
+    </dgm:txFillClrLst>
+    <dgm:txEffectClrLst/>
+  </dgm:styleLbl>
+  <dgm:styleLbl name="fgAccFollowNode1">
+    <dgm:fillClrLst meth="repeat">
+      <a:schemeClr val="accent1">
+        <a:alpha val="90000"/>
+        <a:tint val="40000"/>
+      </a:schemeClr>
+    </dgm:fillClrLst>
+    <dgm:linClrLst meth="repeat">
+      <a:schemeClr val="accent1">
+        <a:alpha val="90000"/>
+        <a:tint val="40000"/>
+      </a:schemeClr>
+    </dgm:linClrLst>
+    <dgm:effectClrLst/>
+    <dgm:txLinClrLst/>
+    <dgm:txFillClrLst meth="repeat">
+      <a:schemeClr val="dk1"/>
+    </dgm:txFillClrLst>
+    <dgm:txEffectClrLst/>
+  </dgm:styleLbl>
+  <dgm:styleLbl name="alignAccFollowNode1">
+    <dgm:fillClrLst meth="repeat">
+      <a:schemeClr val="accent1">
+        <a:alpha val="90000"/>
+        <a:tint val="40000"/>
+      </a:schemeClr>
+    </dgm:fillClrLst>
+    <dgm:linClrLst meth="repeat">
+      <a:schemeClr val="accent1">
+        <a:alpha val="90000"/>
+        <a:tint val="40000"/>
+      </a:schemeClr>
+    </dgm:linClrLst>
+    <dgm:effectClrLst/>
+    <dgm:txLinClrLst/>
+    <dgm:txFillClrLst meth="repeat">
+      <a:schemeClr val="dk1"/>
+    </dgm:txFillClrLst>
+    <dgm:txEffectClrLst/>
+  </dgm:styleLbl>
+  <dgm:styleLbl name="bgAccFollowNode1">
+    <dgm:fillClrLst meth="repeat">
+      <a:schemeClr val="accent1">
+        <a:alpha val="90000"/>
+        <a:tint val="40000"/>
+      </a:schemeClr>
+    </dgm:fillClrLst>
+    <dgm:linClrLst meth="repeat">
+      <a:schemeClr val="accent1">
+        <a:alpha val="90000"/>
+        <a:tint val="40000"/>
+      </a:schemeClr>
+    </dgm:linClrLst>
+    <dgm:effectClrLst/>
+    <dgm:txLinClrLst/>
+    <dgm:txFillClrLst meth="repeat">
+      <a:schemeClr val="dk1"/>
+    </dgm:txFillClrLst>
+    <dgm:txEffectClrLst/>
+  </dgm:styleLbl>
+  <dgm:styleLbl name="fgAcc0">
+    <dgm:fillClrLst meth="repeat">
+      <a:schemeClr val="lt1">
+        <a:alpha val="90000"/>
+      </a:schemeClr>
+    </dgm:fillClrLst>
+    <dgm:linClrLst meth="repeat">
+      <a:schemeClr val="accent1"/>
+    </dgm:linClrLst>
+    <dgm:effectClrLst/>
+    <dgm:txLinClrLst/>
+    <dgm:txFillClrLst meth="repeat">
+      <a:schemeClr val="dk1"/>
+    </dgm:txFillClrLst>
+    <dgm:txEffectClrLst/>
+  </dgm:styleLbl>
+  <dgm:styleLbl name="fgAcc2">
+    <dgm:fillClrLst meth="repeat">
+      <a:schemeClr val="lt1">
+        <a:alpha val="90000"/>
+      </a:schemeClr>
+    </dgm:fillClrLst>
+    <dgm:linClrLst meth="repeat">
+      <a:schemeClr val="accent1"/>
+    </dgm:linClrLst>
+    <dgm:effectClrLst/>
+    <dgm:txLinClrLst/>
+    <dgm:txFillClrLst meth="repeat">
+      <a:schemeClr val="dk1"/>
+    </dgm:txFillClrLst>
+    <dgm:txEffectClrLst/>
+  </dgm:styleLbl>
+  <dgm:styleLbl name="fgAcc3">
+    <dgm:fillClrLst meth="repeat">
+      <a:schemeClr val="lt1">
+        <a:alpha val="90000"/>
+      </a:schemeClr>
+    </dgm:fillClrLst>
+    <dgm:linClrLst meth="repeat">
+      <a:schemeClr val="accent1"/>
+    </dgm:linClrLst>
+    <dgm:effectClrLst/>
+    <dgm:txLinClrLst/>
+    <dgm:txFillClrLst meth="repeat">
+      <a:schemeClr val="dk1"/>
+    </dgm:txFillClrLst>
+    <dgm:txEffectClrLst/>
+  </dgm:styleLbl>
+  <dgm:styleLbl name="fgAcc4">
+    <dgm:fillClrLst meth="repeat">
+      <a:schemeClr val="lt1">
+        <a:alpha val="90000"/>
+      </a:schemeClr>
+    </dgm:fillClrLst>
+    <dgm:linClrLst meth="repeat">
+      <a:schemeClr val="accent1"/>
+    </dgm:linClrLst>
+    <dgm:effectClrLst/>
+    <dgm:txLinClrLst/>
+    <dgm:txFillClrLst meth="repeat">
+      <a:schemeClr val="dk1"/>
+    </dgm:txFillClrLst>
+    <dgm:txEffectClrLst/>
+  </dgm:styleLbl>
+  <dgm:styleLbl name="bgShp">
+    <dgm:fillClrLst meth="repeat">
+      <a:schemeClr val="accent1">
+        <a:tint val="40000"/>
+      </a:schemeClr>
+    </dgm:fillClrLst>
+    <dgm:linClrLst meth="repeat">
+      <a:schemeClr val="accent1"/>
+    </dgm:linClrLst>
+    <dgm:effectClrLst/>
+    <dgm:txLinClrLst/>
+    <dgm:txFillClrLst meth="repeat">
+      <a:schemeClr val="dk1"/>
+    </dgm:txFillClrLst>
+    <dgm:txEffectClrLst/>
+  </dgm:styleLbl>
+  <dgm:styleLbl name="dkBgShp">
+    <dgm:fillClrLst meth="repeat">
+      <a:schemeClr val="accent1">
+        <a:shade val="80000"/>
+      </a:schemeClr>
+    </dgm:fillClrLst>
+    <dgm:linClrLst meth="repeat">
+      <a:schemeClr val="accent1"/>
+    </dgm:linClrLst>
+    <dgm:effectClrLst/>
+    <dgm:txLinClrLst/>
+    <dgm:txFillClrLst meth="repeat">
+      <a:schemeClr val="lt1"/>
+    </dgm:txFillClrLst>
+    <dgm:txEffectClrLst/>
+  </dgm:styleLbl>
+  <dgm:styleLbl name="trBgShp">
+    <dgm:fillClrLst meth="repeat">
+      <a:schemeClr val="accent1">
+        <a:tint val="50000"/>
+        <a:alpha val="40000"/>
+      </a:schemeClr>
+    </dgm:fillClrLst>
+    <dgm:linClrLst meth="repeat">
+      <a:schemeClr val="accent1"/>
+    </dgm:linClrLst>
+    <dgm:effectClrLst/>
+    <dgm:txLinClrLst/>
+    <dgm:txFillClrLst meth="repeat">
+      <a:schemeClr val="lt1"/>
+    </dgm:txFillClrLst>
+    <dgm:txEffectClrLst/>
+  </dgm:styleLbl>
+  <dgm:styleLbl name="fgShp">
+    <dgm:fillClrLst meth="repeat">
+      <a:schemeClr val="accent1">
+        <a:tint val="60000"/>
+      </a:schemeClr>
+    </dgm:fillClrLst>
+    <dgm:linClrLst meth="repeat">
+      <a:schemeClr val="lt1"/>
+    </dgm:linClrLst>
+    <dgm:effectClrLst/>
+    <dgm:txLinClrLst/>
+    <dgm:txFillClrLst meth="repeat">
+      <a:schemeClr val="dk1"/>
+    </dgm:txFillClrLst>
+    <dgm:txEffectClrLst/>
+  </dgm:styleLbl>
+  <dgm:styleLbl name="revTx">
+    <dgm:fillClrLst meth="repeat">
+      <a:schemeClr val="lt1">
+        <a:alpha val="0"/>
+      </a:schemeClr>
+    </dgm:fillClrLst>
+    <dgm:linClrLst meth="repeat">
+      <a:schemeClr val="dk1">
+        <a:alpha val="0"/>
+      </a:schemeClr>
+    </dgm:linClrLst>
+    <dgm:effectClrLst/>
+    <dgm:txLinClrLst/>
+    <dgm:txFillClrLst meth="repeat">
+      <a:schemeClr val="tx1"/>
+    </dgm:txFillClrLst>
+    <dgm:txEffectClrLst/>
+  </dgm:styleLbl>
+</dgm:colorsDef>
+</file>
+
+<file path=ppt/diagrams/data1.xml><?xml version="1.0" encoding="utf-8"?>
+<dgm:dataModel xmlns:dgm="http://schemas.openxmlformats.org/drawingml/2006/diagram" xmlns:a="http://schemas.openxmlformats.org/drawingml/2006/main">
+  <dgm:ptLst>
+    <dgm:pt modelId="{7689150E-2B02-43D7-A25A-40FBCD7EBFFE}" type="doc">
+      <dgm:prSet loTypeId="urn:microsoft.com/office/officeart/2018/5/layout/CenteredIconLabelDescriptionList" loCatId="icon" qsTypeId="urn:microsoft.com/office/officeart/2005/8/quickstyle/simple1" qsCatId="simple" csTypeId="urn:microsoft.com/office/officeart/2005/8/colors/accent1_2" csCatId="accent1" phldr="1"/>
+      <dgm:spPr/>
+      <dgm:t>
+        <a:bodyPr/>
+        <a:lstStyle/>
+        <a:p>
+          <a:endParaRPr lang="en-US"/>
+        </a:p>
+      </dgm:t>
+    </dgm:pt>
+    <dgm:pt modelId="{1848FAFB-3CCC-4F65-87F1-81FB53055E81}">
+      <dgm:prSet/>
+      <dgm:spPr/>
+      <dgm:t>
+        <a:bodyPr/>
+        <a:lstStyle/>
+        <a:p>
+          <a:pPr>
+            <a:lnSpc>
+              <a:spcPct val="100000"/>
+            </a:lnSpc>
+            <a:defRPr b="1"/>
+          </a:pPr>
+          <a:r>
+            <a:rPr lang="en-US" b="0" i="0"/>
+            <a:t>Mistakes &amp; Risks</a:t>
+          </a:r>
+          <a:endParaRPr lang="en-US"/>
+        </a:p>
+      </dgm:t>
+    </dgm:pt>
+    <dgm:pt modelId="{4EA522A0-1354-48AA-B6FF-B7A1DD8DBFD1}" type="parTrans" cxnId="{EB548E7A-641F-4942-8661-A10E4A537DFC}">
+      <dgm:prSet/>
+      <dgm:spPr/>
+      <dgm:t>
+        <a:bodyPr/>
+        <a:lstStyle/>
+        <a:p>
+          <a:endParaRPr lang="en-US"/>
+        </a:p>
+      </dgm:t>
+    </dgm:pt>
+    <dgm:pt modelId="{623D98F8-8A27-471B-AA4B-F9F7A500F0E6}" type="sibTrans" cxnId="{EB548E7A-641F-4942-8661-A10E4A537DFC}">
+      <dgm:prSet/>
+      <dgm:spPr/>
+      <dgm:t>
+        <a:bodyPr/>
+        <a:lstStyle/>
+        <a:p>
+          <a:endParaRPr lang="en-US"/>
+        </a:p>
+      </dgm:t>
+    </dgm:pt>
+    <dgm:pt modelId="{6C5F79CF-6BDC-493F-B882-295251BA2FB2}">
+      <dgm:prSet/>
+      <dgm:spPr/>
+      <dgm:t>
+        <a:bodyPr/>
+        <a:lstStyle/>
+        <a:p>
+          <a:pPr>
+            <a:lnSpc>
+              <a:spcPct val="100000"/>
+            </a:lnSpc>
+            <a:buFont typeface="Wingdings" panose="05000000000000000000" pitchFamily="2" charset="2"/>
+            <a:buNone/>
+          </a:pPr>
+          <a:r>
+            <a:rPr lang="en-US" b="0" i="0" dirty="0"/>
+            <a:t>Misclassification</a:t>
+          </a:r>
+          <a:endParaRPr lang="en-US" dirty="0"/>
+        </a:p>
+      </dgm:t>
+    </dgm:pt>
+    <dgm:pt modelId="{980D470E-F7C6-4783-8792-2B989ABFAF28}" type="parTrans" cxnId="{1D915373-1BC6-424A-A780-23D1A5AC69B0}">
+      <dgm:prSet/>
+      <dgm:spPr/>
+      <dgm:t>
+        <a:bodyPr/>
+        <a:lstStyle/>
+        <a:p>
+          <a:endParaRPr lang="en-US"/>
+        </a:p>
+      </dgm:t>
+    </dgm:pt>
+    <dgm:pt modelId="{DA495DC2-C2F4-4505-8800-50A1E8DB4F88}" type="sibTrans" cxnId="{1D915373-1BC6-424A-A780-23D1A5AC69B0}">
+      <dgm:prSet/>
+      <dgm:spPr/>
+      <dgm:t>
+        <a:bodyPr/>
+        <a:lstStyle/>
+        <a:p>
+          <a:endParaRPr lang="en-US"/>
+        </a:p>
+      </dgm:t>
+    </dgm:pt>
+    <dgm:pt modelId="{86AAA2EF-C890-467C-89FB-6CC9EA2DE36A}">
+      <dgm:prSet/>
+      <dgm:spPr/>
+      <dgm:t>
+        <a:bodyPr/>
+        <a:lstStyle/>
+        <a:p>
+          <a:pPr>
+            <a:lnSpc>
+              <a:spcPct val="100000"/>
+            </a:lnSpc>
+            <a:buFont typeface="Wingdings" panose="05000000000000000000" pitchFamily="2" charset="2"/>
+            <a:buNone/>
+          </a:pPr>
+          <a:r>
+            <a:rPr lang="en-US" b="0" i="0" dirty="0"/>
+            <a:t>Constant monitoring of trends</a:t>
+          </a:r>
+          <a:endParaRPr lang="en-US" dirty="0"/>
+        </a:p>
+      </dgm:t>
+    </dgm:pt>
+    <dgm:pt modelId="{FFB5931C-5E20-4A76-AE2E-25725DEF64FA}" type="parTrans" cxnId="{74BB24E0-0989-4C03-B8C6-C9A4DC1EC804}">
+      <dgm:prSet/>
+      <dgm:spPr/>
+      <dgm:t>
+        <a:bodyPr/>
+        <a:lstStyle/>
+        <a:p>
+          <a:endParaRPr lang="en-US"/>
+        </a:p>
+      </dgm:t>
+    </dgm:pt>
+    <dgm:pt modelId="{EBD40ACA-2FE9-4BA4-8DEC-47ADC09FD1CD}" type="sibTrans" cxnId="{74BB24E0-0989-4C03-B8C6-C9A4DC1EC804}">
+      <dgm:prSet/>
+      <dgm:spPr/>
+      <dgm:t>
+        <a:bodyPr/>
+        <a:lstStyle/>
+        <a:p>
+          <a:endParaRPr lang="en-US"/>
+        </a:p>
+      </dgm:t>
+    </dgm:pt>
+    <dgm:pt modelId="{D8481F7C-3671-4420-9CA7-A1F05DA10989}">
+      <dgm:prSet/>
+      <dgm:spPr/>
+      <dgm:t>
+        <a:bodyPr/>
+        <a:lstStyle/>
+        <a:p>
+          <a:pPr>
+            <a:lnSpc>
+              <a:spcPct val="100000"/>
+            </a:lnSpc>
+            <a:defRPr b="1"/>
+          </a:pPr>
+          <a:r>
+            <a:rPr lang="en-US" b="0" i="0"/>
+            <a:t>Solutions</a:t>
+          </a:r>
+          <a:endParaRPr lang="en-US"/>
+        </a:p>
+      </dgm:t>
+    </dgm:pt>
+    <dgm:pt modelId="{4D65E3DC-1DAF-4A2B-9BA1-C22D50711BB4}" type="parTrans" cxnId="{8DEC0D74-9063-4247-80C0-D0151E7D8A3E}">
+      <dgm:prSet/>
+      <dgm:spPr/>
+      <dgm:t>
+        <a:bodyPr/>
+        <a:lstStyle/>
+        <a:p>
+          <a:endParaRPr lang="en-US"/>
+        </a:p>
+      </dgm:t>
+    </dgm:pt>
+    <dgm:pt modelId="{4DEE5E3F-9A4D-45CF-AA98-DC7A58DE4744}" type="sibTrans" cxnId="{8DEC0D74-9063-4247-80C0-D0151E7D8A3E}">
+      <dgm:prSet/>
+      <dgm:spPr/>
+      <dgm:t>
+        <a:bodyPr/>
+        <a:lstStyle/>
+        <a:p>
+          <a:endParaRPr lang="en-US"/>
+        </a:p>
+      </dgm:t>
+    </dgm:pt>
+    <dgm:pt modelId="{51A8F31E-1A12-4434-BE83-467D0B0C0547}">
+      <dgm:prSet/>
+      <dgm:spPr/>
+      <dgm:t>
+        <a:bodyPr/>
+        <a:lstStyle/>
+        <a:p>
+          <a:pPr>
+            <a:lnSpc>
+              <a:spcPct val="100000"/>
+            </a:lnSpc>
+          </a:pPr>
+          <a:r>
+            <a:rPr lang="en-US" b="0" i="0"/>
+            <a:t>Double checking</a:t>
+          </a:r>
+          <a:endParaRPr lang="en-US"/>
+        </a:p>
+      </dgm:t>
+    </dgm:pt>
+    <dgm:pt modelId="{8E5C12BD-4FD0-450E-B816-E9231962D755}" type="parTrans" cxnId="{B8B2D79E-D629-4473-98C4-D1D24A0196B2}">
+      <dgm:prSet/>
+      <dgm:spPr/>
+      <dgm:t>
+        <a:bodyPr/>
+        <a:lstStyle/>
+        <a:p>
+          <a:endParaRPr lang="en-US"/>
+        </a:p>
+      </dgm:t>
+    </dgm:pt>
+    <dgm:pt modelId="{D04D6B2B-B757-42FF-8D87-DC29AF4A9E18}" type="sibTrans" cxnId="{B8B2D79E-D629-4473-98C4-D1D24A0196B2}">
+      <dgm:prSet/>
+      <dgm:spPr/>
+      <dgm:t>
+        <a:bodyPr/>
+        <a:lstStyle/>
+        <a:p>
+          <a:endParaRPr lang="en-US"/>
+        </a:p>
+      </dgm:t>
+    </dgm:pt>
+    <dgm:pt modelId="{6706CECA-C0E8-468D-9D72-F6C8EF6E9DBC}">
+      <dgm:prSet/>
+      <dgm:spPr/>
+      <dgm:t>
+        <a:bodyPr/>
+        <a:lstStyle/>
+        <a:p>
+          <a:pPr>
+            <a:lnSpc>
+              <a:spcPct val="100000"/>
+            </a:lnSpc>
+          </a:pPr>
+          <a:r>
+            <a:rPr lang="en-US" b="0" i="0"/>
+            <a:t>Simulate Predictions early</a:t>
+          </a:r>
+          <a:endParaRPr lang="en-US"/>
+        </a:p>
+      </dgm:t>
+    </dgm:pt>
+    <dgm:pt modelId="{A70E3373-3F41-46D4-B194-D5EFC21A0819}" type="parTrans" cxnId="{AD66B71E-E869-41EB-AB41-9CB269CFBA50}">
+      <dgm:prSet/>
+      <dgm:spPr/>
+      <dgm:t>
+        <a:bodyPr/>
+        <a:lstStyle/>
+        <a:p>
+          <a:endParaRPr lang="en-US"/>
+        </a:p>
+      </dgm:t>
+    </dgm:pt>
+    <dgm:pt modelId="{02A6A6E4-4EAD-4157-9817-3B6499456701}" type="sibTrans" cxnId="{AD66B71E-E869-41EB-AB41-9CB269CFBA50}">
+      <dgm:prSet/>
+      <dgm:spPr/>
+      <dgm:t>
+        <a:bodyPr/>
+        <a:lstStyle/>
+        <a:p>
+          <a:endParaRPr lang="en-US"/>
+        </a:p>
+      </dgm:t>
+    </dgm:pt>
+    <dgm:pt modelId="{34078E8D-F083-4AC9-AF26-2D398F69B6A4}" type="pres">
+      <dgm:prSet presAssocID="{7689150E-2B02-43D7-A25A-40FBCD7EBFFE}" presName="root" presStyleCnt="0">
+        <dgm:presLayoutVars>
+          <dgm:dir/>
+          <dgm:resizeHandles val="exact"/>
+        </dgm:presLayoutVars>
+      </dgm:prSet>
+      <dgm:spPr/>
+    </dgm:pt>
+    <dgm:pt modelId="{C92E97EF-1CCA-42F1-9D73-5EB6F4F22689}" type="pres">
+      <dgm:prSet presAssocID="{1848FAFB-3CCC-4F65-87F1-81FB53055E81}" presName="compNode" presStyleCnt="0"/>
+      <dgm:spPr/>
+    </dgm:pt>
+    <dgm:pt modelId="{67AD598B-1F5C-4DF7-A3DB-AA5917126970}" type="pres">
+      <dgm:prSet presAssocID="{1848FAFB-3CCC-4F65-87F1-81FB53055E81}" presName="iconRect" presStyleLbl="node1" presStyleIdx="0" presStyleCnt="2"/>
+      <dgm:spPr>
+        <a:blipFill>
+          <a:blip xmlns:r="http://schemas.openxmlformats.org/officeDocument/2006/relationships" r:embed="rId1">
+            <a:extLst>
+              <a:ext uri="{28A0092B-C50C-407E-A947-70E740481C1C}">
+                <a14:useLocalDpi xmlns:a14="http://schemas.microsoft.com/office/drawing/2010/main" val="0"/>
+              </a:ext>
+              <a:ext uri="{96DAC541-7B7A-43D3-8B79-37D633B846F1}">
+                <asvg:svgBlip xmlns:asvg="http://schemas.microsoft.com/office/drawing/2016/SVG/main" r:embed="rId2"/>
+              </a:ext>
+            </a:extLst>
+          </a:blip>
+          <a:stretch>
+            <a:fillRect/>
+          </a:stretch>
+        </a:blipFill>
+      </dgm:spPr>
+      <dgm:extLst>
+        <a:ext uri="{E40237B7-FDA0-4F09-8148-C483321AD2D9}">
+          <dgm14:cNvPr xmlns:dgm14="http://schemas.microsoft.com/office/drawing/2010/diagram" id="0" name="" descr="Warnung"/>
+        </a:ext>
+      </dgm:extLst>
+    </dgm:pt>
+    <dgm:pt modelId="{07325C2A-3DB3-4748-953C-702FB33E10AA}" type="pres">
+      <dgm:prSet presAssocID="{1848FAFB-3CCC-4F65-87F1-81FB53055E81}" presName="iconSpace" presStyleCnt="0"/>
+      <dgm:spPr/>
+    </dgm:pt>
+    <dgm:pt modelId="{A5B94D7D-8967-4147-A09C-040115DFE088}" type="pres">
+      <dgm:prSet presAssocID="{1848FAFB-3CCC-4F65-87F1-81FB53055E81}" presName="parTx" presStyleLbl="revTx" presStyleIdx="0" presStyleCnt="4">
+        <dgm:presLayoutVars>
+          <dgm:chMax val="0"/>
+          <dgm:chPref val="0"/>
+        </dgm:presLayoutVars>
+      </dgm:prSet>
+      <dgm:spPr/>
+    </dgm:pt>
+    <dgm:pt modelId="{1A69AF8B-AA15-430E-BEDF-82BEC91FAEAF}" type="pres">
+      <dgm:prSet presAssocID="{1848FAFB-3CCC-4F65-87F1-81FB53055E81}" presName="txSpace" presStyleCnt="0"/>
+      <dgm:spPr/>
+    </dgm:pt>
+    <dgm:pt modelId="{F89B7DE2-0225-4702-A15F-0A23D66E572A}" type="pres">
+      <dgm:prSet presAssocID="{1848FAFB-3CCC-4F65-87F1-81FB53055E81}" presName="desTx" presStyleLbl="revTx" presStyleIdx="1" presStyleCnt="4">
+        <dgm:presLayoutVars/>
+      </dgm:prSet>
+      <dgm:spPr/>
+    </dgm:pt>
+    <dgm:pt modelId="{6CC5A2E0-51D4-4AAE-BB06-FB547D4BCD81}" type="pres">
+      <dgm:prSet presAssocID="{623D98F8-8A27-471B-AA4B-F9F7A500F0E6}" presName="sibTrans" presStyleCnt="0"/>
+      <dgm:spPr/>
+    </dgm:pt>
+    <dgm:pt modelId="{59F32826-157B-41F0-9679-3BABE6CF13C2}" type="pres">
+      <dgm:prSet presAssocID="{D8481F7C-3671-4420-9CA7-A1F05DA10989}" presName="compNode" presStyleCnt="0"/>
+      <dgm:spPr/>
+    </dgm:pt>
+    <dgm:pt modelId="{C5478E6D-1BD2-413C-9D43-D320740B20F7}" type="pres">
+      <dgm:prSet presAssocID="{D8481F7C-3671-4420-9CA7-A1F05DA10989}" presName="iconRect" presStyleLbl="node1" presStyleIdx="1" presStyleCnt="2"/>
+      <dgm:spPr>
+        <a:blipFill>
+          <a:blip xmlns:r="http://schemas.openxmlformats.org/officeDocument/2006/relationships" r:embed="rId3">
+            <a:extLst>
+              <a:ext uri="{28A0092B-C50C-407E-A947-70E740481C1C}">
+                <a14:useLocalDpi xmlns:a14="http://schemas.microsoft.com/office/drawing/2010/main" val="0"/>
+              </a:ext>
+              <a:ext uri="{96DAC541-7B7A-43D3-8B79-37D633B846F1}">
+                <asvg:svgBlip xmlns:asvg="http://schemas.microsoft.com/office/drawing/2016/SVG/main" r:embed="rId4"/>
+              </a:ext>
+            </a:extLst>
+          </a:blip>
+          <a:stretch>
+            <a:fillRect/>
+          </a:stretch>
+        </a:blipFill>
+      </dgm:spPr>
+      <dgm:extLst>
+        <a:ext uri="{E40237B7-FDA0-4F09-8148-C483321AD2D9}">
+          <dgm14:cNvPr xmlns:dgm14="http://schemas.microsoft.com/office/drawing/2010/diagram" id="0" name="" descr="Häkchen"/>
+        </a:ext>
+      </dgm:extLst>
+    </dgm:pt>
+    <dgm:pt modelId="{E80FE4C4-9C1F-4854-96BC-7FCF987C1440}" type="pres">
+      <dgm:prSet presAssocID="{D8481F7C-3671-4420-9CA7-A1F05DA10989}" presName="iconSpace" presStyleCnt="0"/>
+      <dgm:spPr/>
+    </dgm:pt>
+    <dgm:pt modelId="{F33F57B6-49EE-4D02-BE07-7995C58976B6}" type="pres">
+      <dgm:prSet presAssocID="{D8481F7C-3671-4420-9CA7-A1F05DA10989}" presName="parTx" presStyleLbl="revTx" presStyleIdx="2" presStyleCnt="4">
+        <dgm:presLayoutVars>
+          <dgm:chMax val="0"/>
+          <dgm:chPref val="0"/>
+        </dgm:presLayoutVars>
+      </dgm:prSet>
+      <dgm:spPr/>
+    </dgm:pt>
+    <dgm:pt modelId="{C5A99EAD-465B-4C9D-B2B3-AEBC397EE083}" type="pres">
+      <dgm:prSet presAssocID="{D8481F7C-3671-4420-9CA7-A1F05DA10989}" presName="txSpace" presStyleCnt="0"/>
+      <dgm:spPr/>
+    </dgm:pt>
+    <dgm:pt modelId="{0DDE8E07-62E5-4551-B8C0-EE8B8D02D42C}" type="pres">
+      <dgm:prSet presAssocID="{D8481F7C-3671-4420-9CA7-A1F05DA10989}" presName="desTx" presStyleLbl="revTx" presStyleIdx="3" presStyleCnt="4">
+        <dgm:presLayoutVars/>
+      </dgm:prSet>
+      <dgm:spPr/>
+    </dgm:pt>
+  </dgm:ptLst>
+  <dgm:cxnLst>
+    <dgm:cxn modelId="{A1E0D119-BABB-451C-B3E8-C65FFFD965B8}" type="presOf" srcId="{6706CECA-C0E8-468D-9D72-F6C8EF6E9DBC}" destId="{0DDE8E07-62E5-4551-B8C0-EE8B8D02D42C}" srcOrd="0" destOrd="1" presId="urn:microsoft.com/office/officeart/2018/5/layout/CenteredIconLabelDescriptionList"/>
+    <dgm:cxn modelId="{AD66B71E-E869-41EB-AB41-9CB269CFBA50}" srcId="{D8481F7C-3671-4420-9CA7-A1F05DA10989}" destId="{6706CECA-C0E8-468D-9D72-F6C8EF6E9DBC}" srcOrd="1" destOrd="0" parTransId="{A70E3373-3F41-46D4-B194-D5EFC21A0819}" sibTransId="{02A6A6E4-4EAD-4157-9817-3B6499456701}"/>
+    <dgm:cxn modelId="{19790435-C732-4489-B464-DAB1EC6A6E3D}" type="presOf" srcId="{6C5F79CF-6BDC-493F-B882-295251BA2FB2}" destId="{F89B7DE2-0225-4702-A15F-0A23D66E572A}" srcOrd="0" destOrd="0" presId="urn:microsoft.com/office/officeart/2018/5/layout/CenteredIconLabelDescriptionList"/>
+    <dgm:cxn modelId="{7D4AC366-56C8-4562-995E-1758B3D2FFA5}" type="presOf" srcId="{D8481F7C-3671-4420-9CA7-A1F05DA10989}" destId="{F33F57B6-49EE-4D02-BE07-7995C58976B6}" srcOrd="0" destOrd="0" presId="urn:microsoft.com/office/officeart/2018/5/layout/CenteredIconLabelDescriptionList"/>
+    <dgm:cxn modelId="{1D915373-1BC6-424A-A780-23D1A5AC69B0}" srcId="{1848FAFB-3CCC-4F65-87F1-81FB53055E81}" destId="{6C5F79CF-6BDC-493F-B882-295251BA2FB2}" srcOrd="0" destOrd="0" parTransId="{980D470E-F7C6-4783-8792-2B989ABFAF28}" sibTransId="{DA495DC2-C2F4-4505-8800-50A1E8DB4F88}"/>
+    <dgm:cxn modelId="{8DEC0D74-9063-4247-80C0-D0151E7D8A3E}" srcId="{7689150E-2B02-43D7-A25A-40FBCD7EBFFE}" destId="{D8481F7C-3671-4420-9CA7-A1F05DA10989}" srcOrd="1" destOrd="0" parTransId="{4D65E3DC-1DAF-4A2B-9BA1-C22D50711BB4}" sibTransId="{4DEE5E3F-9A4D-45CF-AA98-DC7A58DE4744}"/>
+    <dgm:cxn modelId="{EB548E7A-641F-4942-8661-A10E4A537DFC}" srcId="{7689150E-2B02-43D7-A25A-40FBCD7EBFFE}" destId="{1848FAFB-3CCC-4F65-87F1-81FB53055E81}" srcOrd="0" destOrd="0" parTransId="{4EA522A0-1354-48AA-B6FF-B7A1DD8DBFD1}" sibTransId="{623D98F8-8A27-471B-AA4B-F9F7A500F0E6}"/>
+    <dgm:cxn modelId="{B8B2D79E-D629-4473-98C4-D1D24A0196B2}" srcId="{D8481F7C-3671-4420-9CA7-A1F05DA10989}" destId="{51A8F31E-1A12-4434-BE83-467D0B0C0547}" srcOrd="0" destOrd="0" parTransId="{8E5C12BD-4FD0-450E-B816-E9231962D755}" sibTransId="{D04D6B2B-B757-42FF-8D87-DC29AF4A9E18}"/>
+    <dgm:cxn modelId="{EDB9F6D8-D133-4269-9D20-89698FABAEE6}" type="presOf" srcId="{86AAA2EF-C890-467C-89FB-6CC9EA2DE36A}" destId="{F89B7DE2-0225-4702-A15F-0A23D66E572A}" srcOrd="0" destOrd="1" presId="urn:microsoft.com/office/officeart/2018/5/layout/CenteredIconLabelDescriptionList"/>
+    <dgm:cxn modelId="{74BB24E0-0989-4C03-B8C6-C9A4DC1EC804}" srcId="{1848FAFB-3CCC-4F65-87F1-81FB53055E81}" destId="{86AAA2EF-C890-467C-89FB-6CC9EA2DE36A}" srcOrd="1" destOrd="0" parTransId="{FFB5931C-5E20-4A76-AE2E-25725DEF64FA}" sibTransId="{EBD40ACA-2FE9-4BA4-8DEC-47ADC09FD1CD}"/>
+    <dgm:cxn modelId="{036FB5EF-00FA-4A76-A10A-AA4AB116E3B0}" type="presOf" srcId="{51A8F31E-1A12-4434-BE83-467D0B0C0547}" destId="{0DDE8E07-62E5-4551-B8C0-EE8B8D02D42C}" srcOrd="0" destOrd="0" presId="urn:microsoft.com/office/officeart/2018/5/layout/CenteredIconLabelDescriptionList"/>
+    <dgm:cxn modelId="{2D7D68F7-462E-4364-AAA0-EF23FD8CE17E}" type="presOf" srcId="{1848FAFB-3CCC-4F65-87F1-81FB53055E81}" destId="{A5B94D7D-8967-4147-A09C-040115DFE088}" srcOrd="0" destOrd="0" presId="urn:microsoft.com/office/officeart/2018/5/layout/CenteredIconLabelDescriptionList"/>
+    <dgm:cxn modelId="{2F7F97F8-9AFA-4C5C-8032-243391128051}" type="presOf" srcId="{7689150E-2B02-43D7-A25A-40FBCD7EBFFE}" destId="{34078E8D-F083-4AC9-AF26-2D398F69B6A4}" srcOrd="0" destOrd="0" presId="urn:microsoft.com/office/officeart/2018/5/layout/CenteredIconLabelDescriptionList"/>
+    <dgm:cxn modelId="{A62D1453-64AE-45C0-9EB5-E13BDCDD4222}" type="presParOf" srcId="{34078E8D-F083-4AC9-AF26-2D398F69B6A4}" destId="{C92E97EF-1CCA-42F1-9D73-5EB6F4F22689}" srcOrd="0" destOrd="0" presId="urn:microsoft.com/office/officeart/2018/5/layout/CenteredIconLabelDescriptionList"/>
+    <dgm:cxn modelId="{53F05F3E-B0EF-4F3E-8CF5-7564B54E626B}" type="presParOf" srcId="{C92E97EF-1CCA-42F1-9D73-5EB6F4F22689}" destId="{67AD598B-1F5C-4DF7-A3DB-AA5917126970}" srcOrd="0" destOrd="0" presId="urn:microsoft.com/office/officeart/2018/5/layout/CenteredIconLabelDescriptionList"/>
+    <dgm:cxn modelId="{BDB45E06-A9CC-4FDD-A391-BB95EE08802C}" type="presParOf" srcId="{C92E97EF-1CCA-42F1-9D73-5EB6F4F22689}" destId="{07325C2A-3DB3-4748-953C-702FB33E10AA}" srcOrd="1" destOrd="0" presId="urn:microsoft.com/office/officeart/2018/5/layout/CenteredIconLabelDescriptionList"/>
+    <dgm:cxn modelId="{A73DC7F9-A89E-4EB8-99E7-DE7FC7CD3A45}" type="presParOf" srcId="{C92E97EF-1CCA-42F1-9D73-5EB6F4F22689}" destId="{A5B94D7D-8967-4147-A09C-040115DFE088}" srcOrd="2" destOrd="0" presId="urn:microsoft.com/office/officeart/2018/5/layout/CenteredIconLabelDescriptionList"/>
+    <dgm:cxn modelId="{D268BA8B-4BA2-4414-8957-4ED14FC17A7E}" type="presParOf" srcId="{C92E97EF-1CCA-42F1-9D73-5EB6F4F22689}" destId="{1A69AF8B-AA15-430E-BEDF-82BEC91FAEAF}" srcOrd="3" destOrd="0" presId="urn:microsoft.com/office/officeart/2018/5/layout/CenteredIconLabelDescriptionList"/>
+    <dgm:cxn modelId="{9120CF41-DBAB-45B6-9EC8-621AE91361DF}" type="presParOf" srcId="{C92E97EF-1CCA-42F1-9D73-5EB6F4F22689}" destId="{F89B7DE2-0225-4702-A15F-0A23D66E572A}" srcOrd="4" destOrd="0" presId="urn:microsoft.com/office/officeart/2018/5/layout/CenteredIconLabelDescriptionList"/>
+    <dgm:cxn modelId="{4C81C455-680D-4ACC-94D4-5DD9374C4D98}" type="presParOf" srcId="{34078E8D-F083-4AC9-AF26-2D398F69B6A4}" destId="{6CC5A2E0-51D4-4AAE-BB06-FB547D4BCD81}" srcOrd="1" destOrd="0" presId="urn:microsoft.com/office/officeart/2018/5/layout/CenteredIconLabelDescriptionList"/>
+    <dgm:cxn modelId="{74746E1D-8210-481A-BD83-DEA93F2B0B7F}" type="presParOf" srcId="{34078E8D-F083-4AC9-AF26-2D398F69B6A4}" destId="{59F32826-157B-41F0-9679-3BABE6CF13C2}" srcOrd="2" destOrd="0" presId="urn:microsoft.com/office/officeart/2018/5/layout/CenteredIconLabelDescriptionList"/>
+    <dgm:cxn modelId="{DB9CD870-7283-4F0B-9BB9-9AACF00DC6EC}" type="presParOf" srcId="{59F32826-157B-41F0-9679-3BABE6CF13C2}" destId="{C5478E6D-1BD2-413C-9D43-D320740B20F7}" srcOrd="0" destOrd="0" presId="urn:microsoft.com/office/officeart/2018/5/layout/CenteredIconLabelDescriptionList"/>
+    <dgm:cxn modelId="{EFD7AC59-3D96-4332-A24D-425FECF27F40}" type="presParOf" srcId="{59F32826-157B-41F0-9679-3BABE6CF13C2}" destId="{E80FE4C4-9C1F-4854-96BC-7FCF987C1440}" srcOrd="1" destOrd="0" presId="urn:microsoft.com/office/officeart/2018/5/layout/CenteredIconLabelDescriptionList"/>
+    <dgm:cxn modelId="{F6C65F62-88CE-43E3-924A-E95A78493FD5}" type="presParOf" srcId="{59F32826-157B-41F0-9679-3BABE6CF13C2}" destId="{F33F57B6-49EE-4D02-BE07-7995C58976B6}" srcOrd="2" destOrd="0" presId="urn:microsoft.com/office/officeart/2018/5/layout/CenteredIconLabelDescriptionList"/>
+    <dgm:cxn modelId="{9BFC2B18-54D1-4D1F-A615-0997F9E197B0}" type="presParOf" srcId="{59F32826-157B-41F0-9679-3BABE6CF13C2}" destId="{C5A99EAD-465B-4C9D-B2B3-AEBC397EE083}" srcOrd="3" destOrd="0" presId="urn:microsoft.com/office/officeart/2018/5/layout/CenteredIconLabelDescriptionList"/>
+    <dgm:cxn modelId="{D4A42D0F-DDB0-4837-9AB8-7367B391E96A}" type="presParOf" srcId="{59F32826-157B-41F0-9679-3BABE6CF13C2}" destId="{0DDE8E07-62E5-4551-B8C0-EE8B8D02D42C}" srcOrd="4" destOrd="0" presId="urn:microsoft.com/office/officeart/2018/5/layout/CenteredIconLabelDescriptionList"/>
+  </dgm:cxnLst>
+  <dgm:bg/>
+  <dgm:whole/>
+  <dgm:extLst>
+    <a:ext uri="http://schemas.microsoft.com/office/drawing/2008/diagram">
+      <dsp:dataModelExt xmlns:dsp="http://schemas.microsoft.com/office/drawing/2008/diagram" relId="rId7" minVer="http://schemas.openxmlformats.org/drawingml/2006/diagram"/>
+    </a:ext>
+  </dgm:extLst>
+</dgm:dataModel>
+</file>
+
+<file path=ppt/diagrams/data2.xml><?xml version="1.0" encoding="utf-8"?>
+<dgm:dataModel xmlns:dgm="http://schemas.openxmlformats.org/drawingml/2006/diagram" xmlns:a="http://schemas.openxmlformats.org/drawingml/2006/main">
+  <dgm:ptLst>
+    <dgm:pt modelId="{BB5B2BF6-844C-40DB-9C7E-B785BF795266}" type="doc">
+      <dgm:prSet loTypeId="urn:microsoft.com/office/officeart/2018/5/layout/CenteredIconLabelDescriptionList" loCatId="icon" qsTypeId="urn:microsoft.com/office/officeart/2005/8/quickstyle/simple1" qsCatId="simple" csTypeId="urn:microsoft.com/office/officeart/2005/8/colors/accent1_2" csCatId="accent1" phldr="1"/>
+      <dgm:spPr/>
+      <dgm:t>
+        <a:bodyPr/>
+        <a:lstStyle/>
+        <a:p>
+          <a:endParaRPr lang="en-US"/>
+        </a:p>
+      </dgm:t>
+    </dgm:pt>
+    <dgm:pt modelId="{A970A060-54BC-42B8-9D51-AB55EDB24AFE}">
+      <dgm:prSet/>
+      <dgm:spPr/>
+      <dgm:t>
+        <a:bodyPr/>
+        <a:lstStyle/>
+        <a:p>
+          <a:pPr>
+            <a:lnSpc>
+              <a:spcPct val="100000"/>
+            </a:lnSpc>
+            <a:defRPr b="1"/>
+          </a:pPr>
+          <a:r>
+            <a:rPr lang="en-US" b="0" i="0"/>
+            <a:t>Dangers</a:t>
+          </a:r>
+          <a:endParaRPr lang="en-US"/>
+        </a:p>
+      </dgm:t>
+    </dgm:pt>
+    <dgm:pt modelId="{1FDCA2E0-F529-4B05-B85F-A254877F1191}" type="parTrans" cxnId="{7F13DA92-D6EE-4D8C-B1CD-5C772C7D1E87}">
+      <dgm:prSet/>
+      <dgm:spPr/>
+      <dgm:t>
+        <a:bodyPr/>
+        <a:lstStyle/>
+        <a:p>
+          <a:endParaRPr lang="en-US"/>
+        </a:p>
+      </dgm:t>
+    </dgm:pt>
+    <dgm:pt modelId="{31B4BAFC-BC0D-4C25-873D-7CC65EF530A8}" type="sibTrans" cxnId="{7F13DA92-D6EE-4D8C-B1CD-5C772C7D1E87}">
+      <dgm:prSet/>
+      <dgm:spPr/>
+      <dgm:t>
+        <a:bodyPr/>
+        <a:lstStyle/>
+        <a:p>
+          <a:endParaRPr lang="en-US"/>
+        </a:p>
+      </dgm:t>
+    </dgm:pt>
+    <dgm:pt modelId="{6CEEFA46-6157-47C4-BA01-13C554681A0C}">
+      <dgm:prSet/>
+      <dgm:spPr/>
+      <dgm:t>
+        <a:bodyPr/>
+        <a:lstStyle/>
+        <a:p>
+          <a:pPr>
+            <a:lnSpc>
+              <a:spcPct val="100000"/>
+            </a:lnSpc>
+          </a:pPr>
+          <a:r>
+            <a:rPr lang="en-US" b="0" i="0"/>
+            <a:t>Biases in data </a:t>
+          </a:r>
+          <a:endParaRPr lang="en-US"/>
+        </a:p>
+      </dgm:t>
+    </dgm:pt>
+    <dgm:pt modelId="{FAA23D9C-60C4-4C3E-B7FE-FBCE0B0FEF1D}" type="parTrans" cxnId="{0122A4B6-D5B3-42CE-81E8-C0D72EB4D822}">
+      <dgm:prSet/>
+      <dgm:spPr/>
+      <dgm:t>
+        <a:bodyPr/>
+        <a:lstStyle/>
+        <a:p>
+          <a:endParaRPr lang="en-US"/>
+        </a:p>
+      </dgm:t>
+    </dgm:pt>
+    <dgm:pt modelId="{5A8FBD72-58A5-48D4-9D7F-D826A045F2A2}" type="sibTrans" cxnId="{0122A4B6-D5B3-42CE-81E8-C0D72EB4D822}">
+      <dgm:prSet/>
+      <dgm:spPr/>
+      <dgm:t>
+        <a:bodyPr/>
+        <a:lstStyle/>
+        <a:p>
+          <a:endParaRPr lang="en-US"/>
+        </a:p>
+      </dgm:t>
+    </dgm:pt>
+    <dgm:pt modelId="{00CADFF6-D39D-4B0D-8F1B-5EB377248400}">
+      <dgm:prSet/>
+      <dgm:spPr/>
+      <dgm:t>
+        <a:bodyPr/>
+        <a:lstStyle/>
+        <a:p>
+          <a:pPr>
+            <a:lnSpc>
+              <a:spcPct val="100000"/>
+            </a:lnSpc>
+          </a:pPr>
+          <a:r>
+            <a:rPr lang="en-US" b="0" i="0"/>
+            <a:t>Over-reliance</a:t>
+          </a:r>
+          <a:endParaRPr lang="en-US"/>
+        </a:p>
+      </dgm:t>
+    </dgm:pt>
+    <dgm:pt modelId="{5C50A366-8AA2-43DC-ADFA-DCE2CA98E358}" type="parTrans" cxnId="{D19FDE46-B9C6-4B02-8E98-F5163B685619}">
+      <dgm:prSet/>
+      <dgm:spPr/>
+      <dgm:t>
+        <a:bodyPr/>
+        <a:lstStyle/>
+        <a:p>
+          <a:endParaRPr lang="en-US"/>
+        </a:p>
+      </dgm:t>
+    </dgm:pt>
+    <dgm:pt modelId="{0566A95A-F850-4300-9C86-0F9DBB252E2B}" type="sibTrans" cxnId="{D19FDE46-B9C6-4B02-8E98-F5163B685619}">
+      <dgm:prSet/>
+      <dgm:spPr/>
+      <dgm:t>
+        <a:bodyPr/>
+        <a:lstStyle/>
+        <a:p>
+          <a:endParaRPr lang="en-US"/>
+        </a:p>
+      </dgm:t>
+    </dgm:pt>
+    <dgm:pt modelId="{E9133CF8-0BA9-4A06-92E8-0CB06152BB35}">
+      <dgm:prSet/>
+      <dgm:spPr/>
+      <dgm:t>
+        <a:bodyPr/>
+        <a:lstStyle/>
+        <a:p>
+          <a:pPr>
+            <a:lnSpc>
+              <a:spcPct val="100000"/>
+            </a:lnSpc>
+          </a:pPr>
+          <a:r>
+            <a:rPr lang="en-US" b="0" i="0"/>
+            <a:t>Consumer trust</a:t>
+          </a:r>
+          <a:endParaRPr lang="en-US"/>
+        </a:p>
+      </dgm:t>
+    </dgm:pt>
+    <dgm:pt modelId="{E5057DC2-5B34-4096-8824-0F4F897E1721}" type="parTrans" cxnId="{58E1DF84-2376-45AC-8B92-14063E1A28DA}">
+      <dgm:prSet/>
+      <dgm:spPr/>
+      <dgm:t>
+        <a:bodyPr/>
+        <a:lstStyle/>
+        <a:p>
+          <a:endParaRPr lang="en-US"/>
+        </a:p>
+      </dgm:t>
+    </dgm:pt>
+    <dgm:pt modelId="{8C55599A-41BA-46C5-96AC-57ED08FEB204}" type="sibTrans" cxnId="{58E1DF84-2376-45AC-8B92-14063E1A28DA}">
+      <dgm:prSet/>
+      <dgm:spPr/>
+      <dgm:t>
+        <a:bodyPr/>
+        <a:lstStyle/>
+        <a:p>
+          <a:endParaRPr lang="en-US"/>
+        </a:p>
+      </dgm:t>
+    </dgm:pt>
+    <dgm:pt modelId="{300906B6-4772-4131-9958-4963D7BDA20B}">
+      <dgm:prSet/>
+      <dgm:spPr/>
+      <dgm:t>
+        <a:bodyPr/>
+        <a:lstStyle/>
+        <a:p>
+          <a:pPr>
+            <a:lnSpc>
+              <a:spcPct val="100000"/>
+            </a:lnSpc>
+            <a:defRPr b="1"/>
+          </a:pPr>
+          <a:r>
+            <a:rPr lang="en-US" b="0" i="0"/>
+            <a:t>Positive</a:t>
+          </a:r>
+          <a:endParaRPr lang="en-US"/>
+        </a:p>
+      </dgm:t>
+    </dgm:pt>
+    <dgm:pt modelId="{63460E81-F025-4724-8312-F63B5AF11CFB}" type="parTrans" cxnId="{BDED98E2-B9E1-4E20-B37C-C5082E6F3769}">
+      <dgm:prSet/>
+      <dgm:spPr/>
+      <dgm:t>
+        <a:bodyPr/>
+        <a:lstStyle/>
+        <a:p>
+          <a:endParaRPr lang="en-US"/>
+        </a:p>
+      </dgm:t>
+    </dgm:pt>
+    <dgm:pt modelId="{4A5FA0A8-9A83-4D06-8420-D34A7063349D}" type="sibTrans" cxnId="{BDED98E2-B9E1-4E20-B37C-C5082E6F3769}">
+      <dgm:prSet/>
+      <dgm:spPr/>
+      <dgm:t>
+        <a:bodyPr/>
+        <a:lstStyle/>
+        <a:p>
+          <a:endParaRPr lang="en-US"/>
+        </a:p>
+      </dgm:t>
+    </dgm:pt>
+    <dgm:pt modelId="{2502E306-A286-468E-8B7D-B42CD8060EBB}">
+      <dgm:prSet/>
+      <dgm:spPr/>
+      <dgm:t>
+        <a:bodyPr/>
+        <a:lstStyle/>
+        <a:p>
+          <a:pPr>
+            <a:lnSpc>
+              <a:spcPct val="100000"/>
+            </a:lnSpc>
+          </a:pPr>
+          <a:r>
+            <a:rPr lang="en-US" b="0" i="0"/>
+            <a:t>Help smaller companies</a:t>
+          </a:r>
+          <a:endParaRPr lang="en-US"/>
+        </a:p>
+      </dgm:t>
+    </dgm:pt>
+    <dgm:pt modelId="{E0FD1861-9F94-4008-8F89-C7B1FCB6BC0C}" type="parTrans" cxnId="{2F7FC35D-A12A-4022-981F-A9E2B99E1B00}">
+      <dgm:prSet/>
+      <dgm:spPr/>
+      <dgm:t>
+        <a:bodyPr/>
+        <a:lstStyle/>
+        <a:p>
+          <a:endParaRPr lang="en-US"/>
+        </a:p>
+      </dgm:t>
+    </dgm:pt>
+    <dgm:pt modelId="{FB10051B-6C01-41EB-9B63-9922D5AA3F8B}" type="sibTrans" cxnId="{2F7FC35D-A12A-4022-981F-A9E2B99E1B00}">
+      <dgm:prSet/>
+      <dgm:spPr/>
+      <dgm:t>
+        <a:bodyPr/>
+        <a:lstStyle/>
+        <a:p>
+          <a:endParaRPr lang="en-US"/>
+        </a:p>
+      </dgm:t>
+    </dgm:pt>
+    <dgm:pt modelId="{8D72FCD7-62D3-42E0-86B0-87CB2745AE91}">
+      <dgm:prSet/>
+      <dgm:spPr/>
+      <dgm:t>
+        <a:bodyPr/>
+        <a:lstStyle/>
+        <a:p>
+          <a:pPr>
+            <a:lnSpc>
+              <a:spcPct val="100000"/>
+            </a:lnSpc>
+          </a:pPr>
+          <a:r>
+            <a:rPr lang="en-US" b="0" i="0"/>
+            <a:t>Fast classification</a:t>
+          </a:r>
+          <a:endParaRPr lang="en-US"/>
+        </a:p>
+      </dgm:t>
+    </dgm:pt>
+    <dgm:pt modelId="{95E95B99-BF5D-4EB8-B03E-F0283F7F54EB}" type="parTrans" cxnId="{9D7C1A31-C427-4387-8872-B372DF39A803}">
+      <dgm:prSet/>
+      <dgm:spPr/>
+      <dgm:t>
+        <a:bodyPr/>
+        <a:lstStyle/>
+        <a:p>
+          <a:endParaRPr lang="en-US"/>
+        </a:p>
+      </dgm:t>
+    </dgm:pt>
+    <dgm:pt modelId="{2F18A880-2209-448B-ABAE-B703C05543FC}" type="sibTrans" cxnId="{9D7C1A31-C427-4387-8872-B372DF39A803}">
+      <dgm:prSet/>
+      <dgm:spPr/>
+      <dgm:t>
+        <a:bodyPr/>
+        <a:lstStyle/>
+        <a:p>
+          <a:endParaRPr lang="en-US"/>
+        </a:p>
+      </dgm:t>
+    </dgm:pt>
+    <dgm:pt modelId="{CBB1EF87-A33C-470D-91E7-B6D484DAE63F}" type="pres">
+      <dgm:prSet presAssocID="{BB5B2BF6-844C-40DB-9C7E-B785BF795266}" presName="root" presStyleCnt="0">
+        <dgm:presLayoutVars>
+          <dgm:dir/>
+          <dgm:resizeHandles val="exact"/>
+        </dgm:presLayoutVars>
+      </dgm:prSet>
+      <dgm:spPr/>
+    </dgm:pt>
+    <dgm:pt modelId="{6D8E3F04-631C-4CFB-97E7-7B2212B152D9}" type="pres">
+      <dgm:prSet presAssocID="{A970A060-54BC-42B8-9D51-AB55EDB24AFE}" presName="compNode" presStyleCnt="0"/>
+      <dgm:spPr/>
+    </dgm:pt>
+    <dgm:pt modelId="{1FFB34FB-1035-4284-B0EA-548B76FB6AF2}" type="pres">
+      <dgm:prSet presAssocID="{A970A060-54BC-42B8-9D51-AB55EDB24AFE}" presName="iconRect" presStyleLbl="node1" presStyleIdx="0" presStyleCnt="2"/>
+      <dgm:spPr>
+        <a:blipFill>
+          <a:blip xmlns:r="http://schemas.openxmlformats.org/officeDocument/2006/relationships" r:embed="rId1">
+            <a:extLst>
+              <a:ext uri="{28A0092B-C50C-407E-A947-70E740481C1C}">
+                <a14:useLocalDpi xmlns:a14="http://schemas.microsoft.com/office/drawing/2010/main" val="0"/>
+              </a:ext>
+              <a:ext uri="{96DAC541-7B7A-43D3-8B79-37D633B846F1}">
+                <asvg:svgBlip xmlns:asvg="http://schemas.microsoft.com/office/drawing/2016/SVG/main" r:embed="rId2"/>
+              </a:ext>
+            </a:extLst>
+          </a:blip>
+          <a:stretch>
+            <a:fillRect/>
+          </a:stretch>
+        </a:blipFill>
+      </dgm:spPr>
+      <dgm:extLst>
+        <a:ext uri="{E40237B7-FDA0-4F09-8148-C483321AD2D9}">
+          <dgm14:cNvPr xmlns:dgm14="http://schemas.microsoft.com/office/drawing/2010/diagram" id="0" name="" descr="Zeitung"/>
+        </a:ext>
+      </dgm:extLst>
+    </dgm:pt>
+    <dgm:pt modelId="{DFF8141B-14CF-4B17-A87A-A4DA1FEF8198}" type="pres">
+      <dgm:prSet presAssocID="{A970A060-54BC-42B8-9D51-AB55EDB24AFE}" presName="iconSpace" presStyleCnt="0"/>
+      <dgm:spPr/>
+    </dgm:pt>
+    <dgm:pt modelId="{E97118AC-12BE-4182-A697-2ECDFC8F2E6E}" type="pres">
+      <dgm:prSet presAssocID="{A970A060-54BC-42B8-9D51-AB55EDB24AFE}" presName="parTx" presStyleLbl="revTx" presStyleIdx="0" presStyleCnt="4">
+        <dgm:presLayoutVars>
+          <dgm:chMax val="0"/>
+          <dgm:chPref val="0"/>
+        </dgm:presLayoutVars>
+      </dgm:prSet>
+      <dgm:spPr/>
+    </dgm:pt>
+    <dgm:pt modelId="{B11EBC5F-50D5-4B50-AF5D-166264D7CB2B}" type="pres">
+      <dgm:prSet presAssocID="{A970A060-54BC-42B8-9D51-AB55EDB24AFE}" presName="txSpace" presStyleCnt="0"/>
+      <dgm:spPr/>
+    </dgm:pt>
+    <dgm:pt modelId="{D94C0C65-7088-4B08-95D2-D5E00EA4775A}" type="pres">
+      <dgm:prSet presAssocID="{A970A060-54BC-42B8-9D51-AB55EDB24AFE}" presName="desTx" presStyleLbl="revTx" presStyleIdx="1" presStyleCnt="4">
+        <dgm:presLayoutVars/>
+      </dgm:prSet>
+      <dgm:spPr/>
+    </dgm:pt>
+    <dgm:pt modelId="{A96B0BAE-D320-4A69-930C-8A103E5AA0A7}" type="pres">
+      <dgm:prSet presAssocID="{31B4BAFC-BC0D-4C25-873D-7CC65EF530A8}" presName="sibTrans" presStyleCnt="0"/>
+      <dgm:spPr/>
+    </dgm:pt>
+    <dgm:pt modelId="{879B8518-C11D-44C8-A1E2-AF5591899561}" type="pres">
+      <dgm:prSet presAssocID="{300906B6-4772-4131-9958-4963D7BDA20B}" presName="compNode" presStyleCnt="0"/>
+      <dgm:spPr/>
+    </dgm:pt>
+    <dgm:pt modelId="{A7F57E1A-6163-4C0A-B6D7-D14088F5D2AF}" type="pres">
+      <dgm:prSet presAssocID="{300906B6-4772-4131-9958-4963D7BDA20B}" presName="iconRect" presStyleLbl="node1" presStyleIdx="1" presStyleCnt="2"/>
+      <dgm:spPr>
+        <a:blipFill>
+          <a:blip xmlns:r="http://schemas.openxmlformats.org/officeDocument/2006/relationships" r:embed="rId3">
+            <a:extLst>
+              <a:ext uri="{28A0092B-C50C-407E-A947-70E740481C1C}">
+                <a14:useLocalDpi xmlns:a14="http://schemas.microsoft.com/office/drawing/2010/main" val="0"/>
+              </a:ext>
+              <a:ext uri="{96DAC541-7B7A-43D3-8B79-37D633B846F1}">
+                <asvg:svgBlip xmlns:asvg="http://schemas.microsoft.com/office/drawing/2016/SVG/main" r:embed="rId4"/>
+              </a:ext>
+            </a:extLst>
+          </a:blip>
+          <a:stretch>
+            <a:fillRect/>
+          </a:stretch>
+        </a:blipFill>
+      </dgm:spPr>
+      <dgm:extLst>
+        <a:ext uri="{E40237B7-FDA0-4F09-8148-C483321AD2D9}">
+          <dgm14:cNvPr xmlns:dgm14="http://schemas.microsoft.com/office/drawing/2010/diagram" id="0" name="" descr="Thumbs Up Sign"/>
+        </a:ext>
+      </dgm:extLst>
+    </dgm:pt>
+    <dgm:pt modelId="{B382BFF4-FA81-4DE8-9405-144CEF690FFE}" type="pres">
+      <dgm:prSet presAssocID="{300906B6-4772-4131-9958-4963D7BDA20B}" presName="iconSpace" presStyleCnt="0"/>
+      <dgm:spPr/>
+    </dgm:pt>
+    <dgm:pt modelId="{B587C158-B5D0-410B-9A58-F7522237BBD3}" type="pres">
+      <dgm:prSet presAssocID="{300906B6-4772-4131-9958-4963D7BDA20B}" presName="parTx" presStyleLbl="revTx" presStyleIdx="2" presStyleCnt="4">
+        <dgm:presLayoutVars>
+          <dgm:chMax val="0"/>
+          <dgm:chPref val="0"/>
+        </dgm:presLayoutVars>
+      </dgm:prSet>
+      <dgm:spPr/>
+    </dgm:pt>
+    <dgm:pt modelId="{773A4287-C44D-4886-B8BA-27055958773E}" type="pres">
+      <dgm:prSet presAssocID="{300906B6-4772-4131-9958-4963D7BDA20B}" presName="txSpace" presStyleCnt="0"/>
+      <dgm:spPr/>
+    </dgm:pt>
+    <dgm:pt modelId="{4B34E189-B845-4F76-87E2-7A55F72F163F}" type="pres">
+      <dgm:prSet presAssocID="{300906B6-4772-4131-9958-4963D7BDA20B}" presName="desTx" presStyleLbl="revTx" presStyleIdx="3" presStyleCnt="4">
+        <dgm:presLayoutVars/>
+      </dgm:prSet>
+      <dgm:spPr/>
+    </dgm:pt>
+  </dgm:ptLst>
+  <dgm:cxnLst>
+    <dgm:cxn modelId="{F4A48118-390B-449E-B533-478CC59A1EB2}" type="presOf" srcId="{300906B6-4772-4131-9958-4963D7BDA20B}" destId="{B587C158-B5D0-410B-9A58-F7522237BBD3}" srcOrd="0" destOrd="0" presId="urn:microsoft.com/office/officeart/2018/5/layout/CenteredIconLabelDescriptionList"/>
+    <dgm:cxn modelId="{FF0A082E-4F92-40BE-B4F6-DFA6D4D46BEE}" type="presOf" srcId="{2502E306-A286-468E-8B7D-B42CD8060EBB}" destId="{4B34E189-B845-4F76-87E2-7A55F72F163F}" srcOrd="0" destOrd="0" presId="urn:microsoft.com/office/officeart/2018/5/layout/CenteredIconLabelDescriptionList"/>
+    <dgm:cxn modelId="{9D7C1A31-C427-4387-8872-B372DF39A803}" srcId="{300906B6-4772-4131-9958-4963D7BDA20B}" destId="{8D72FCD7-62D3-42E0-86B0-87CB2745AE91}" srcOrd="1" destOrd="0" parTransId="{95E95B99-BF5D-4EB8-B03E-F0283F7F54EB}" sibTransId="{2F18A880-2209-448B-ABAE-B703C05543FC}"/>
+    <dgm:cxn modelId="{2F7FC35D-A12A-4022-981F-A9E2B99E1B00}" srcId="{300906B6-4772-4131-9958-4963D7BDA20B}" destId="{2502E306-A286-468E-8B7D-B42CD8060EBB}" srcOrd="0" destOrd="0" parTransId="{E0FD1861-9F94-4008-8F89-C7B1FCB6BC0C}" sibTransId="{FB10051B-6C01-41EB-9B63-9922D5AA3F8B}"/>
+    <dgm:cxn modelId="{D19FDE46-B9C6-4B02-8E98-F5163B685619}" srcId="{A970A060-54BC-42B8-9D51-AB55EDB24AFE}" destId="{00CADFF6-D39D-4B0D-8F1B-5EB377248400}" srcOrd="1" destOrd="0" parTransId="{5C50A366-8AA2-43DC-ADFA-DCE2CA98E358}" sibTransId="{0566A95A-F850-4300-9C86-0F9DBB252E2B}"/>
+    <dgm:cxn modelId="{01D9DA84-08E4-4DFA-87C5-6590C40EE72B}" type="presOf" srcId="{E9133CF8-0BA9-4A06-92E8-0CB06152BB35}" destId="{D94C0C65-7088-4B08-95D2-D5E00EA4775A}" srcOrd="0" destOrd="2" presId="urn:microsoft.com/office/officeart/2018/5/layout/CenteredIconLabelDescriptionList"/>
+    <dgm:cxn modelId="{58E1DF84-2376-45AC-8B92-14063E1A28DA}" srcId="{A970A060-54BC-42B8-9D51-AB55EDB24AFE}" destId="{E9133CF8-0BA9-4A06-92E8-0CB06152BB35}" srcOrd="2" destOrd="0" parTransId="{E5057DC2-5B34-4096-8824-0F4F897E1721}" sibTransId="{8C55599A-41BA-46C5-96AC-57ED08FEB204}"/>
+    <dgm:cxn modelId="{6EE66786-C563-4381-9776-9CAD08EB7DE3}" type="presOf" srcId="{BB5B2BF6-844C-40DB-9C7E-B785BF795266}" destId="{CBB1EF87-A33C-470D-91E7-B6D484DAE63F}" srcOrd="0" destOrd="0" presId="urn:microsoft.com/office/officeart/2018/5/layout/CenteredIconLabelDescriptionList"/>
+    <dgm:cxn modelId="{7F13DA92-D6EE-4D8C-B1CD-5C772C7D1E87}" srcId="{BB5B2BF6-844C-40DB-9C7E-B785BF795266}" destId="{A970A060-54BC-42B8-9D51-AB55EDB24AFE}" srcOrd="0" destOrd="0" parTransId="{1FDCA2E0-F529-4B05-B85F-A254877F1191}" sibTransId="{31B4BAFC-BC0D-4C25-873D-7CC65EF530A8}"/>
+    <dgm:cxn modelId="{CE4CA3A0-BA77-41CA-9B83-CBBC441645EC}" type="presOf" srcId="{A970A060-54BC-42B8-9D51-AB55EDB24AFE}" destId="{E97118AC-12BE-4182-A697-2ECDFC8F2E6E}" srcOrd="0" destOrd="0" presId="urn:microsoft.com/office/officeart/2018/5/layout/CenteredIconLabelDescriptionList"/>
+    <dgm:cxn modelId="{F68580A2-DD6F-41BC-BE5F-884B0DAA7D4D}" type="presOf" srcId="{00CADFF6-D39D-4B0D-8F1B-5EB377248400}" destId="{D94C0C65-7088-4B08-95D2-D5E00EA4775A}" srcOrd="0" destOrd="1" presId="urn:microsoft.com/office/officeart/2018/5/layout/CenteredIconLabelDescriptionList"/>
+    <dgm:cxn modelId="{6C7360AA-3821-4138-A669-AB28D2869699}" type="presOf" srcId="{8D72FCD7-62D3-42E0-86B0-87CB2745AE91}" destId="{4B34E189-B845-4F76-87E2-7A55F72F163F}" srcOrd="0" destOrd="1" presId="urn:microsoft.com/office/officeart/2018/5/layout/CenteredIconLabelDescriptionList"/>
+    <dgm:cxn modelId="{0122A4B6-D5B3-42CE-81E8-C0D72EB4D822}" srcId="{A970A060-54BC-42B8-9D51-AB55EDB24AFE}" destId="{6CEEFA46-6157-47C4-BA01-13C554681A0C}" srcOrd="0" destOrd="0" parTransId="{FAA23D9C-60C4-4C3E-B7FE-FBCE0B0FEF1D}" sibTransId="{5A8FBD72-58A5-48D4-9D7F-D826A045F2A2}"/>
+    <dgm:cxn modelId="{6C53E8D0-E3BA-4B3B-A2F0-DFC8EE746CCB}" type="presOf" srcId="{6CEEFA46-6157-47C4-BA01-13C554681A0C}" destId="{D94C0C65-7088-4B08-95D2-D5E00EA4775A}" srcOrd="0" destOrd="0" presId="urn:microsoft.com/office/officeart/2018/5/layout/CenteredIconLabelDescriptionList"/>
+    <dgm:cxn modelId="{BDED98E2-B9E1-4E20-B37C-C5082E6F3769}" srcId="{BB5B2BF6-844C-40DB-9C7E-B785BF795266}" destId="{300906B6-4772-4131-9958-4963D7BDA20B}" srcOrd="1" destOrd="0" parTransId="{63460E81-F025-4724-8312-F63B5AF11CFB}" sibTransId="{4A5FA0A8-9A83-4D06-8420-D34A7063349D}"/>
+    <dgm:cxn modelId="{84289E75-86C6-49E3-A3A4-D11CB615BA7F}" type="presParOf" srcId="{CBB1EF87-A33C-470D-91E7-B6D484DAE63F}" destId="{6D8E3F04-631C-4CFB-97E7-7B2212B152D9}" srcOrd="0" destOrd="0" presId="urn:microsoft.com/office/officeart/2018/5/layout/CenteredIconLabelDescriptionList"/>
+    <dgm:cxn modelId="{3E26E480-B625-44C2-88A0-0195561685A8}" type="presParOf" srcId="{6D8E3F04-631C-4CFB-97E7-7B2212B152D9}" destId="{1FFB34FB-1035-4284-B0EA-548B76FB6AF2}" srcOrd="0" destOrd="0" presId="urn:microsoft.com/office/officeart/2018/5/layout/CenteredIconLabelDescriptionList"/>
+    <dgm:cxn modelId="{6A6B4F9A-F256-42BE-A0E5-2EDCAE3B7513}" type="presParOf" srcId="{6D8E3F04-631C-4CFB-97E7-7B2212B152D9}" destId="{DFF8141B-14CF-4B17-A87A-A4DA1FEF8198}" srcOrd="1" destOrd="0" presId="urn:microsoft.com/office/officeart/2018/5/layout/CenteredIconLabelDescriptionList"/>
+    <dgm:cxn modelId="{8AA04FDE-E039-4BBB-8411-A612BD4F9D66}" type="presParOf" srcId="{6D8E3F04-631C-4CFB-97E7-7B2212B152D9}" destId="{E97118AC-12BE-4182-A697-2ECDFC8F2E6E}" srcOrd="2" destOrd="0" presId="urn:microsoft.com/office/officeart/2018/5/layout/CenteredIconLabelDescriptionList"/>
+    <dgm:cxn modelId="{1869695D-800E-4B63-B2E1-87B1D4AE5984}" type="presParOf" srcId="{6D8E3F04-631C-4CFB-97E7-7B2212B152D9}" destId="{B11EBC5F-50D5-4B50-AF5D-166264D7CB2B}" srcOrd="3" destOrd="0" presId="urn:microsoft.com/office/officeart/2018/5/layout/CenteredIconLabelDescriptionList"/>
+    <dgm:cxn modelId="{B2DD826C-3788-4AC2-8E1A-5E9E0EE1DB84}" type="presParOf" srcId="{6D8E3F04-631C-4CFB-97E7-7B2212B152D9}" destId="{D94C0C65-7088-4B08-95D2-D5E00EA4775A}" srcOrd="4" destOrd="0" presId="urn:microsoft.com/office/officeart/2018/5/layout/CenteredIconLabelDescriptionList"/>
+    <dgm:cxn modelId="{B55009DC-B580-4223-A2CF-5D5EC37176E5}" type="presParOf" srcId="{CBB1EF87-A33C-470D-91E7-B6D484DAE63F}" destId="{A96B0BAE-D320-4A69-930C-8A103E5AA0A7}" srcOrd="1" destOrd="0" presId="urn:microsoft.com/office/officeart/2018/5/layout/CenteredIconLabelDescriptionList"/>
+    <dgm:cxn modelId="{C500C7E2-B8A1-4046-95CE-FF37740C9825}" type="presParOf" srcId="{CBB1EF87-A33C-470D-91E7-B6D484DAE63F}" destId="{879B8518-C11D-44C8-A1E2-AF5591899561}" srcOrd="2" destOrd="0" presId="urn:microsoft.com/office/officeart/2018/5/layout/CenteredIconLabelDescriptionList"/>
+    <dgm:cxn modelId="{61A40048-3ADB-49D6-A387-5524B64B8060}" type="presParOf" srcId="{879B8518-C11D-44C8-A1E2-AF5591899561}" destId="{A7F57E1A-6163-4C0A-B6D7-D14088F5D2AF}" srcOrd="0" destOrd="0" presId="urn:microsoft.com/office/officeart/2018/5/layout/CenteredIconLabelDescriptionList"/>
+    <dgm:cxn modelId="{E28723D0-E381-4902-A7DC-2B531CE5D386}" type="presParOf" srcId="{879B8518-C11D-44C8-A1E2-AF5591899561}" destId="{B382BFF4-FA81-4DE8-9405-144CEF690FFE}" srcOrd="1" destOrd="0" presId="urn:microsoft.com/office/officeart/2018/5/layout/CenteredIconLabelDescriptionList"/>
+    <dgm:cxn modelId="{5C577B4F-551A-4839-9E63-B6890333848F}" type="presParOf" srcId="{879B8518-C11D-44C8-A1E2-AF5591899561}" destId="{B587C158-B5D0-410B-9A58-F7522237BBD3}" srcOrd="2" destOrd="0" presId="urn:microsoft.com/office/officeart/2018/5/layout/CenteredIconLabelDescriptionList"/>
+    <dgm:cxn modelId="{BC4867E7-9E34-4087-BBF7-04E2D8AD26AE}" type="presParOf" srcId="{879B8518-C11D-44C8-A1E2-AF5591899561}" destId="{773A4287-C44D-4886-B8BA-27055958773E}" srcOrd="3" destOrd="0" presId="urn:microsoft.com/office/officeart/2018/5/layout/CenteredIconLabelDescriptionList"/>
+    <dgm:cxn modelId="{AE417F2E-4BE1-4F0D-AA3C-2779BB9DD032}" type="presParOf" srcId="{879B8518-C11D-44C8-A1E2-AF5591899561}" destId="{4B34E189-B845-4F76-87E2-7A55F72F163F}" srcOrd="4" destOrd="0" presId="urn:microsoft.com/office/officeart/2018/5/layout/CenteredIconLabelDescriptionList"/>
+  </dgm:cxnLst>
+  <dgm:bg/>
+  <dgm:whole/>
+  <dgm:extLst>
+    <a:ext uri="http://schemas.microsoft.com/office/drawing/2008/diagram">
+      <dsp:dataModelExt xmlns:dsp="http://schemas.microsoft.com/office/drawing/2008/diagram" relId="rId7" minVer="http://schemas.openxmlformats.org/drawingml/2006/diagram"/>
+    </a:ext>
+  </dgm:extLst>
+</dgm:dataModel>
+</file>
+
+<file path=ppt/diagrams/drawing1.xml><?xml version="1.0" encoding="utf-8"?>
+<dsp:drawing xmlns:dgm="http://schemas.openxmlformats.org/drawingml/2006/diagram" xmlns:dsp="http://schemas.microsoft.com/office/drawing/2008/diagram" xmlns:a="http://schemas.openxmlformats.org/drawingml/2006/main">
+  <dsp:spTree>
+    <dsp:nvGrpSpPr>
+      <dsp:cNvPr id="0" name=""/>
+      <dsp:cNvGrpSpPr/>
+    </dsp:nvGrpSpPr>
+    <dsp:grpSpPr/>
+    <dsp:sp modelId="{67AD598B-1F5C-4DF7-A3DB-AA5917126970}">
+      <dsp:nvSpPr>
+        <dsp:cNvPr id="0" name=""/>
+        <dsp:cNvSpPr/>
+      </dsp:nvSpPr>
+      <dsp:spPr>
+        <a:xfrm>
+          <a:off x="1336893" y="664250"/>
+          <a:ext cx="1439648" cy="1439648"/>
+        </a:xfrm>
+        <a:prstGeom prst="rect">
+          <a:avLst/>
+        </a:prstGeom>
+        <a:blipFill>
+          <a:blip xmlns:r="http://schemas.openxmlformats.org/officeDocument/2006/relationships" r:embed="rId1">
+            <a:extLst>
+              <a:ext uri="{28A0092B-C50C-407E-A947-70E740481C1C}">
+                <a14:useLocalDpi xmlns:a14="http://schemas.microsoft.com/office/drawing/2010/main" val="0"/>
+              </a:ext>
+              <a:ext uri="{96DAC541-7B7A-43D3-8B79-37D633B846F1}">
+                <asvg:svgBlip xmlns:asvg="http://schemas.microsoft.com/office/drawing/2016/SVG/main" r:embed="rId2"/>
+              </a:ext>
+            </a:extLst>
+          </a:blip>
+          <a:stretch>
+            <a:fillRect/>
+          </a:stretch>
+        </a:blipFill>
+        <a:ln w="19050" cap="rnd" cmpd="sng" algn="ctr">
+          <a:solidFill>
+            <a:schemeClr val="lt1">
+              <a:hueOff val="0"/>
+              <a:satOff val="0"/>
+              <a:lumOff val="0"/>
+              <a:alphaOff val="0"/>
+            </a:schemeClr>
+          </a:solidFill>
+          <a:prstDash val="solid"/>
+        </a:ln>
+        <a:effectLst/>
+      </dsp:spPr>
+      <dsp:style>
+        <a:lnRef idx="2">
+          <a:scrgbClr r="0" g="0" b="0"/>
+        </a:lnRef>
+        <a:fillRef idx="1">
+          <a:scrgbClr r="0" g="0" b="0"/>
+        </a:fillRef>
+        <a:effectRef idx="0">
+          <a:scrgbClr r="0" g="0" b="0"/>
+        </a:effectRef>
+        <a:fontRef idx="minor">
+          <a:schemeClr val="lt1"/>
+        </a:fontRef>
+      </dsp:style>
+    </dsp:sp>
+    <dsp:sp modelId="{A5B94D7D-8967-4147-A09C-040115DFE088}">
+      <dsp:nvSpPr>
+        <dsp:cNvPr id="0" name=""/>
+        <dsp:cNvSpPr/>
+      </dsp:nvSpPr>
+      <dsp:spPr>
+        <a:xfrm>
+          <a:off x="77" y="2227178"/>
+          <a:ext cx="4113281" cy="616992"/>
+        </a:xfrm>
+        <a:prstGeom prst="rect">
+          <a:avLst/>
+        </a:prstGeom>
+        <a:noFill/>
+        <a:ln>
+          <a:noFill/>
+        </a:ln>
+        <a:effectLst/>
+      </dsp:spPr>
+      <dsp:style>
+        <a:lnRef idx="0">
+          <a:scrgbClr r="0" g="0" b="0"/>
+        </a:lnRef>
+        <a:fillRef idx="0">
+          <a:scrgbClr r="0" g="0" b="0"/>
+        </a:fillRef>
+        <a:effectRef idx="0">
+          <a:scrgbClr r="0" g="0" b="0"/>
+        </a:effectRef>
+        <a:fontRef idx="minor"/>
+      </dsp:style>
+      <dsp:txBody>
+        <a:bodyPr spcFirstLastPara="0" vert="horz" wrap="square" lIns="0" tIns="0" rIns="0" bIns="0" numCol="1" spcCol="1270" anchor="t" anchorCtr="0">
+          <a:noAutofit/>
+        </a:bodyPr>
+        <a:lstStyle/>
+        <a:p>
+          <a:pPr marL="0" lvl="0" indent="0" algn="ctr" defTabSz="1600200">
+            <a:lnSpc>
+              <a:spcPct val="100000"/>
+            </a:lnSpc>
+            <a:spcBef>
+              <a:spcPct val="0"/>
+            </a:spcBef>
+            <a:spcAft>
+              <a:spcPct val="35000"/>
+            </a:spcAft>
+            <a:buNone/>
+            <a:defRPr b="1"/>
+          </a:pPr>
+          <a:r>
+            <a:rPr lang="en-US" sz="3600" b="0" i="0" kern="1200"/>
+            <a:t>Mistakes &amp; Risks</a:t>
+          </a:r>
+          <a:endParaRPr lang="en-US" sz="3600" kern="1200"/>
+        </a:p>
+      </dsp:txBody>
+      <dsp:txXfrm>
+        <a:off x="77" y="2227178"/>
+        <a:ext cx="4113281" cy="616992"/>
+      </dsp:txXfrm>
+    </dsp:sp>
+    <dsp:sp modelId="{F89B7DE2-0225-4702-A15F-0A23D66E572A}">
+      <dsp:nvSpPr>
+        <dsp:cNvPr id="0" name=""/>
+        <dsp:cNvSpPr/>
+      </dsp:nvSpPr>
+      <dsp:spPr>
+        <a:xfrm>
+          <a:off x="77" y="2901510"/>
+          <a:ext cx="4113281" cy="629719"/>
+        </a:xfrm>
+        <a:prstGeom prst="rect">
+          <a:avLst/>
+        </a:prstGeom>
+        <a:noFill/>
+        <a:ln>
+          <a:noFill/>
+        </a:ln>
+        <a:effectLst/>
+      </dsp:spPr>
+      <dsp:style>
+        <a:lnRef idx="0">
+          <a:scrgbClr r="0" g="0" b="0"/>
+        </a:lnRef>
+        <a:fillRef idx="0">
+          <a:scrgbClr r="0" g="0" b="0"/>
+        </a:fillRef>
+        <a:effectRef idx="0">
+          <a:scrgbClr r="0" g="0" b="0"/>
+        </a:effectRef>
+        <a:fontRef idx="minor"/>
+      </dsp:style>
+      <dsp:txBody>
+        <a:bodyPr spcFirstLastPara="0" vert="horz" wrap="square" lIns="0" tIns="0" rIns="0" bIns="0" numCol="1" spcCol="1270" anchor="t" anchorCtr="0">
+          <a:noAutofit/>
+        </a:bodyPr>
+        <a:lstStyle/>
+        <a:p>
+          <a:pPr marL="0" lvl="0" indent="0" algn="ctr" defTabSz="755650">
+            <a:lnSpc>
+              <a:spcPct val="100000"/>
+            </a:lnSpc>
+            <a:spcBef>
+              <a:spcPct val="0"/>
+            </a:spcBef>
+            <a:spcAft>
+              <a:spcPct val="35000"/>
+            </a:spcAft>
+            <a:buFont typeface="Wingdings" panose="05000000000000000000" pitchFamily="2" charset="2"/>
+            <a:buNone/>
+          </a:pPr>
+          <a:r>
+            <a:rPr lang="en-US" sz="1700" b="0" i="0" kern="1200" dirty="0"/>
+            <a:t>Misclassification</a:t>
+          </a:r>
+          <a:endParaRPr lang="en-US" sz="1700" kern="1200" dirty="0"/>
+        </a:p>
+        <a:p>
+          <a:pPr marL="0" lvl="0" indent="0" algn="ctr" defTabSz="755650">
+            <a:lnSpc>
+              <a:spcPct val="100000"/>
+            </a:lnSpc>
+            <a:spcBef>
+              <a:spcPct val="0"/>
+            </a:spcBef>
+            <a:spcAft>
+              <a:spcPct val="35000"/>
+            </a:spcAft>
+            <a:buFont typeface="Wingdings" panose="05000000000000000000" pitchFamily="2" charset="2"/>
+            <a:buNone/>
+          </a:pPr>
+          <a:r>
+            <a:rPr lang="en-US" sz="1700" b="0" i="0" kern="1200" dirty="0"/>
+            <a:t>Constant monitoring of trends</a:t>
+          </a:r>
+          <a:endParaRPr lang="en-US" sz="1700" kern="1200" dirty="0"/>
+        </a:p>
+      </dsp:txBody>
+      <dsp:txXfrm>
+        <a:off x="77" y="2901510"/>
+        <a:ext cx="4113281" cy="629719"/>
+      </dsp:txXfrm>
+    </dsp:sp>
+    <dsp:sp modelId="{C5478E6D-1BD2-413C-9D43-D320740B20F7}">
+      <dsp:nvSpPr>
+        <dsp:cNvPr id="0" name=""/>
+        <dsp:cNvSpPr/>
+      </dsp:nvSpPr>
+      <dsp:spPr>
+        <a:xfrm>
+          <a:off x="6169999" y="664250"/>
+          <a:ext cx="1439648" cy="1439648"/>
+        </a:xfrm>
+        <a:prstGeom prst="rect">
+          <a:avLst/>
+        </a:prstGeom>
+        <a:blipFill>
+          <a:blip xmlns:r="http://schemas.openxmlformats.org/officeDocument/2006/relationships" r:embed="rId3">
+            <a:extLst>
+              <a:ext uri="{28A0092B-C50C-407E-A947-70E740481C1C}">
+                <a14:useLocalDpi xmlns:a14="http://schemas.microsoft.com/office/drawing/2010/main" val="0"/>
+              </a:ext>
+              <a:ext uri="{96DAC541-7B7A-43D3-8B79-37D633B846F1}">
+                <asvg:svgBlip xmlns:asvg="http://schemas.microsoft.com/office/drawing/2016/SVG/main" r:embed="rId4"/>
+              </a:ext>
+            </a:extLst>
+          </a:blip>
+          <a:stretch>
+            <a:fillRect/>
+          </a:stretch>
+        </a:blipFill>
+        <a:ln w="19050" cap="rnd" cmpd="sng" algn="ctr">
+          <a:solidFill>
+            <a:schemeClr val="lt1">
+              <a:hueOff val="0"/>
+              <a:satOff val="0"/>
+              <a:lumOff val="0"/>
+              <a:alphaOff val="0"/>
+            </a:schemeClr>
+          </a:solidFill>
+          <a:prstDash val="solid"/>
+        </a:ln>
+        <a:effectLst/>
+      </dsp:spPr>
+      <dsp:style>
+        <a:lnRef idx="2">
+          <a:scrgbClr r="0" g="0" b="0"/>
+        </a:lnRef>
+        <a:fillRef idx="1">
+          <a:scrgbClr r="0" g="0" b="0"/>
+        </a:fillRef>
+        <a:effectRef idx="0">
+          <a:scrgbClr r="0" g="0" b="0"/>
+        </a:effectRef>
+        <a:fontRef idx="minor">
+          <a:schemeClr val="lt1"/>
+        </a:fontRef>
+      </dsp:style>
+    </dsp:sp>
+    <dsp:sp modelId="{F33F57B6-49EE-4D02-BE07-7995C58976B6}">
+      <dsp:nvSpPr>
+        <dsp:cNvPr id="0" name=""/>
+        <dsp:cNvSpPr/>
+      </dsp:nvSpPr>
+      <dsp:spPr>
+        <a:xfrm>
+          <a:off x="4833182" y="2227178"/>
+          <a:ext cx="4113281" cy="616992"/>
+        </a:xfrm>
+        <a:prstGeom prst="rect">
+          <a:avLst/>
+        </a:prstGeom>
+        <a:noFill/>
+        <a:ln>
+          <a:noFill/>
+        </a:ln>
+        <a:effectLst/>
+      </dsp:spPr>
+      <dsp:style>
+        <a:lnRef idx="0">
+          <a:scrgbClr r="0" g="0" b="0"/>
+        </a:lnRef>
+        <a:fillRef idx="0">
+          <a:scrgbClr r="0" g="0" b="0"/>
+        </a:fillRef>
+        <a:effectRef idx="0">
+          <a:scrgbClr r="0" g="0" b="0"/>
+        </a:effectRef>
+        <a:fontRef idx="minor"/>
+      </dsp:style>
+      <dsp:txBody>
+        <a:bodyPr spcFirstLastPara="0" vert="horz" wrap="square" lIns="0" tIns="0" rIns="0" bIns="0" numCol="1" spcCol="1270" anchor="t" anchorCtr="0">
+          <a:noAutofit/>
+        </a:bodyPr>
+        <a:lstStyle/>
+        <a:p>
+          <a:pPr marL="0" lvl="0" indent="0" algn="ctr" defTabSz="1600200">
+            <a:lnSpc>
+              <a:spcPct val="100000"/>
+            </a:lnSpc>
+            <a:spcBef>
+              <a:spcPct val="0"/>
+            </a:spcBef>
+            <a:spcAft>
+              <a:spcPct val="35000"/>
+            </a:spcAft>
+            <a:buNone/>
+            <a:defRPr b="1"/>
+          </a:pPr>
+          <a:r>
+            <a:rPr lang="en-US" sz="3600" b="0" i="0" kern="1200"/>
+            <a:t>Solutions</a:t>
+          </a:r>
+          <a:endParaRPr lang="en-US" sz="3600" kern="1200"/>
+        </a:p>
+      </dsp:txBody>
+      <dsp:txXfrm>
+        <a:off x="4833182" y="2227178"/>
+        <a:ext cx="4113281" cy="616992"/>
+      </dsp:txXfrm>
+    </dsp:sp>
+    <dsp:sp modelId="{0DDE8E07-62E5-4551-B8C0-EE8B8D02D42C}">
+      <dsp:nvSpPr>
+        <dsp:cNvPr id="0" name=""/>
+        <dsp:cNvSpPr/>
+      </dsp:nvSpPr>
+      <dsp:spPr>
+        <a:xfrm>
+          <a:off x="4833182" y="2901510"/>
+          <a:ext cx="4113281" cy="629719"/>
+        </a:xfrm>
+        <a:prstGeom prst="rect">
+          <a:avLst/>
+        </a:prstGeom>
+        <a:noFill/>
+        <a:ln>
+          <a:noFill/>
+        </a:ln>
+        <a:effectLst/>
+      </dsp:spPr>
+      <dsp:style>
+        <a:lnRef idx="0">
+          <a:scrgbClr r="0" g="0" b="0"/>
+        </a:lnRef>
+        <a:fillRef idx="0">
+          <a:scrgbClr r="0" g="0" b="0"/>
+        </a:fillRef>
+        <a:effectRef idx="0">
+          <a:scrgbClr r="0" g="0" b="0"/>
+        </a:effectRef>
+        <a:fontRef idx="minor"/>
+      </dsp:style>
+      <dsp:txBody>
+        <a:bodyPr spcFirstLastPara="0" vert="horz" wrap="square" lIns="0" tIns="0" rIns="0" bIns="0" numCol="1" spcCol="1270" anchor="t" anchorCtr="0">
+          <a:noAutofit/>
+        </a:bodyPr>
+        <a:lstStyle/>
+        <a:p>
+          <a:pPr marL="0" lvl="0" indent="0" algn="ctr" defTabSz="755650">
+            <a:lnSpc>
+              <a:spcPct val="100000"/>
+            </a:lnSpc>
+            <a:spcBef>
+              <a:spcPct val="0"/>
+            </a:spcBef>
+            <a:spcAft>
+              <a:spcPct val="35000"/>
+            </a:spcAft>
+            <a:buNone/>
+          </a:pPr>
+          <a:r>
+            <a:rPr lang="en-US" sz="1700" b="0" i="0" kern="1200"/>
+            <a:t>Double checking</a:t>
+          </a:r>
+          <a:endParaRPr lang="en-US" sz="1700" kern="1200"/>
+        </a:p>
+        <a:p>
+          <a:pPr marL="0" lvl="0" indent="0" algn="ctr" defTabSz="755650">
+            <a:lnSpc>
+              <a:spcPct val="100000"/>
+            </a:lnSpc>
+            <a:spcBef>
+              <a:spcPct val="0"/>
+            </a:spcBef>
+            <a:spcAft>
+              <a:spcPct val="35000"/>
+            </a:spcAft>
+            <a:buNone/>
+          </a:pPr>
+          <a:r>
+            <a:rPr lang="en-US" sz="1700" b="0" i="0" kern="1200"/>
+            <a:t>Simulate Predictions early</a:t>
+          </a:r>
+          <a:endParaRPr lang="en-US" sz="1700" kern="1200"/>
+        </a:p>
+      </dsp:txBody>
+      <dsp:txXfrm>
+        <a:off x="4833182" y="2901510"/>
+        <a:ext cx="4113281" cy="629719"/>
+      </dsp:txXfrm>
+    </dsp:sp>
+  </dsp:spTree>
+</dsp:drawing>
+</file>
+
+<file path=ppt/diagrams/drawing2.xml><?xml version="1.0" encoding="utf-8"?>
+<dsp:drawing xmlns:dgm="http://schemas.openxmlformats.org/drawingml/2006/diagram" xmlns:dsp="http://schemas.microsoft.com/office/drawing/2008/diagram" xmlns:a="http://schemas.openxmlformats.org/drawingml/2006/main">
+  <dsp:spTree>
+    <dsp:nvGrpSpPr>
+      <dsp:cNvPr id="0" name=""/>
+      <dsp:cNvGrpSpPr/>
+    </dsp:nvGrpSpPr>
+    <dsp:grpSpPr/>
+    <dsp:sp modelId="{1FFB34FB-1035-4284-B0EA-548B76FB6AF2}">
+      <dsp:nvSpPr>
+        <dsp:cNvPr id="0" name=""/>
+        <dsp:cNvSpPr/>
+      </dsp:nvSpPr>
+      <dsp:spPr>
+        <a:xfrm>
+          <a:off x="1336893" y="472503"/>
+          <a:ext cx="1439648" cy="1439648"/>
+        </a:xfrm>
+        <a:prstGeom prst="rect">
+          <a:avLst/>
+        </a:prstGeom>
+        <a:blipFill>
+          <a:blip xmlns:r="http://schemas.openxmlformats.org/officeDocument/2006/relationships" r:embed="rId1">
+            <a:extLst>
+              <a:ext uri="{28A0092B-C50C-407E-A947-70E740481C1C}">
+                <a14:useLocalDpi xmlns:a14="http://schemas.microsoft.com/office/drawing/2010/main" val="0"/>
+              </a:ext>
+              <a:ext uri="{96DAC541-7B7A-43D3-8B79-37D633B846F1}">
+                <asvg:svgBlip xmlns:asvg="http://schemas.microsoft.com/office/drawing/2016/SVG/main" r:embed="rId2"/>
+              </a:ext>
+            </a:extLst>
+          </a:blip>
+          <a:stretch>
+            <a:fillRect/>
+          </a:stretch>
+        </a:blipFill>
+        <a:ln w="19050" cap="rnd" cmpd="sng" algn="ctr">
+          <a:solidFill>
+            <a:schemeClr val="lt1">
+              <a:hueOff val="0"/>
+              <a:satOff val="0"/>
+              <a:lumOff val="0"/>
+              <a:alphaOff val="0"/>
+            </a:schemeClr>
+          </a:solidFill>
+          <a:prstDash val="solid"/>
+        </a:ln>
+        <a:effectLst/>
+      </dsp:spPr>
+      <dsp:style>
+        <a:lnRef idx="2">
+          <a:scrgbClr r="0" g="0" b="0"/>
+        </a:lnRef>
+        <a:fillRef idx="1">
+          <a:scrgbClr r="0" g="0" b="0"/>
+        </a:fillRef>
+        <a:effectRef idx="0">
+          <a:scrgbClr r="0" g="0" b="0"/>
+        </a:effectRef>
+        <a:fontRef idx="minor">
+          <a:schemeClr val="lt1"/>
+        </a:fontRef>
+      </dsp:style>
+    </dsp:sp>
+    <dsp:sp modelId="{E97118AC-12BE-4182-A697-2ECDFC8F2E6E}">
+      <dsp:nvSpPr>
+        <dsp:cNvPr id="0" name=""/>
+        <dsp:cNvSpPr/>
+      </dsp:nvSpPr>
+      <dsp:spPr>
+        <a:xfrm>
+          <a:off x="77" y="2051922"/>
+          <a:ext cx="4113281" cy="616992"/>
+        </a:xfrm>
+        <a:prstGeom prst="rect">
+          <a:avLst/>
+        </a:prstGeom>
+        <a:noFill/>
+        <a:ln>
+          <a:noFill/>
+        </a:ln>
+        <a:effectLst/>
+      </dsp:spPr>
+      <dsp:style>
+        <a:lnRef idx="0">
+          <a:scrgbClr r="0" g="0" b="0"/>
+        </a:lnRef>
+        <a:fillRef idx="0">
+          <a:scrgbClr r="0" g="0" b="0"/>
+        </a:fillRef>
+        <a:effectRef idx="0">
+          <a:scrgbClr r="0" g="0" b="0"/>
+        </a:effectRef>
+        <a:fontRef idx="minor"/>
+      </dsp:style>
+      <dsp:txBody>
+        <a:bodyPr spcFirstLastPara="0" vert="horz" wrap="square" lIns="0" tIns="0" rIns="0" bIns="0" numCol="1" spcCol="1270" anchor="t" anchorCtr="0">
+          <a:noAutofit/>
+        </a:bodyPr>
+        <a:lstStyle/>
+        <a:p>
+          <a:pPr marL="0" lvl="0" indent="0" algn="ctr" defTabSz="1600200">
+            <a:lnSpc>
+              <a:spcPct val="100000"/>
+            </a:lnSpc>
+            <a:spcBef>
+              <a:spcPct val="0"/>
+            </a:spcBef>
+            <a:spcAft>
+              <a:spcPct val="35000"/>
+            </a:spcAft>
+            <a:buNone/>
+            <a:defRPr b="1"/>
+          </a:pPr>
+          <a:r>
+            <a:rPr lang="en-US" sz="3600" b="0" i="0" kern="1200"/>
+            <a:t>Dangers</a:t>
+          </a:r>
+          <a:endParaRPr lang="en-US" sz="3600" kern="1200"/>
+        </a:p>
+      </dsp:txBody>
+      <dsp:txXfrm>
+        <a:off x="77" y="2051922"/>
+        <a:ext cx="4113281" cy="616992"/>
+      </dsp:txXfrm>
+    </dsp:sp>
+    <dsp:sp modelId="{D94C0C65-7088-4B08-95D2-D5E00EA4775A}">
+      <dsp:nvSpPr>
+        <dsp:cNvPr id="0" name=""/>
+        <dsp:cNvSpPr/>
+      </dsp:nvSpPr>
+      <dsp:spPr>
+        <a:xfrm>
+          <a:off x="77" y="2733924"/>
+          <a:ext cx="4113281" cy="989053"/>
+        </a:xfrm>
+        <a:prstGeom prst="rect">
+          <a:avLst/>
+        </a:prstGeom>
+        <a:noFill/>
+        <a:ln>
+          <a:noFill/>
+        </a:ln>
+        <a:effectLst/>
+      </dsp:spPr>
+      <dsp:style>
+        <a:lnRef idx="0">
+          <a:scrgbClr r="0" g="0" b="0"/>
+        </a:lnRef>
+        <a:fillRef idx="0">
+          <a:scrgbClr r="0" g="0" b="0"/>
+        </a:fillRef>
+        <a:effectRef idx="0">
+          <a:scrgbClr r="0" g="0" b="0"/>
+        </a:effectRef>
+        <a:fontRef idx="minor"/>
+      </dsp:style>
+      <dsp:txBody>
+        <a:bodyPr spcFirstLastPara="0" vert="horz" wrap="square" lIns="0" tIns="0" rIns="0" bIns="0" numCol="1" spcCol="1270" anchor="t" anchorCtr="0">
+          <a:noAutofit/>
+        </a:bodyPr>
+        <a:lstStyle/>
+        <a:p>
+          <a:pPr marL="0" lvl="0" indent="0" algn="ctr" defTabSz="755650">
+            <a:lnSpc>
+              <a:spcPct val="100000"/>
+            </a:lnSpc>
+            <a:spcBef>
+              <a:spcPct val="0"/>
+            </a:spcBef>
+            <a:spcAft>
+              <a:spcPct val="35000"/>
+            </a:spcAft>
+            <a:buNone/>
+          </a:pPr>
+          <a:r>
+            <a:rPr lang="en-US" sz="1700" b="0" i="0" kern="1200"/>
+            <a:t>Biases in data </a:t>
+          </a:r>
+          <a:endParaRPr lang="en-US" sz="1700" kern="1200"/>
+        </a:p>
+        <a:p>
+          <a:pPr marL="0" lvl="0" indent="0" algn="ctr" defTabSz="755650">
+            <a:lnSpc>
+              <a:spcPct val="100000"/>
+            </a:lnSpc>
+            <a:spcBef>
+              <a:spcPct val="0"/>
+            </a:spcBef>
+            <a:spcAft>
+              <a:spcPct val="35000"/>
+            </a:spcAft>
+            <a:buNone/>
+          </a:pPr>
+          <a:r>
+            <a:rPr lang="en-US" sz="1700" b="0" i="0" kern="1200"/>
+            <a:t>Over-reliance</a:t>
+          </a:r>
+          <a:endParaRPr lang="en-US" sz="1700" kern="1200"/>
+        </a:p>
+        <a:p>
+          <a:pPr marL="0" lvl="0" indent="0" algn="ctr" defTabSz="755650">
+            <a:lnSpc>
+              <a:spcPct val="100000"/>
+            </a:lnSpc>
+            <a:spcBef>
+              <a:spcPct val="0"/>
+            </a:spcBef>
+            <a:spcAft>
+              <a:spcPct val="35000"/>
+            </a:spcAft>
+            <a:buNone/>
+          </a:pPr>
+          <a:r>
+            <a:rPr lang="en-US" sz="1700" b="0" i="0" kern="1200"/>
+            <a:t>Consumer trust</a:t>
+          </a:r>
+          <a:endParaRPr lang="en-US" sz="1700" kern="1200"/>
+        </a:p>
+      </dsp:txBody>
+      <dsp:txXfrm>
+        <a:off x="77" y="2733924"/>
+        <a:ext cx="4113281" cy="989053"/>
+      </dsp:txXfrm>
+    </dsp:sp>
+    <dsp:sp modelId="{A7F57E1A-6163-4C0A-B6D7-D14088F5D2AF}">
+      <dsp:nvSpPr>
+        <dsp:cNvPr id="0" name=""/>
+        <dsp:cNvSpPr/>
+      </dsp:nvSpPr>
+      <dsp:spPr>
+        <a:xfrm>
+          <a:off x="6169999" y="472503"/>
+          <a:ext cx="1439648" cy="1439648"/>
+        </a:xfrm>
+        <a:prstGeom prst="rect">
+          <a:avLst/>
+        </a:prstGeom>
+        <a:blipFill>
+          <a:blip xmlns:r="http://schemas.openxmlformats.org/officeDocument/2006/relationships" r:embed="rId3">
+            <a:extLst>
+              <a:ext uri="{28A0092B-C50C-407E-A947-70E740481C1C}">
+                <a14:useLocalDpi xmlns:a14="http://schemas.microsoft.com/office/drawing/2010/main" val="0"/>
+              </a:ext>
+              <a:ext uri="{96DAC541-7B7A-43D3-8B79-37D633B846F1}">
+                <asvg:svgBlip xmlns:asvg="http://schemas.microsoft.com/office/drawing/2016/SVG/main" r:embed="rId4"/>
+              </a:ext>
+            </a:extLst>
+          </a:blip>
+          <a:stretch>
+            <a:fillRect/>
+          </a:stretch>
+        </a:blipFill>
+        <a:ln w="19050" cap="rnd" cmpd="sng" algn="ctr">
+          <a:solidFill>
+            <a:schemeClr val="lt1">
+              <a:hueOff val="0"/>
+              <a:satOff val="0"/>
+              <a:lumOff val="0"/>
+              <a:alphaOff val="0"/>
+            </a:schemeClr>
+          </a:solidFill>
+          <a:prstDash val="solid"/>
+        </a:ln>
+        <a:effectLst/>
+      </dsp:spPr>
+      <dsp:style>
+        <a:lnRef idx="2">
+          <a:scrgbClr r="0" g="0" b="0"/>
+        </a:lnRef>
+        <a:fillRef idx="1">
+          <a:scrgbClr r="0" g="0" b="0"/>
+        </a:fillRef>
+        <a:effectRef idx="0">
+          <a:scrgbClr r="0" g="0" b="0"/>
+        </a:effectRef>
+        <a:fontRef idx="minor">
+          <a:schemeClr val="lt1"/>
+        </a:fontRef>
+      </dsp:style>
+    </dsp:sp>
+    <dsp:sp modelId="{B587C158-B5D0-410B-9A58-F7522237BBD3}">
+      <dsp:nvSpPr>
+        <dsp:cNvPr id="0" name=""/>
+        <dsp:cNvSpPr/>
+      </dsp:nvSpPr>
+      <dsp:spPr>
+        <a:xfrm>
+          <a:off x="4833182" y="2051922"/>
+          <a:ext cx="4113281" cy="616992"/>
+        </a:xfrm>
+        <a:prstGeom prst="rect">
+          <a:avLst/>
+        </a:prstGeom>
+        <a:noFill/>
+        <a:ln>
+          <a:noFill/>
+        </a:ln>
+        <a:effectLst/>
+      </dsp:spPr>
+      <dsp:style>
+        <a:lnRef idx="0">
+          <a:scrgbClr r="0" g="0" b="0"/>
+        </a:lnRef>
+        <a:fillRef idx="0">
+          <a:scrgbClr r="0" g="0" b="0"/>
+        </a:fillRef>
+        <a:effectRef idx="0">
+          <a:scrgbClr r="0" g="0" b="0"/>
+        </a:effectRef>
+        <a:fontRef idx="minor"/>
+      </dsp:style>
+      <dsp:txBody>
+        <a:bodyPr spcFirstLastPara="0" vert="horz" wrap="square" lIns="0" tIns="0" rIns="0" bIns="0" numCol="1" spcCol="1270" anchor="t" anchorCtr="0">
+          <a:noAutofit/>
+        </a:bodyPr>
+        <a:lstStyle/>
+        <a:p>
+          <a:pPr marL="0" lvl="0" indent="0" algn="ctr" defTabSz="1600200">
+            <a:lnSpc>
+              <a:spcPct val="100000"/>
+            </a:lnSpc>
+            <a:spcBef>
+              <a:spcPct val="0"/>
+            </a:spcBef>
+            <a:spcAft>
+              <a:spcPct val="35000"/>
+            </a:spcAft>
+            <a:buNone/>
+            <a:defRPr b="1"/>
+          </a:pPr>
+          <a:r>
+            <a:rPr lang="en-US" sz="3600" b="0" i="0" kern="1200"/>
+            <a:t>Positive</a:t>
+          </a:r>
+          <a:endParaRPr lang="en-US" sz="3600" kern="1200"/>
+        </a:p>
+      </dsp:txBody>
+      <dsp:txXfrm>
+        <a:off x="4833182" y="2051922"/>
+        <a:ext cx="4113281" cy="616992"/>
+      </dsp:txXfrm>
+    </dsp:sp>
+    <dsp:sp modelId="{4B34E189-B845-4F76-87E2-7A55F72F163F}">
+      <dsp:nvSpPr>
+        <dsp:cNvPr id="0" name=""/>
+        <dsp:cNvSpPr/>
+      </dsp:nvSpPr>
+      <dsp:spPr>
+        <a:xfrm>
+          <a:off x="4833182" y="2733924"/>
+          <a:ext cx="4113281" cy="989053"/>
+        </a:xfrm>
+        <a:prstGeom prst="rect">
+          <a:avLst/>
+        </a:prstGeom>
+        <a:noFill/>
+        <a:ln>
+          <a:noFill/>
+        </a:ln>
+        <a:effectLst/>
+      </dsp:spPr>
+      <dsp:style>
+        <a:lnRef idx="0">
+          <a:scrgbClr r="0" g="0" b="0"/>
+        </a:lnRef>
+        <a:fillRef idx="0">
+          <a:scrgbClr r="0" g="0" b="0"/>
+        </a:fillRef>
+        <a:effectRef idx="0">
+          <a:scrgbClr r="0" g="0" b="0"/>
+        </a:effectRef>
+        <a:fontRef idx="minor"/>
+      </dsp:style>
+      <dsp:txBody>
+        <a:bodyPr spcFirstLastPara="0" vert="horz" wrap="square" lIns="0" tIns="0" rIns="0" bIns="0" numCol="1" spcCol="1270" anchor="t" anchorCtr="0">
+          <a:noAutofit/>
+        </a:bodyPr>
+        <a:lstStyle/>
+        <a:p>
+          <a:pPr marL="0" lvl="0" indent="0" algn="ctr" defTabSz="755650">
+            <a:lnSpc>
+              <a:spcPct val="100000"/>
+            </a:lnSpc>
+            <a:spcBef>
+              <a:spcPct val="0"/>
+            </a:spcBef>
+            <a:spcAft>
+              <a:spcPct val="35000"/>
+            </a:spcAft>
+            <a:buNone/>
+          </a:pPr>
+          <a:r>
+            <a:rPr lang="en-US" sz="1700" b="0" i="0" kern="1200"/>
+            <a:t>Help smaller companies</a:t>
+          </a:r>
+          <a:endParaRPr lang="en-US" sz="1700" kern="1200"/>
+        </a:p>
+        <a:p>
+          <a:pPr marL="0" lvl="0" indent="0" algn="ctr" defTabSz="755650">
+            <a:lnSpc>
+              <a:spcPct val="100000"/>
+            </a:lnSpc>
+            <a:spcBef>
+              <a:spcPct val="0"/>
+            </a:spcBef>
+            <a:spcAft>
+              <a:spcPct val="35000"/>
+            </a:spcAft>
+            <a:buNone/>
+          </a:pPr>
+          <a:r>
+            <a:rPr lang="en-US" sz="1700" b="0" i="0" kern="1200"/>
+            <a:t>Fast classification</a:t>
+          </a:r>
+          <a:endParaRPr lang="en-US" sz="1700" kern="1200"/>
+        </a:p>
+      </dsp:txBody>
+      <dsp:txXfrm>
+        <a:off x="4833182" y="2733924"/>
+        <a:ext cx="4113281" cy="989053"/>
+      </dsp:txXfrm>
+    </dsp:sp>
+  </dsp:spTree>
+</dsp:drawing>
+</file>
+
+<file path=ppt/diagrams/layout1.xml><?xml version="1.0" encoding="utf-8"?>
+<dgm:layoutDef xmlns:dgm="http://schemas.openxmlformats.org/drawingml/2006/diagram" xmlns:a="http://schemas.openxmlformats.org/drawingml/2006/main" uniqueId="urn:microsoft.com/office/officeart/2018/5/layout/CenteredIconLabelDescriptionList">
+  <dgm:title val="Centered Icon Label Description List"/>
+  <dgm:desc val="Use to show non-sequential or grouped chunks of information. The placeholder holds an icon or small picture, and corresponding text boxes show Level 1 and Level 2 text respectively. Works well for minimal Level 1 text accompanied by lengthier Level two text."/>
+  <dgm:catLst>
+    <dgm:cat type="icon" pri="500"/>
+  </dgm:catLst>
+  <dgm:sampData useDef="1">
+    <dgm:dataModel>
+      <dgm:ptLst/>
+      <dgm:bg/>
+      <dgm:whole/>
+    </dgm:dataModel>
+  </dgm:sampData>
+  <dgm:styleData useDef="1">
+    <dgm:dataModel>
+      <dgm:ptLst/>
+      <dgm:bg/>
+      <dgm:whole/>
+    </dgm:dataModel>
+  </dgm:styleData>
+  <dgm:clrData useDef="1">
+    <dgm:dataModel>
+      <dgm:ptLst/>
+      <dgm:bg/>
+      <dgm:whole/>
+    </dgm:dataModel>
+  </dgm:clrData>
+  <dgm:layoutNode name="root">
+    <dgm:varLst>
+      <dgm:dir/>
+      <dgm:resizeHandles val="exact"/>
+    </dgm:varLst>
+    <dgm:choose name="Name0">
+      <dgm:if name="Name1" axis="self" func="var" arg="dir" op="equ" val="norm">
+        <dgm:alg type="lin"/>
+      </dgm:if>
+      <dgm:else name="Name2">
+        <dgm:alg type="lin">
+          <dgm:param type="linDir" val="fromR"/>
+        </dgm:alg>
+      </dgm:else>
+    </dgm:choose>
+    <dgm:shape xmlns:r="http://schemas.openxmlformats.org/officeDocument/2006/relationships" r:blip="">
+      <dgm:adjLst/>
+    </dgm:shape>
+    <dgm:presOf/>
+    <dgm:constrLst>
+      <dgm:constr type="h" for="ch" forName="compNode" refType="h" fact="0.45"/>
+      <dgm:constr type="w" for="ch" forName="compNode" val="120"/>
+      <dgm:constr type="w" for="ch" forName="sibTrans" refType="w" refFor="ch" refForName="compNode" fact="0.175"/>
+      <dgm:constr type="primFontSz" for="des" forName="parTx" val="36"/>
+      <dgm:constr type="primFontSz" for="des" forName="desTx" refType="primFontSz" refFor="des" refForName="parTx" op="lte" fact="0.75"/>
+      <dgm:constr type="h" for="des" forName="compNode" op="equ"/>
+      <dgm:constr type="h" for="des" forName="iconRect" op="equ"/>
+      <dgm:constr type="w" for="des" forName="iconRect" op="equ"/>
+      <dgm:constr type="h" for="des" forName="iconSpace" op="equ"/>
+      <dgm:constr type="h" for="des" forName="parTx" op="equ"/>
+      <dgm:constr type="h" for="des" forName="txSpace" op="equ"/>
+      <dgm:constr type="h" for="des" forName="desTx" op="equ"/>
+    </dgm:constrLst>
+    <dgm:ruleLst>
+      <dgm:rule type="w" for="ch" forName="compNode" val="0" fact="NaN" max="NaN"/>
+    </dgm:ruleLst>
+    <dgm:forEach name="Name3" axis="ch" ptType="node">
+      <dgm:layoutNode name="compNode">
+        <dgm:alg type="composite"/>
+        <dgm:shape xmlns:r="http://schemas.openxmlformats.org/officeDocument/2006/relationships" r:blip="">
+          <dgm:adjLst/>
+        </dgm:shape>
+        <dgm:presOf axis="self"/>
+        <dgm:constrLst>
+          <dgm:constr type="w" for="ch" forName="iconRect" refType="w" fact="0.35"/>
+          <dgm:constr type="h" for="ch" forName="iconRect" refType="w" refFor="ch" refForName="iconRect"/>
+          <dgm:constr type="ctrX" for="ch" forName="iconRect" refType="w" fact="0.5"/>
+          <dgm:constr type="t" for="ch" forName="iconRect"/>
+          <dgm:constr type="w" for="ch" forName="iconSpace" refType="w"/>
+          <dgm:constr type="h" for="ch" forName="iconSpace" refType="h" fact="0.043"/>
+          <dgm:constr type="l" for="ch" forName="iconSpace"/>
+          <dgm:constr type="t" for="ch" forName="iconSpace" refType="b" refFor="ch" refForName="iconRect"/>
+          <dgm:constr type="w" for="ch" forName="parTx" refType="w"/>
+          <dgm:constr type="h" for="ch" forName="parTx" refType="w" fact="0.15"/>
+          <dgm:constr type="l" for="ch" forName="parTx"/>
+          <dgm:constr type="t" for="ch" forName="parTx" refType="b" refFor="ch" refForName="iconSpace"/>
+          <dgm:constr type="h" for="ch" forName="txSpace" refType="h" fact="0.02"/>
+          <dgm:constr type="w" for="ch" forName="txSpace" refType="w"/>
+          <dgm:constr type="l" for="ch" forName="txSpace"/>
+          <dgm:constr type="t" for="ch" forName="txSpace" refType="b" refFor="ch" refForName="parTx"/>
+          <dgm:constr type="w" for="ch" forName="desTx" refType="w"/>
+          <dgm:constr type="l" for="ch" forName="desTx"/>
+          <dgm:constr type="t" for="ch" forName="desTx" refType="b" refFor="ch" refForName="txSpace"/>
+        </dgm:constrLst>
+        <dgm:ruleLst>
+          <dgm:rule type="h" val="INF" fact="NaN" max="NaN"/>
+        </dgm:ruleLst>
+        <dgm:layoutNode name="iconRect" styleLbl="node1">
+          <dgm:alg type="sp"/>
+          <dgm:shape xmlns:r="http://schemas.openxmlformats.org/officeDocument/2006/relationships" type="rect" r:blip="" blipPhldr="1">
+            <dgm:adjLst/>
+          </dgm:shape>
+          <dgm:presOf/>
+          <dgm:constrLst/>
+          <dgm:ruleLst/>
+        </dgm:layoutNode>
+        <dgm:layoutNode name="iconSpace">
+          <dgm:alg type="sp"/>
+          <dgm:shape xmlns:r="http://schemas.openxmlformats.org/officeDocument/2006/relationships" r:blip="">
+            <dgm:adjLst/>
+          </dgm:shape>
+          <dgm:presOf/>
+          <dgm:constrLst/>
+          <dgm:ruleLst/>
+        </dgm:layoutNode>
+        <dgm:layoutNode name="parTx" styleLbl="revTx">
+          <dgm:varLst>
+            <dgm:chMax val="0"/>
+            <dgm:chPref val="0"/>
+          </dgm:varLst>
+          <dgm:alg type="tx">
+            <dgm:param type="txAnchorVert" val="t"/>
+          </dgm:alg>
+          <dgm:shape xmlns:r="http://schemas.openxmlformats.org/officeDocument/2006/relationships" type="rect" r:blip="">
+            <dgm:adjLst/>
+          </dgm:shape>
+          <dgm:presOf axis="self" ptType="node"/>
+          <dgm:constrLst>
+            <dgm:constr type="lMarg"/>
+            <dgm:constr type="rMarg"/>
+            <dgm:constr type="tMarg"/>
+            <dgm:constr type="bMarg"/>
+          </dgm:constrLst>
+          <dgm:ruleLst>
+            <dgm:rule type="primFontSz" val="14" fact="NaN" max="NaN"/>
+            <dgm:rule type="h" val="INF" fact="NaN" max="NaN"/>
+          </dgm:ruleLst>
+        </dgm:layoutNode>
+        <dgm:layoutNode name="txSpace">
+          <dgm:alg type="sp"/>
+          <dgm:shape xmlns:r="http://schemas.openxmlformats.org/officeDocument/2006/relationships" r:blip="">
+            <dgm:adjLst/>
+          </dgm:shape>
+          <dgm:presOf/>
+          <dgm:constrLst/>
+          <dgm:ruleLst/>
+        </dgm:layoutNode>
+        <dgm:layoutNode name="desTx" styleLbl="revTx">
+          <dgm:varLst/>
+          <dgm:alg type="tx">
+            <dgm:param type="stBulletLvl" val="0"/>
+            <dgm:param type="txAnchorVert" val="t"/>
+          </dgm:alg>
+          <dgm:shape xmlns:r="http://schemas.openxmlformats.org/officeDocument/2006/relationships" type="rect" r:blip="">
+            <dgm:adjLst/>
+          </dgm:shape>
+          <dgm:presOf axis="des" ptType="node"/>
+          <dgm:constrLst>
+            <dgm:constr type="secFontSz" refType="primFontSz"/>
+            <dgm:constr type="lMarg"/>
+            <dgm:constr type="rMarg"/>
+            <dgm:constr type="tMarg"/>
+            <dgm:constr type="bMarg"/>
+          </dgm:constrLst>
+          <dgm:ruleLst>
+            <dgm:rule type="primFontSz" val="NaN" fact="NaN" max="17"/>
+            <dgm:rule type="h" val="INF" fact="NaN" max="NaN"/>
+          </dgm:ruleLst>
+        </dgm:layoutNode>
+      </dgm:layoutNode>
+      <dgm:forEach name="Name4" axis="followSib" ptType="sibTrans" cnt="1">
+        <dgm:layoutNode name="sibTrans">
+          <dgm:alg type="sp"/>
+          <dgm:shape xmlns:r="http://schemas.openxmlformats.org/officeDocument/2006/relationships" r:blip="">
+            <dgm:adjLst/>
+          </dgm:shape>
+          <dgm:presOf axis="self"/>
+          <dgm:constrLst/>
+          <dgm:ruleLst/>
+        </dgm:layoutNode>
+      </dgm:forEach>
+    </dgm:forEach>
+  </dgm:layoutNode>
+  <dgm:extLst>
+    <a:ext uri="{68A01E43-0DF5-4B5B-8FA6-DAF915123BFB}">
+      <dgm1612:lstStyle xmlns:dgm1612="http://schemas.microsoft.com/office/drawing/2016/12/diagram">
+        <a:lvl1pPr>
+          <a:lnSpc>
+            <a:spcPct val="100000"/>
+          </a:lnSpc>
+          <a:defRPr b="1"/>
+        </a:lvl1pPr>
+        <a:lvl2pPr>
+          <a:lnSpc>
+            <a:spcPct val="100000"/>
+          </a:lnSpc>
+        </a:lvl2pPr>
+      </dgm1612:lstStyle>
+    </a:ext>
+  </dgm:extLst>
+</dgm:layoutDef>
+</file>
+
+<file path=ppt/diagrams/layout2.xml><?xml version="1.0" encoding="utf-8"?>
+<dgm:layoutDef xmlns:dgm="http://schemas.openxmlformats.org/drawingml/2006/diagram" xmlns:a="http://schemas.openxmlformats.org/drawingml/2006/main" uniqueId="urn:microsoft.com/office/officeart/2018/5/layout/CenteredIconLabelDescriptionList">
+  <dgm:title val="Centered Icon Label Description List"/>
+  <dgm:desc val="Use to show non-sequential or grouped chunks of information. The placeholder holds an icon or small picture, and corresponding text boxes show Level 1 and Level 2 text respectively. Works well for minimal Level 1 text accompanied by lengthier Level two text."/>
+  <dgm:catLst>
+    <dgm:cat type="icon" pri="500"/>
+  </dgm:catLst>
+  <dgm:sampData useDef="1">
+    <dgm:dataModel>
+      <dgm:ptLst/>
+      <dgm:bg/>
+      <dgm:whole/>
+    </dgm:dataModel>
+  </dgm:sampData>
+  <dgm:styleData useDef="1">
+    <dgm:dataModel>
+      <dgm:ptLst/>
+      <dgm:bg/>
+      <dgm:whole/>
+    </dgm:dataModel>
+  </dgm:styleData>
+  <dgm:clrData useDef="1">
+    <dgm:dataModel>
+      <dgm:ptLst/>
+      <dgm:bg/>
+      <dgm:whole/>
+    </dgm:dataModel>
+  </dgm:clrData>
+  <dgm:layoutNode name="root">
+    <dgm:varLst>
+      <dgm:dir/>
+      <dgm:resizeHandles val="exact"/>
+    </dgm:varLst>
+    <dgm:choose name="Name0">
+      <dgm:if name="Name1" axis="self" func="var" arg="dir" op="equ" val="norm">
+        <dgm:alg type="lin"/>
+      </dgm:if>
+      <dgm:else name="Name2">
+        <dgm:alg type="lin">
+          <dgm:param type="linDir" val="fromR"/>
+        </dgm:alg>
+      </dgm:else>
+    </dgm:choose>
+    <dgm:shape xmlns:r="http://schemas.openxmlformats.org/officeDocument/2006/relationships" r:blip="">
+      <dgm:adjLst/>
+    </dgm:shape>
+    <dgm:presOf/>
+    <dgm:constrLst>
+      <dgm:constr type="h" for="ch" forName="compNode" refType="h" fact="0.45"/>
+      <dgm:constr type="w" for="ch" forName="compNode" val="120"/>
+      <dgm:constr type="w" for="ch" forName="sibTrans" refType="w" refFor="ch" refForName="compNode" fact="0.175"/>
+      <dgm:constr type="primFontSz" for="des" forName="parTx" val="36"/>
+      <dgm:constr type="primFontSz" for="des" forName="desTx" refType="primFontSz" refFor="des" refForName="parTx" op="lte" fact="0.75"/>
+      <dgm:constr type="h" for="des" forName="compNode" op="equ"/>
+      <dgm:constr type="h" for="des" forName="iconRect" op="equ"/>
+      <dgm:constr type="w" for="des" forName="iconRect" op="equ"/>
+      <dgm:constr type="h" for="des" forName="iconSpace" op="equ"/>
+      <dgm:constr type="h" for="des" forName="parTx" op="equ"/>
+      <dgm:constr type="h" for="des" forName="txSpace" op="equ"/>
+      <dgm:constr type="h" for="des" forName="desTx" op="equ"/>
+    </dgm:constrLst>
+    <dgm:ruleLst>
+      <dgm:rule type="w" for="ch" forName="compNode" val="0" fact="NaN" max="NaN"/>
+    </dgm:ruleLst>
+    <dgm:forEach name="Name3" axis="ch" ptType="node">
+      <dgm:layoutNode name="compNode">
+        <dgm:alg type="composite"/>
+        <dgm:shape xmlns:r="http://schemas.openxmlformats.org/officeDocument/2006/relationships" r:blip="">
+          <dgm:adjLst/>
+        </dgm:shape>
+        <dgm:presOf axis="self"/>
+        <dgm:constrLst>
+          <dgm:constr type="w" for="ch" forName="iconRect" refType="w" fact="0.35"/>
+          <dgm:constr type="h" for="ch" forName="iconRect" refType="w" refFor="ch" refForName="iconRect"/>
+          <dgm:constr type="ctrX" for="ch" forName="iconRect" refType="w" fact="0.5"/>
+          <dgm:constr type="t" for="ch" forName="iconRect"/>
+          <dgm:constr type="w" for="ch" forName="iconSpace" refType="w"/>
+          <dgm:constr type="h" for="ch" forName="iconSpace" refType="h" fact="0.043"/>
+          <dgm:constr type="l" for="ch" forName="iconSpace"/>
+          <dgm:constr type="t" for="ch" forName="iconSpace" refType="b" refFor="ch" refForName="iconRect"/>
+          <dgm:constr type="w" for="ch" forName="parTx" refType="w"/>
+          <dgm:constr type="h" for="ch" forName="parTx" refType="w" fact="0.15"/>
+          <dgm:constr type="l" for="ch" forName="parTx"/>
+          <dgm:constr type="t" for="ch" forName="parTx" refType="b" refFor="ch" refForName="iconSpace"/>
+          <dgm:constr type="h" for="ch" forName="txSpace" refType="h" fact="0.02"/>
+          <dgm:constr type="w" for="ch" forName="txSpace" refType="w"/>
+          <dgm:constr type="l" for="ch" forName="txSpace"/>
+          <dgm:constr type="t" for="ch" forName="txSpace" refType="b" refFor="ch" refForName="parTx"/>
+          <dgm:constr type="w" for="ch" forName="desTx" refType="w"/>
+          <dgm:constr type="l" for="ch" forName="desTx"/>
+          <dgm:constr type="t" for="ch" forName="desTx" refType="b" refFor="ch" refForName="txSpace"/>
+        </dgm:constrLst>
+        <dgm:ruleLst>
+          <dgm:rule type="h" val="INF" fact="NaN" max="NaN"/>
+        </dgm:ruleLst>
+        <dgm:layoutNode name="iconRect" styleLbl="node1">
+          <dgm:alg type="sp"/>
+          <dgm:shape xmlns:r="http://schemas.openxmlformats.org/officeDocument/2006/relationships" type="rect" r:blip="" blipPhldr="1">
+            <dgm:adjLst/>
+          </dgm:shape>
+          <dgm:presOf/>
+          <dgm:constrLst/>
+          <dgm:ruleLst/>
+        </dgm:layoutNode>
+        <dgm:layoutNode name="iconSpace">
+          <dgm:alg type="sp"/>
+          <dgm:shape xmlns:r="http://schemas.openxmlformats.org/officeDocument/2006/relationships" r:blip="">
+            <dgm:adjLst/>
+          </dgm:shape>
+          <dgm:presOf/>
+          <dgm:constrLst/>
+          <dgm:ruleLst/>
+        </dgm:layoutNode>
+        <dgm:layoutNode name="parTx" styleLbl="revTx">
+          <dgm:varLst>
+            <dgm:chMax val="0"/>
+            <dgm:chPref val="0"/>
+          </dgm:varLst>
+          <dgm:alg type="tx">
+            <dgm:param type="txAnchorVert" val="t"/>
+          </dgm:alg>
+          <dgm:shape xmlns:r="http://schemas.openxmlformats.org/officeDocument/2006/relationships" type="rect" r:blip="">
+            <dgm:adjLst/>
+          </dgm:shape>
+          <dgm:presOf axis="self" ptType="node"/>
+          <dgm:constrLst>
+            <dgm:constr type="lMarg"/>
+            <dgm:constr type="rMarg"/>
+            <dgm:constr type="tMarg"/>
+            <dgm:constr type="bMarg"/>
+          </dgm:constrLst>
+          <dgm:ruleLst>
+            <dgm:rule type="primFontSz" val="14" fact="NaN" max="NaN"/>
+            <dgm:rule type="h" val="INF" fact="NaN" max="NaN"/>
+          </dgm:ruleLst>
+        </dgm:layoutNode>
+        <dgm:layoutNode name="txSpace">
+          <dgm:alg type="sp"/>
+          <dgm:shape xmlns:r="http://schemas.openxmlformats.org/officeDocument/2006/relationships" r:blip="">
+            <dgm:adjLst/>
+          </dgm:shape>
+          <dgm:presOf/>
+          <dgm:constrLst/>
+          <dgm:ruleLst/>
+        </dgm:layoutNode>
+        <dgm:layoutNode name="desTx" styleLbl="revTx">
+          <dgm:varLst/>
+          <dgm:alg type="tx">
+            <dgm:param type="stBulletLvl" val="0"/>
+            <dgm:param type="txAnchorVert" val="t"/>
+          </dgm:alg>
+          <dgm:shape xmlns:r="http://schemas.openxmlformats.org/officeDocument/2006/relationships" type="rect" r:blip="">
+            <dgm:adjLst/>
+          </dgm:shape>
+          <dgm:presOf axis="des" ptType="node"/>
+          <dgm:constrLst>
+            <dgm:constr type="secFontSz" refType="primFontSz"/>
+            <dgm:constr type="lMarg"/>
+            <dgm:constr type="rMarg"/>
+            <dgm:constr type="tMarg"/>
+            <dgm:constr type="bMarg"/>
+          </dgm:constrLst>
+          <dgm:ruleLst>
+            <dgm:rule type="primFontSz" val="NaN" fact="NaN" max="17"/>
+            <dgm:rule type="h" val="INF" fact="NaN" max="NaN"/>
+          </dgm:ruleLst>
+        </dgm:layoutNode>
+      </dgm:layoutNode>
+      <dgm:forEach name="Name4" axis="followSib" ptType="sibTrans" cnt="1">
+        <dgm:layoutNode name="sibTrans">
+          <dgm:alg type="sp"/>
+          <dgm:shape xmlns:r="http://schemas.openxmlformats.org/officeDocument/2006/relationships" r:blip="">
+            <dgm:adjLst/>
+          </dgm:shape>
+          <dgm:presOf axis="self"/>
+          <dgm:constrLst/>
+          <dgm:ruleLst/>
+        </dgm:layoutNode>
+      </dgm:forEach>
+    </dgm:forEach>
+  </dgm:layoutNode>
+  <dgm:extLst>
+    <a:ext uri="{68A01E43-0DF5-4B5B-8FA6-DAF915123BFB}">
+      <dgm1612:lstStyle xmlns:dgm1612="http://schemas.microsoft.com/office/drawing/2016/12/diagram">
+        <a:lvl1pPr>
+          <a:lnSpc>
+            <a:spcPct val="100000"/>
+          </a:lnSpc>
+          <a:defRPr b="1"/>
+        </a:lvl1pPr>
+        <a:lvl2pPr>
+          <a:lnSpc>
+            <a:spcPct val="100000"/>
+          </a:lnSpc>
+        </a:lvl2pPr>
+      </dgm1612:lstStyle>
+    </a:ext>
+  </dgm:extLst>
+</dgm:layoutDef>
+</file>
+
+<file path=ppt/diagrams/quickStyle1.xml><?xml version="1.0" encoding="utf-8"?>
+<dgm:styleDef xmlns:dgm="http://schemas.openxmlformats.org/drawingml/2006/diagram" xmlns:a="http://schemas.openxmlformats.org/drawingml/2006/main" uniqueId="urn:microsoft.com/office/officeart/2005/8/quickstyle/simple1">
+  <dgm:title val=""/>
+  <dgm:desc val=""/>
+  <dgm:catLst>
+    <dgm:cat type="simple" pri="10100"/>
+  </dgm:catLst>
+  <dgm:scene3d>
+    <a:camera prst="orthographicFront"/>
+    <a:lightRig rig="threePt" dir="t"/>
+  </dgm:scene3d>
+  <dgm:styleLbl name="node0">
+    <dgm:scene3d>
+      <a:camera prst="orthographicFront"/>
+      <a:lightRig rig="threePt" dir="t"/>
+    </dgm:scene3d>
+    <dgm:sp3d/>
+    <dgm:txPr/>
+    <dgm:style>
+      <a:lnRef idx="2">
+        <a:scrgbClr r="0" g="0" b="0"/>
+      </a:lnRef>
+      <a:fillRef idx="1">
+        <a:scrgbClr r="0" g="0" b="0"/>
+      </a:fillRef>
+      <a:effectRef idx="0">
+        <a:scrgbClr r="0" g="0" b="0"/>
+      </a:effectRef>
+      <a:fontRef idx="minor">
+        <a:schemeClr val="lt1"/>
+      </a:fontRef>
+    </dgm:style>
+  </dgm:styleLbl>
+  <dgm:styleLbl name="lnNode1">
+    <dgm:scene3d>
+      <a:camera prst="orthographicFront"/>
+      <a:lightRig rig="threePt" dir="t"/>
+    </dgm:scene3d>
+    <dgm:sp3d/>
+    <dgm:txPr/>
+    <dgm:style>
+      <a:lnRef idx="2">
+        <a:scrgbClr r="0" g="0" b="0"/>
+      </a:lnRef>
+      <a:fillRef idx="1">
+        <a:scrgbClr r="0" g="0" b="0"/>
+      </a:fillRef>
+      <a:effectRef idx="0">
+        <a:scrgbClr r="0" g="0" b="0"/>
+      </a:effectRef>
+      <a:fontRef idx="minor">
+        <a:schemeClr val="lt1"/>
+      </a:fontRef>
+    </dgm:style>
+  </dgm:styleLbl>
+  <dgm:styleLbl name="vennNode1">
+    <dgm:scene3d>
+      <a:camera prst="orthographicFront"/>
+      <a:lightRig rig="threePt" dir="t"/>
+    </dgm:scene3d>
+    <dgm:sp3d/>
+    <dgm:txPr/>
+    <dgm:style>
+      <a:lnRef idx="2">
+        <a:scrgbClr r="0" g="0" b="0"/>
+      </a:lnRef>
+      <a:fillRef idx="1">
+        <a:scrgbClr r="0" g="0" b="0"/>
+      </a:fillRef>
+      <a:effectRef idx="0">
+        <a:scrgbClr r="0" g="0" b="0"/>
+      </a:effectRef>
+      <a:fontRef idx="minor">
+        <a:schemeClr val="tx1"/>
+      </a:fontRef>
+    </dgm:style>
+  </dgm:styleLbl>
+  <dgm:styleLbl name="alignNode1">
+    <dgm:scene3d>
+      <a:camera prst="orthographicFront"/>
+      <a:lightRig rig="threePt" dir="t"/>
+    </dgm:scene3d>
+    <dgm:sp3d/>
+    <dgm:txPr/>
+    <dgm:style>
+      <a:lnRef idx="2">
+        <a:scrgbClr r="0" g="0" b="0"/>
+      </a:lnRef>
+      <a:fillRef idx="1">
+        <a:scrgbClr r="0" g="0" b="0"/>
+      </a:fillRef>
+      <a:effectRef idx="0">
+        <a:scrgbClr r="0" g="0" b="0"/>
+      </a:effectRef>
+      <a:fontRef idx="minor">
+        <a:schemeClr val="lt1"/>
+      </a:fontRef>
+    </dgm:style>
+  </dgm:styleLbl>
+  <dgm:styleLbl name="node1">
+    <dgm:scene3d>
+      <a:camera prst="orthographicFront"/>
+      <a:lightRig rig="threePt" dir="t"/>
+    </dgm:scene3d>
+    <dgm:sp3d/>
+    <dgm:txPr/>
+    <dgm:style>
+      <a:lnRef idx="2">
+        <a:scrgbClr r="0" g="0" b="0"/>
+      </a:lnRef>
+      <a:fillRef idx="1">
+        <a:scrgbClr r="0" g="0" b="0"/>
+      </a:fillRef>
+      <a:effectRef idx="0">
+        <a:scrgbClr r="0" g="0" b="0"/>
+      </a:effectRef>
+      <a:fontRef idx="minor">
+        <a:schemeClr val="lt1"/>
+      </a:fontRef>
+    </dgm:style>
+  </dgm:styleLbl>
+  <dgm:styleLbl name="node2">
+    <dgm:scene3d>
+      <a:camera prst="orthographicFront"/>
+      <a:lightRig rig="threePt" dir="t"/>
+    </dgm:scene3d>
+    <dgm:sp3d/>
+    <dgm:txPr/>
+    <dgm:style>
+      <a:lnRef idx="2">
+        <a:scrgbClr r="0" g="0" b="0"/>
+      </a:lnRef>
+      <a:fillRef idx="1">
+        <a:scrgbClr r="0" g="0" b="0"/>
+      </a:fillRef>
+      <a:effectRef idx="0">
+        <a:scrgbClr r="0" g="0" b="0"/>
+      </a:effectRef>
+      <a:fontRef idx="minor">
+        <a:schemeClr val="lt1"/>
+      </a:fontRef>
+    </dgm:style>
+  </dgm:styleLbl>
+  <dgm:styleLbl name="node3">
+    <dgm:scene3d>
+      <a:camera prst="orthographicFront"/>
+      <a:lightRig rig="threePt" dir="t"/>
+    </dgm:scene3d>
+    <dgm:sp3d/>
+    <dgm:txPr/>
+    <dgm:style>
+      <a:lnRef idx="2">
+        <a:scrgbClr r="0" g="0" b="0"/>
+      </a:lnRef>
+      <a:fillRef idx="1">
+        <a:scrgbClr r="0" g="0" b="0"/>
+      </a:fillRef>
+      <a:effectRef idx="0">
+        <a:scrgbClr r="0" g="0" b="0"/>
+      </a:effectRef>
+      <a:fontRef idx="minor">
+        <a:schemeClr val="lt1"/>
+      </a:fontRef>
+    </dgm:style>
+  </dgm:styleLbl>
+  <dgm:styleLbl name="node4">
+    <dgm:scene3d>
+      <a:camera prst="orthographicFront"/>
+      <a:lightRig rig="threePt" dir="t"/>
+    </dgm:scene3d>
+    <dgm:sp3d/>
+    <dgm:txPr/>
+    <dgm:style>
+      <a:lnRef idx="2">
+        <a:scrgbClr r="0" g="0" b="0"/>
+      </a:lnRef>
+      <a:fillRef idx="1">
+        <a:scrgbClr r="0" g="0" b="0"/>
+      </a:fillRef>
+      <a:effectRef idx="0">
+        <a:scrgbClr r="0" g="0" b="0"/>
+      </a:effectRef>
+      <a:fontRef idx="minor">
+        <a:schemeClr val="lt1"/>
+      </a:fontRef>
+    </dgm:style>
+  </dgm:styleLbl>
+  <dgm:styleLbl name="fgImgPlace1">
+    <dgm:scene3d>
+      <a:camera prst="orthographicFront"/>
+      <a:lightRig rig="threePt" dir="t"/>
+    </dgm:scene3d>
+    <dgm:sp3d/>
+    <dgm:txPr/>
+    <dgm:style>
+      <a:lnRef idx="2">
+        <a:scrgbClr r="0" g="0" b="0"/>
+      </a:lnRef>
+      <a:fillRef idx="1">
+        <a:scrgbClr r="0" g="0" b="0"/>
+      </a:fillRef>
+      <a:effectRef idx="0">
+        <a:scrgbClr r="0" g="0" b="0"/>
+      </a:effectRef>
+      <a:fontRef idx="minor"/>
+    </dgm:style>
+  </dgm:styleLbl>
+  <dgm:styleLbl name="alignImgPlace1">
+    <dgm:scene3d>
+      <a:camera prst="orthographicFront"/>
+      <a:lightRig rig="threePt" dir="t"/>
+    </dgm:scene3d>
+    <dgm:sp3d/>
+    <dgm:txPr/>
+    <dgm:style>
+      <a:lnRef idx="2">
+        <a:scrgbClr r="0" g="0" b="0"/>
+      </a:lnRef>
+      <a:fillRef idx="1">
+        <a:scrgbClr r="0" g="0" b="0"/>
+      </a:fillRef>
+      <a:effectRef idx="0">
+        <a:scrgbClr r="0" g="0" b="0"/>
+      </a:effectRef>
+      <a:fontRef idx="minor"/>
+    </dgm:style>
+  </dgm:styleLbl>
+  <dgm:styleLbl name="bgImgPlace1">
+    <dgm:scene3d>
+      <a:camera prst="orthographicFront"/>
+      <a:lightRig rig="threePt" dir="t"/>
+    </dgm:scene3d>
+    <dgm:sp3d/>
+    <dgm:txPr/>
+    <dgm:style>
+      <a:lnRef idx="2">
+        <a:scrgbClr r="0" g="0" b="0"/>
+      </a:lnRef>
+      <a:fillRef idx="1">
+        <a:scrgbClr r="0" g="0" b="0"/>
+      </a:fillRef>
+      <a:effectRef idx="0">
+        <a:scrgbClr r="0" g="0" b="0"/>
+      </a:effectRef>
+      <a:fontRef idx="minor"/>
+    </dgm:style>
+  </dgm:styleLbl>
+  <dgm:styleLbl name="sibTrans2D1">
+    <dgm:scene3d>
+      <a:camera prst="orthographicFront"/>
+      <a:lightRig rig="threePt" dir="t"/>
+    </dgm:scene3d>
+    <dgm:sp3d/>
+    <dgm:txPr/>
+    <dgm:style>
+      <a:lnRef idx="0">
+        <a:scrgbClr r="0" g="0" b="0"/>
+      </a:lnRef>
+      <a:fillRef idx="1">
+        <a:scrgbClr r="0" g="0" b="0"/>
+      </a:fillRef>
+      <a:effectRef idx="0">
+        <a:scrgbClr r="0" g="0" b="0"/>
+      </a:effectRef>
+      <a:fontRef idx="minor">
+        <a:schemeClr val="lt1"/>
+      </a:fontRef>
+    </dgm:style>
+  </dgm:styleLbl>
+  <dgm:styleLbl name="fgSibTrans2D1">
+    <dgm:scene3d>
+      <a:camera prst="orthographicFront"/>
+      <a:lightRig rig="threePt" dir="t"/>
+    </dgm:scene3d>
+    <dgm:sp3d/>
+    <dgm:txPr/>
+    <dgm:style>
+      <a:lnRef idx="0">
+        <a:scrgbClr r="0" g="0" b="0"/>
+      </a:lnRef>
+      <a:fillRef idx="1">
+        <a:scrgbClr r="0" g="0" b="0"/>
+      </a:fillRef>
+      <a:effectRef idx="0">
+        <a:scrgbClr r="0" g="0" b="0"/>
+      </a:effectRef>
+      <a:fontRef idx="minor">
+        <a:schemeClr val="lt1"/>
+      </a:fontRef>
+    </dgm:style>
+  </dgm:styleLbl>
+  <dgm:styleLbl name="bgSibTrans2D1">
+    <dgm:scene3d>
+      <a:camera prst="orthographicFront"/>
+      <a:lightRig rig="threePt" dir="t"/>
+    </dgm:scene3d>
+    <dgm:sp3d/>
+    <dgm:txPr/>
+    <dgm:style>
+      <a:lnRef idx="0">
+        <a:scrgbClr r="0" g="0" b="0"/>
+      </a:lnRef>
+      <a:fillRef idx="1">
+        <a:scrgbClr r="0" g="0" b="0"/>
+      </a:fillRef>
+      <a:effectRef idx="0">
+        <a:scrgbClr r="0" g="0" b="0"/>
+      </a:effectRef>
+      <a:fontRef idx="minor">
+        <a:schemeClr val="lt1"/>
+      </a:fontRef>
+    </dgm:style>
+  </dgm:styleLbl>
+  <dgm:styleLbl name="sibTrans1D1">
+    <dgm:scene3d>
+      <a:camera prst="orthographicFront"/>
+      <a:lightRig rig="threePt" dir="t"/>
+    </dgm:scene3d>
+    <dgm:sp3d/>
+    <dgm:txPr/>
+    <dgm:style>
+      <a:lnRef idx="1">
+        <a:scrgbClr r="0" g="0" b="0"/>
+      </a:lnRef>
+      <a:fillRef idx="0">
+        <a:scrgbClr r="0" g="0" b="0"/>
+      </a:fillRef>
+      <a:effectRef idx="0">
+        <a:scrgbClr r="0" g="0" b="0"/>
+      </a:effectRef>
+      <a:fontRef idx="minor"/>
+    </dgm:style>
+  </dgm:styleLbl>
+  <dgm:styleLbl name="callout">
+    <dgm:scene3d>
+      <a:camera prst="orthographicFront"/>
+      <a:lightRig rig="threePt" dir="t"/>
+    </dgm:scene3d>
+    <dgm:sp3d/>
+    <dgm:txPr/>
+    <dgm:style>
+      <a:lnRef idx="2">
+        <a:scrgbClr r="0" g="0" b="0"/>
+      </a:lnRef>
+      <a:fillRef idx="1">
+        <a:scrgbClr r="0" g="0" b="0"/>
+      </a:fillRef>
+      <a:effectRef idx="0">
+        <a:scrgbClr r="0" g="0" b="0"/>
+      </a:effectRef>
+      <a:fontRef idx="minor"/>
+    </dgm:style>
+  </dgm:styleLbl>
+  <dgm:styleLbl name="asst0">
+    <dgm:scene3d>
+      <a:camera prst="orthographicFront"/>
+      <a:lightRig rig="threePt" dir="t"/>
+    </dgm:scene3d>
+    <dgm:sp3d/>
+    <dgm:txPr/>
+    <dgm:style>
+      <a:lnRef idx="2">
+        <a:scrgbClr r="0" g="0" b="0"/>
+      </a:lnRef>
+      <a:fillRef idx="1">
+        <a:scrgbClr r="0" g="0" b="0"/>
+      </a:fillRef>
+      <a:effectRef idx="0">
+        <a:scrgbClr r="0" g="0" b="0"/>
+      </a:effectRef>
+      <a:fontRef idx="minor">
+        <a:schemeClr val="lt1"/>
+      </a:fontRef>
+    </dgm:style>
+  </dgm:styleLbl>
+  <dgm:styleLbl name="asst1">
+    <dgm:scene3d>
+      <a:camera prst="orthographicFront"/>
+      <a:lightRig rig="threePt" dir="t"/>
+    </dgm:scene3d>
+    <dgm:sp3d/>
+    <dgm:txPr/>
+    <dgm:style>
+      <a:lnRef idx="2">
+        <a:scrgbClr r="0" g="0" b="0"/>
+      </a:lnRef>
+      <a:fillRef idx="1">
+        <a:scrgbClr r="0" g="0" b="0"/>
+      </a:fillRef>
+      <a:effectRef idx="0">
+        <a:scrgbClr r="0" g="0" b="0"/>
+      </a:effectRef>
+      <a:fontRef idx="minor">
+        <a:schemeClr val="lt1"/>
+      </a:fontRef>
+    </dgm:style>
+  </dgm:styleLbl>
+  <dgm:styleLbl name="asst2">
+    <dgm:scene3d>
+      <a:camera prst="orthographicFront"/>
+      <a:lightRig rig="threePt" dir="t"/>
+    </dgm:scene3d>
+    <dgm:sp3d/>
+    <dgm:txPr/>
+    <dgm:style>
+      <a:lnRef idx="2">
+        <a:scrgbClr r="0" g="0" b="0"/>
+      </a:lnRef>
+      <a:fillRef idx="1">
+        <a:scrgbClr r="0" g="0" b="0"/>
+      </a:fillRef>
+      <a:effectRef idx="0">
+        <a:scrgbClr r="0" g="0" b="0"/>
+      </a:effectRef>
+      <a:fontRef idx="minor">
+        <a:schemeClr val="lt1"/>
+      </a:fontRef>
+    </dgm:style>
+  </dgm:styleLbl>
+  <dgm:styleLbl name="asst3">
+    <dgm:scene3d>
+      <a:camera prst="orthographicFront"/>
+      <a:lightRig rig="threePt" dir="t"/>
+    </dgm:scene3d>
+    <dgm:sp3d/>
+    <dgm:txPr/>
+    <dgm:style>
+      <a:lnRef idx="2">
+        <a:scrgbClr r="0" g="0" b="0"/>
+      </a:lnRef>
+      <a:fillRef idx="1">
+        <a:scrgbClr r="0" g="0" b="0"/>
+      </a:fillRef>
+      <a:effectRef idx="0">
+        <a:scrgbClr r="0" g="0" b="0"/>
+      </a:effectRef>
+      <a:fontRef idx="minor">
+        <a:schemeClr val="lt1"/>
+      </a:fontRef>
+    </dgm:style>
+  </dgm:styleLbl>
+  <dgm:styleLbl name="asst4">
+    <dgm:scene3d>
+      <a:camera prst="orthographicFront"/>
+      <a:lightRig rig="threePt" dir="t"/>
+    </dgm:scene3d>
+    <dgm:sp3d/>
+    <dgm:txPr/>
+    <dgm:style>
+      <a:lnRef idx="2">
+        <a:scrgbClr r="0" g="0" b="0"/>
+      </a:lnRef>
+      <a:fillRef idx="1">
+        <a:scrgbClr r="0" g="0" b="0"/>
+      </a:fillRef>
+      <a:effectRef idx="0">
+        <a:scrgbClr r="0" g="0" b="0"/>
+      </a:effectRef>
+      <a:fontRef idx="minor">
+        <a:schemeClr val="lt1"/>
+      </a:fontRef>
+    </dgm:style>
+  </dgm:styleLbl>
+  <dgm:styleLbl name="parChTrans2D1">
+    <dgm:scene3d>
+      <a:camera prst="orthographicFront"/>
+      <a:lightRig rig="threePt" dir="t"/>
+    </dgm:scene3d>
+    <dgm:sp3d/>
+    <dgm:txPr/>
+    <dgm:style>
+      <a:lnRef idx="2">
+        <a:scrgbClr r="0" g="0" b="0"/>
+      </a:lnRef>
+      <a:fillRef idx="1">
+        <a:scrgbClr r="0" g="0" b="0"/>
+      </a:fillRef>
+      <a:effectRef idx="0">
+        <a:scrgbClr r="0" g="0" b="0"/>
+      </a:effectRef>
+      <a:fontRef idx="minor">
+        <a:schemeClr val="lt1"/>
+      </a:fontRef>
+    </dgm:style>
+  </dgm:styleLbl>
+  <dgm:styleLbl name="parChTrans2D2">
+    <dgm:scene3d>
+      <a:camera prst="orthographicFront"/>
+      <a:lightRig rig="threePt" dir="t"/>
+    </dgm:scene3d>
+    <dgm:sp3d/>
+    <dgm:txPr/>
+    <dgm:style>
+      <a:lnRef idx="2">
+        <a:scrgbClr r="0" g="0" b="0"/>
+      </a:lnRef>
+      <a:fillRef idx="1">
+        <a:scrgbClr r="0" g="0" b="0"/>
+      </a:fillRef>
+      <a:effectRef idx="0">
+        <a:scrgbClr r="0" g="0" b="0"/>
+      </a:effectRef>
+      <a:fontRef idx="minor">
+        <a:schemeClr val="lt1"/>
+      </a:fontRef>
+    </dgm:style>
+  </dgm:styleLbl>
+  <dgm:styleLbl name="parChTrans2D3">
+    <dgm:scene3d>
+      <a:camera prst="orthographicFront"/>
+      <a:lightRig rig="threePt" dir="t"/>
+    </dgm:scene3d>
+    <dgm:sp3d/>
+    <dgm:txPr/>
+    <dgm:style>
+      <a:lnRef idx="2">
+        <a:scrgbClr r="0" g="0" b="0"/>
+      </a:lnRef>
+      <a:fillRef idx="1">
+        <a:scrgbClr r="0" g="0" b="0"/>
+      </a:fillRef>
+      <a:effectRef idx="0">
+        <a:scrgbClr r="0" g="0" b="0"/>
+      </a:effectRef>
+      <a:fontRef idx="minor">
+        <a:schemeClr val="lt1"/>
+      </a:fontRef>
+    </dgm:style>
+  </dgm:styleLbl>
+  <dgm:styleLbl name="parChTrans2D4">
+    <dgm:scene3d>
+      <a:camera prst="orthographicFront"/>
+      <a:lightRig rig="threePt" dir="t"/>
+    </dgm:scene3d>
+    <dgm:sp3d/>
+    <dgm:txPr/>
+    <dgm:style>
+      <a:lnRef idx="2">
+        <a:scrgbClr r="0" g="0" b="0"/>
+      </a:lnRef>
+      <a:fillRef idx="1">
+        <a:scrgbClr r="0" g="0" b="0"/>
+      </a:fillRef>
+      <a:effectRef idx="0">
+        <a:scrgbClr r="0" g="0" b="0"/>
+      </a:effectRef>
+      <a:fontRef idx="minor">
+        <a:schemeClr val="lt1"/>
+      </a:fontRef>
+    </dgm:style>
+  </dgm:styleLbl>
+  <dgm:styleLbl name="parChTrans1D1">
+    <dgm:scene3d>
+      <a:camera prst="orthographicFront"/>
+      <a:lightRig rig="threePt" dir="t"/>
+    </dgm:scene3d>
+    <dgm:sp3d/>
+    <dgm:txPr/>
+    <dgm:style>
+      <a:lnRef idx="2">
+        <a:scrgbClr r="0" g="0" b="0"/>
+      </a:lnRef>
+      <a:fillRef idx="0">
+        <a:scrgbClr r="0" g="0" b="0"/>
+      </a:fillRef>
+      <a:effectRef idx="0">
+        <a:scrgbClr r="0" g="0" b="0"/>
+      </a:effectRef>
+      <a:fontRef idx="minor"/>
+    </dgm:style>
+  </dgm:styleLbl>
+  <dgm:styleLbl name="parChTrans1D2">
+    <dgm:scene3d>
+      <a:camera prst="orthographicFront"/>
+      <a:lightRig rig="threePt" dir="t"/>
+    </dgm:scene3d>
+    <dgm:sp3d/>
+    <dgm:txPr/>
+    <dgm:style>
+      <a:lnRef idx="2">
+        <a:scrgbClr r="0" g="0" b="0"/>
+      </a:lnRef>
+      <a:fillRef idx="0">
+        <a:scrgbClr r="0" g="0" b="0"/>
+      </a:fillRef>
+      <a:effectRef idx="0">
+        <a:scrgbClr r="0" g="0" b="0"/>
+      </a:effectRef>
+      <a:fontRef idx="minor"/>
+    </dgm:style>
+  </dgm:styleLbl>
+  <dgm:styleLbl name="parChTrans1D3">
+    <dgm:scene3d>
+      <a:camera prst="orthographicFront"/>
+      <a:lightRig rig="threePt" dir="t"/>
+    </dgm:scene3d>
+    <dgm:sp3d/>
+    <dgm:txPr/>
+    <dgm:style>
+      <a:lnRef idx="2">
+        <a:scrgbClr r="0" g="0" b="0"/>
+      </a:lnRef>
+      <a:fillRef idx="0">
+        <a:scrgbClr r="0" g="0" b="0"/>
+      </a:fillRef>
+      <a:effectRef idx="0">
+        <a:scrgbClr r="0" g="0" b="0"/>
+      </a:effectRef>
+      <a:fontRef idx="minor"/>
+    </dgm:style>
+  </dgm:styleLbl>
+  <dgm:styleLbl name="parChTrans1D4">
+    <dgm:scene3d>
+      <a:camera prst="orthographicFront"/>
+      <a:lightRig rig="threePt" dir="t"/>
+    </dgm:scene3d>
+    <dgm:sp3d/>
+    <dgm:txPr/>
+    <dgm:style>
+      <a:lnRef idx="2">
+        <a:scrgbClr r="0" g="0" b="0"/>
+      </a:lnRef>
+      <a:fillRef idx="0">
+        <a:scrgbClr r="0" g="0" b="0"/>
+      </a:fillRef>
+      <a:effectRef idx="0">
+        <a:scrgbClr r="0" g="0" b="0"/>
+      </a:effectRef>
+      <a:fontRef idx="minor"/>
+    </dgm:style>
+  </dgm:styleLbl>
+  <dgm:styleLbl name="fgAcc1">
+    <dgm:scene3d>
+      <a:camera prst="orthographicFront"/>
+      <a:lightRig rig="threePt" dir="t"/>
+    </dgm:scene3d>
+    <dgm:sp3d/>
+    <dgm:txPr/>
+    <dgm:style>
+      <a:lnRef idx="2">
+        <a:scrgbClr r="0" g="0" b="0"/>
+      </a:lnRef>
+      <a:fillRef idx="1">
+        <a:scrgbClr r="0" g="0" b="0"/>
+      </a:fillRef>
+      <a:effectRef idx="0">
+        <a:scrgbClr r="0" g="0" b="0"/>
+      </a:effectRef>
+      <a:fontRef idx="minor"/>
+    </dgm:style>
+  </dgm:styleLbl>
+  <dgm:styleLbl name="conFgAcc1">
+    <dgm:scene3d>
+      <a:camera prst="orthographicFront"/>
+      <a:lightRig rig="threePt" dir="t"/>
+    </dgm:scene3d>
+    <dgm:sp3d/>
+    <dgm:txPr/>
+    <dgm:style>
+      <a:lnRef idx="2">
+        <a:scrgbClr r="0" g="0" b="0"/>
+      </a:lnRef>
+      <a:fillRef idx="1">
+        <a:scrgbClr r="0" g="0" b="0"/>
+      </a:fillRef>
+      <a:effectRef idx="0">
+        <a:scrgbClr r="0" g="0" b="0"/>
+      </a:effectRef>
+      <a:fontRef idx="minor"/>
+    </dgm:style>
+  </dgm:styleLbl>
+  <dgm:styleLbl name="alignAcc1">
+    <dgm:scene3d>
+      <a:camera prst="orthographicFront"/>
+      <a:lightRig rig="threePt" dir="t"/>
+    </dgm:scene3d>
+    <dgm:sp3d/>
+    <dgm:txPr/>
+    <dgm:style>
+      <a:lnRef idx="2">
+        <a:scrgbClr r="0" g="0" b="0"/>
+      </a:lnRef>
+      <a:fillRef idx="1">
+        <a:scrgbClr r="0" g="0" b="0"/>
+      </a:fillRef>
+      <a:effectRef idx="0">
+        <a:scrgbClr r="0" g="0" b="0"/>
+      </a:effectRef>
+      <a:fontRef idx="minor"/>
+    </dgm:style>
+  </dgm:styleLbl>
+  <dgm:styleLbl name="trAlignAcc1">
+    <dgm:scene3d>
+      <a:camera prst="orthographicFront"/>
+      <a:lightRig rig="threePt" dir="t"/>
+    </dgm:scene3d>
+    <dgm:sp3d/>
+    <dgm:txPr/>
+    <dgm:style>
+      <a:lnRef idx="1">
+        <a:scrgbClr r="0" g="0" b="0"/>
+      </a:lnRef>
+      <a:fillRef idx="1">
+        <a:scrgbClr r="0" g="0" b="0"/>
+      </a:fillRef>
+      <a:effectRef idx="0">
+        <a:scrgbClr r="0" g="0" b="0"/>
+      </a:effectRef>
+      <a:fontRef idx="minor"/>
+    </dgm:style>
+  </dgm:styleLbl>
+  <dgm:styleLbl name="bgAcc1">
+    <dgm:scene3d>
+      <a:camera prst="orthographicFront"/>
+      <a:lightRig rig="threePt" dir="t"/>
+    </dgm:scene3d>
+    <dgm:sp3d/>
+    <dgm:txPr/>
+    <dgm:style>
+      <a:lnRef idx="2">
+        <a:scrgbClr r="0" g="0" b="0"/>
+      </a:lnRef>
+      <a:fillRef idx="1">
+        <a:scrgbClr r="0" g="0" b="0"/>
+      </a:fillRef>
+      <a:effectRef idx="0">
+        <a:scrgbClr r="0" g="0" b="0"/>
+      </a:effectRef>
+      <a:fontRef idx="minor"/>
+    </dgm:style>
+  </dgm:styleLbl>
+  <dgm:styleLbl name="solidFgAcc1">
+    <dgm:scene3d>
+      <a:camera prst="orthographicFront"/>
+      <a:lightRig rig="threePt" dir="t"/>
+    </dgm:scene3d>
+    <dgm:sp3d/>
+    <dgm:txPr/>
+    <dgm:style>
+      <a:lnRef idx="2">
+        <a:scrgbClr r="0" g="0" b="0"/>
+      </a:lnRef>
+      <a:fillRef idx="1">
+        <a:scrgbClr r="0" g="0" b="0"/>
+      </a:fillRef>
+      <a:effectRef idx="0">
+        <a:scrgbClr r="0" g="0" b="0"/>
+      </a:effectRef>
+      <a:fontRef idx="minor"/>
+    </dgm:style>
+  </dgm:styleLbl>
+  <dgm:styleLbl name="solidAlignAcc1">
+    <dgm:scene3d>
+      <a:camera prst="orthographicFront"/>
+      <a:lightRig rig="threePt" dir="t"/>
+    </dgm:scene3d>
+    <dgm:sp3d/>
+    <dgm:txPr/>
+    <dgm:style>
+      <a:lnRef idx="2">
+        <a:scrgbClr r="0" g="0" b="0"/>
+      </a:lnRef>
+      <a:fillRef idx="1">
+        <a:scrgbClr r="0" g="0" b="0"/>
+      </a:fillRef>
+      <a:effectRef idx="0">
+        <a:scrgbClr r="0" g="0" b="0"/>
+      </a:effectRef>
+      <a:fontRef idx="minor"/>
+    </dgm:style>
+  </dgm:styleLbl>
+  <dgm:styleLbl name="solidBgAcc1">
+    <dgm:scene3d>
+      <a:camera prst="orthographicFront"/>
+      <a:lightRig rig="threePt" dir="t"/>
+    </dgm:scene3d>
+    <dgm:sp3d/>
+    <dgm:txPr/>
+    <dgm:style>
+      <a:lnRef idx="2">
+        <a:scrgbClr r="0" g="0" b="0"/>
+      </a:lnRef>
+      <a:fillRef idx="1">
+        <a:scrgbClr r="0" g="0" b="0"/>
+      </a:fillRef>
+      <a:effectRef idx="0">
+        <a:scrgbClr r="0" g="0" b="0"/>
+      </a:effectRef>
+      <a:fontRef idx="minor"/>
+    </dgm:style>
+  </dgm:styleLbl>
+  <dgm:styleLbl name="fgAccFollowNode1">
+    <dgm:scene3d>
+      <a:camera prst="orthographicFront"/>
+      <a:lightRig rig="threePt" dir="t"/>
+    </dgm:scene3d>
+    <dgm:sp3d/>
+    <dgm:txPr/>
+    <dgm:style>
+      <a:lnRef idx="2">
+        <a:scrgbClr r="0" g="0" b="0"/>
+      </a:lnRef>
+      <a:fillRef idx="1">
+        <a:scrgbClr r="0" g="0" b="0"/>
+      </a:fillRef>
+      <a:effectRef idx="0">
+        <a:scrgbClr r="0" g="0" b="0"/>
+      </a:effectRef>
+      <a:fontRef idx="minor"/>
+    </dgm:style>
+  </dgm:styleLbl>
+  <dgm:styleLbl name="alignAccFollowNode1">
+    <dgm:scene3d>
+      <a:camera prst="orthographicFront"/>
+      <a:lightRig rig="threePt" dir="t"/>
+    </dgm:scene3d>
+    <dgm:sp3d/>
+    <dgm:txPr/>
+    <dgm:style>
+      <a:lnRef idx="2">
+        <a:scrgbClr r="0" g="0" b="0"/>
+      </a:lnRef>
+      <a:fillRef idx="1">
+        <a:scrgbClr r="0" g="0" b="0"/>
+      </a:fillRef>
+      <a:effectRef idx="0">
+        <a:scrgbClr r="0" g="0" b="0"/>
+      </a:effectRef>
+      <a:fontRef idx="minor"/>
+    </dgm:style>
+  </dgm:styleLbl>
+  <dgm:styleLbl name="bgAccFollowNode1">
+    <dgm:scene3d>
+      <a:camera prst="orthographicFront"/>
+      <a:lightRig rig="threePt" dir="t"/>
+    </dgm:scene3d>
+    <dgm:sp3d/>
+    <dgm:txPr/>
+    <dgm:style>
+      <a:lnRef idx="2">
+        <a:scrgbClr r="0" g="0" b="0"/>
+      </a:lnRef>
+      <a:fillRef idx="1">
+        <a:scrgbClr r="0" g="0" b="0"/>
+      </a:fillRef>
+      <a:effectRef idx="0">
+        <a:scrgbClr r="0" g="0" b="0"/>
+      </a:effectRef>
+      <a:fontRef idx="minor"/>
+    </dgm:style>
+  </dgm:styleLbl>
+  <dgm:styleLbl name="fgAcc0">
+    <dgm:scene3d>
+      <a:camera prst="orthographicFront"/>
+      <a:lightRig rig="threePt" dir="t"/>
+    </dgm:scene3d>
+    <dgm:sp3d/>
+    <dgm:txPr/>
+    <dgm:style>
+      <a:lnRef idx="2">
+        <a:scrgbClr r="0" g="0" b="0"/>
+      </a:lnRef>
+      <a:fillRef idx="1">
+        <a:scrgbClr r="0" g="0" b="0"/>
+      </a:fillRef>
+      <a:effectRef idx="0">
+        <a:scrgbClr r="0" g="0" b="0"/>
+      </a:effectRef>
+      <a:fontRef idx="minor"/>
+    </dgm:style>
+  </dgm:styleLbl>
+  <dgm:styleLbl name="fgAcc2">
+    <dgm:scene3d>
+      <a:camera prst="orthographicFront"/>
+      <a:lightRig rig="threePt" dir="t"/>
+    </dgm:scene3d>
+    <dgm:sp3d/>
+    <dgm:txPr/>
+    <dgm:style>
+      <a:lnRef idx="2">
+        <a:scrgbClr r="0" g="0" b="0"/>
+      </a:lnRef>
+      <a:fillRef idx="1">
+        <a:scrgbClr r="0" g="0" b="0"/>
+      </a:fillRef>
+      <a:effectRef idx="0">
+        <a:scrgbClr r="0" g="0" b="0"/>
+      </a:effectRef>
+      <a:fontRef idx="minor"/>
+    </dgm:style>
+  </dgm:styleLbl>
+  <dgm:styleLbl name="fgAcc3">
+    <dgm:scene3d>
+      <a:camera prst="orthographicFront"/>
+      <a:lightRig rig="threePt" dir="t"/>
+    </dgm:scene3d>
+    <dgm:sp3d/>
+    <dgm:txPr/>
+    <dgm:style>
+      <a:lnRef idx="2">
+        <a:scrgbClr r="0" g="0" b="0"/>
+      </a:lnRef>
+      <a:fillRef idx="1">
+        <a:scrgbClr r="0" g="0" b="0"/>
+      </a:fillRef>
+      <a:effectRef idx="0">
+        <a:scrgbClr r="0" g="0" b="0"/>
+      </a:effectRef>
+      <a:fontRef idx="minor"/>
+    </dgm:style>
+  </dgm:styleLbl>
+  <dgm:styleLbl name="fgAcc4">
+    <dgm:scene3d>
+      <a:camera prst="orthographicFront"/>
+      <a:lightRig rig="threePt" dir="t"/>
+    </dgm:scene3d>
+    <dgm:sp3d/>
+    <dgm:txPr/>
+    <dgm:style>
+      <a:lnRef idx="2">
+        <a:scrgbClr r="0" g="0" b="0"/>
+      </a:lnRef>
+      <a:fillRef idx="1">
+        <a:scrgbClr r="0" g="0" b="0"/>
+      </a:fillRef>
+      <a:effectRef idx="0">
+        <a:scrgbClr r="0" g="0" b="0"/>
+      </a:effectRef>
+      <a:fontRef idx="minor"/>
+    </dgm:style>
+  </dgm:styleLbl>
+  <dgm:styleLbl name="bgShp">
+    <dgm:scene3d>
+      <a:camera prst="orthographicFront"/>
+      <a:lightRig rig="threePt" dir="t"/>
+    </dgm:scene3d>
+    <dgm:sp3d/>
+    <dgm:txPr/>
+    <dgm:style>
+      <a:lnRef idx="0">
+        <a:scrgbClr r="0" g="0" b="0"/>
+      </a:lnRef>
+      <a:fillRef idx="1">
+        <a:scrgbClr r="0" g="0" b="0"/>
+      </a:fillRef>
+      <a:effectRef idx="0">
+        <a:scrgbClr r="0" g="0" b="0"/>
+      </a:effectRef>
+      <a:fontRef idx="minor"/>
+    </dgm:style>
+  </dgm:styleLbl>
+  <dgm:styleLbl name="dkBgShp">
+    <dgm:scene3d>
+      <a:camera prst="orthographicFront"/>
+      <a:lightRig rig="threePt" dir="t"/>
+    </dgm:scene3d>
+    <dgm:sp3d/>
+    <dgm:txPr/>
+    <dgm:style>
+      <a:lnRef idx="0">
+        <a:scrgbClr r="0" g="0" b="0"/>
+      </a:lnRef>
+      <a:fillRef idx="1">
+        <a:scrgbClr r="0" g="0" b="0"/>
+      </a:fillRef>
+      <a:effectRef idx="0">
+        <a:scrgbClr r="0" g="0" b="0"/>
+      </a:effectRef>
+      <a:fontRef idx="minor"/>
+    </dgm:style>
+  </dgm:styleLbl>
+  <dgm:styleLbl name="trBgShp">
+    <dgm:scene3d>
+      <a:camera prst="orthographicFront"/>
+      <a:lightRig rig="threePt" dir="t"/>
+    </dgm:scene3d>
+    <dgm:sp3d/>
+    <dgm:txPr/>
+    <dgm:style>
+      <a:lnRef idx="0">
+        <a:scrgbClr r="0" g="0" b="0"/>
+      </a:lnRef>
+      <a:fillRef idx="1">
+        <a:scrgbClr r="0" g="0" b="0"/>
+      </a:fillRef>
+      <a:effectRef idx="0">
+        <a:scrgbClr r="0" g="0" b="0"/>
+      </a:effectRef>
+      <a:fontRef idx="minor"/>
+    </dgm:style>
+  </dgm:styleLbl>
+  <dgm:styleLbl name="fgShp">
+    <dgm:scene3d>
+      <a:camera prst="orthographicFront"/>
+      <a:lightRig rig="threePt" dir="t"/>
+    </dgm:scene3d>
+    <dgm:sp3d/>
+    <dgm:txPr/>
+    <dgm:style>
+      <a:lnRef idx="2">
+        <a:scrgbClr r="0" g="0" b="0"/>
+      </a:lnRef>
+      <a:fillRef idx="1">
+        <a:scrgbClr r="0" g="0" b="0"/>
+      </a:fillRef>
+      <a:effectRef idx="0">
+        <a:scrgbClr r="0" g="0" b="0"/>
+      </a:effectRef>
+      <a:fontRef idx="minor"/>
+    </dgm:style>
+  </dgm:styleLbl>
+  <dgm:styleLbl name="revTx">
+    <dgm:scene3d>
+      <a:camera prst="orthographicFront"/>
+      <a:lightRig rig="threePt" dir="t"/>
+    </dgm:scene3d>
+    <dgm:sp3d/>
+    <dgm:txPr/>
+    <dgm:style>
+      <a:lnRef idx="0">
+        <a:scrgbClr r="0" g="0" b="0"/>
+      </a:lnRef>
+      <a:fillRef idx="0">
+        <a:scrgbClr r="0" g="0" b="0"/>
+      </a:fillRef>
+      <a:effectRef idx="0">
+        <a:scrgbClr r="0" g="0" b="0"/>
+      </a:effectRef>
+      <a:fontRef idx="minor"/>
+    </dgm:style>
+  </dgm:styleLbl>
+</dgm:styleDef>
+</file>
+
+<file path=ppt/diagrams/quickStyle2.xml><?xml version="1.0" encoding="utf-8"?>
+<dgm:styleDef xmlns:dgm="http://schemas.openxmlformats.org/drawingml/2006/diagram" xmlns:a="http://schemas.openxmlformats.org/drawingml/2006/main" uniqueId="urn:microsoft.com/office/officeart/2005/8/quickstyle/simple1">
+  <dgm:title val=""/>
+  <dgm:desc val=""/>
+  <dgm:catLst>
+    <dgm:cat type="simple" pri="10100"/>
+  </dgm:catLst>
+  <dgm:scene3d>
+    <a:camera prst="orthographicFront"/>
+    <a:lightRig rig="threePt" dir="t"/>
+  </dgm:scene3d>
+  <dgm:styleLbl name="node0">
+    <dgm:scene3d>
+      <a:camera prst="orthographicFront"/>
+      <a:lightRig rig="threePt" dir="t"/>
+    </dgm:scene3d>
+    <dgm:sp3d/>
+    <dgm:txPr/>
+    <dgm:style>
+      <a:lnRef idx="2">
+        <a:scrgbClr r="0" g="0" b="0"/>
+      </a:lnRef>
+      <a:fillRef idx="1">
+        <a:scrgbClr r="0" g="0" b="0"/>
+      </a:fillRef>
+      <a:effectRef idx="0">
+        <a:scrgbClr r="0" g="0" b="0"/>
+      </a:effectRef>
+      <a:fontRef idx="minor">
+        <a:schemeClr val="lt1"/>
+      </a:fontRef>
+    </dgm:style>
+  </dgm:styleLbl>
+  <dgm:styleLbl name="lnNode1">
+    <dgm:scene3d>
+      <a:camera prst="orthographicFront"/>
+      <a:lightRig rig="threePt" dir="t"/>
+    </dgm:scene3d>
+    <dgm:sp3d/>
+    <dgm:txPr/>
+    <dgm:style>
+      <a:lnRef idx="2">
+        <a:scrgbClr r="0" g="0" b="0"/>
+      </a:lnRef>
+      <a:fillRef idx="1">
+        <a:scrgbClr r="0" g="0" b="0"/>
+      </a:fillRef>
+      <a:effectRef idx="0">
+        <a:scrgbClr r="0" g="0" b="0"/>
+      </a:effectRef>
+      <a:fontRef idx="minor">
+        <a:schemeClr val="lt1"/>
+      </a:fontRef>
+    </dgm:style>
+  </dgm:styleLbl>
+  <dgm:styleLbl name="vennNode1">
+    <dgm:scene3d>
+      <a:camera prst="orthographicFront"/>
+      <a:lightRig rig="threePt" dir="t"/>
+    </dgm:scene3d>
+    <dgm:sp3d/>
+    <dgm:txPr/>
+    <dgm:style>
+      <a:lnRef idx="2">
+        <a:scrgbClr r="0" g="0" b="0"/>
+      </a:lnRef>
+      <a:fillRef idx="1">
+        <a:scrgbClr r="0" g="0" b="0"/>
+      </a:fillRef>
+      <a:effectRef idx="0">
+        <a:scrgbClr r="0" g="0" b="0"/>
+      </a:effectRef>
+      <a:fontRef idx="minor">
+        <a:schemeClr val="tx1"/>
+      </a:fontRef>
+    </dgm:style>
+  </dgm:styleLbl>
+  <dgm:styleLbl name="alignNode1">
+    <dgm:scene3d>
+      <a:camera prst="orthographicFront"/>
+      <a:lightRig rig="threePt" dir="t"/>
+    </dgm:scene3d>
+    <dgm:sp3d/>
+    <dgm:txPr/>
+    <dgm:style>
+      <a:lnRef idx="2">
+        <a:scrgbClr r="0" g="0" b="0"/>
+      </a:lnRef>
+      <a:fillRef idx="1">
+        <a:scrgbClr r="0" g="0" b="0"/>
+      </a:fillRef>
+      <a:effectRef idx="0">
+        <a:scrgbClr r="0" g="0" b="0"/>
+      </a:effectRef>
+      <a:fontRef idx="minor">
+        <a:schemeClr val="lt1"/>
+      </a:fontRef>
+    </dgm:style>
+  </dgm:styleLbl>
+  <dgm:styleLbl name="node1">
+    <dgm:scene3d>
+      <a:camera prst="orthographicFront"/>
+      <a:lightRig rig="threePt" dir="t"/>
+    </dgm:scene3d>
+    <dgm:sp3d/>
+    <dgm:txPr/>
+    <dgm:style>
+      <a:lnRef idx="2">
+        <a:scrgbClr r="0" g="0" b="0"/>
+      </a:lnRef>
+      <a:fillRef idx="1">
+        <a:scrgbClr r="0" g="0" b="0"/>
+      </a:fillRef>
+      <a:effectRef idx="0">
+        <a:scrgbClr r="0" g="0" b="0"/>
+      </a:effectRef>
+      <a:fontRef idx="minor">
+        <a:schemeClr val="lt1"/>
+      </a:fontRef>
+    </dgm:style>
+  </dgm:styleLbl>
+  <dgm:styleLbl name="node2">
+    <dgm:scene3d>
+      <a:camera prst="orthographicFront"/>
+      <a:lightRig rig="threePt" dir="t"/>
+    </dgm:scene3d>
+    <dgm:sp3d/>
+    <dgm:txPr/>
+    <dgm:style>
+      <a:lnRef idx="2">
+        <a:scrgbClr r="0" g="0" b="0"/>
+      </a:lnRef>
+      <a:fillRef idx="1">
+        <a:scrgbClr r="0" g="0" b="0"/>
+      </a:fillRef>
+      <a:effectRef idx="0">
+        <a:scrgbClr r="0" g="0" b="0"/>
+      </a:effectRef>
+      <a:fontRef idx="minor">
+        <a:schemeClr val="lt1"/>
+      </a:fontRef>
+    </dgm:style>
+  </dgm:styleLbl>
+  <dgm:styleLbl name="node3">
+    <dgm:scene3d>
+      <a:camera prst="orthographicFront"/>
+      <a:lightRig rig="threePt" dir="t"/>
+    </dgm:scene3d>
+    <dgm:sp3d/>
+    <dgm:txPr/>
+    <dgm:style>
+      <a:lnRef idx="2">
+        <a:scrgbClr r="0" g="0" b="0"/>
+      </a:lnRef>
+      <a:fillRef idx="1">
+        <a:scrgbClr r="0" g="0" b="0"/>
+      </a:fillRef>
+      <a:effectRef idx="0">
+        <a:scrgbClr r="0" g="0" b="0"/>
+      </a:effectRef>
+      <a:fontRef idx="minor">
+        <a:schemeClr val="lt1"/>
+      </a:fontRef>
+    </dgm:style>
+  </dgm:styleLbl>
+  <dgm:styleLbl name="node4">
+    <dgm:scene3d>
+      <a:camera prst="orthographicFront"/>
+      <a:lightRig rig="threePt" dir="t"/>
+    </dgm:scene3d>
+    <dgm:sp3d/>
+    <dgm:txPr/>
+    <dgm:style>
+      <a:lnRef idx="2">
+        <a:scrgbClr r="0" g="0" b="0"/>
+      </a:lnRef>
+      <a:fillRef idx="1">
+        <a:scrgbClr r="0" g="0" b="0"/>
+      </a:fillRef>
+      <a:effectRef idx="0">
+        <a:scrgbClr r="0" g="0" b="0"/>
+      </a:effectRef>
+      <a:fontRef idx="minor">
+        <a:schemeClr val="lt1"/>
+      </a:fontRef>
+    </dgm:style>
+  </dgm:styleLbl>
+  <dgm:styleLbl name="fgImgPlace1">
+    <dgm:scene3d>
+      <a:camera prst="orthographicFront"/>
+      <a:lightRig rig="threePt" dir="t"/>
+    </dgm:scene3d>
+    <dgm:sp3d/>
+    <dgm:txPr/>
+    <dgm:style>
+      <a:lnRef idx="2">
+        <a:scrgbClr r="0" g="0" b="0"/>
+      </a:lnRef>
+      <a:fillRef idx="1">
+        <a:scrgbClr r="0" g="0" b="0"/>
+      </a:fillRef>
+      <a:effectRef idx="0">
+        <a:scrgbClr r="0" g="0" b="0"/>
+      </a:effectRef>
+      <a:fontRef idx="minor"/>
+    </dgm:style>
+  </dgm:styleLbl>
+  <dgm:styleLbl name="alignImgPlace1">
+    <dgm:scene3d>
+      <a:camera prst="orthographicFront"/>
+      <a:lightRig rig="threePt" dir="t"/>
+    </dgm:scene3d>
+    <dgm:sp3d/>
+    <dgm:txPr/>
+    <dgm:style>
+      <a:lnRef idx="2">
+        <a:scrgbClr r="0" g="0" b="0"/>
+      </a:lnRef>
+      <a:fillRef idx="1">
+        <a:scrgbClr r="0" g="0" b="0"/>
+      </a:fillRef>
+      <a:effectRef idx="0">
+        <a:scrgbClr r="0" g="0" b="0"/>
+      </a:effectRef>
+      <a:fontRef idx="minor"/>
+    </dgm:style>
+  </dgm:styleLbl>
+  <dgm:styleLbl name="bgImgPlace1">
+    <dgm:scene3d>
+      <a:camera prst="orthographicFront"/>
+      <a:lightRig rig="threePt" dir="t"/>
+    </dgm:scene3d>
+    <dgm:sp3d/>
+    <dgm:txPr/>
+    <dgm:style>
+      <a:lnRef idx="2">
+        <a:scrgbClr r="0" g="0" b="0"/>
+      </a:lnRef>
+      <a:fillRef idx="1">
+        <a:scrgbClr r="0" g="0" b="0"/>
+      </a:fillRef>
+      <a:effectRef idx="0">
+        <a:scrgbClr r="0" g="0" b="0"/>
+      </a:effectRef>
+      <a:fontRef idx="minor"/>
+    </dgm:style>
+  </dgm:styleLbl>
+  <dgm:styleLbl name="sibTrans2D1">
+    <dgm:scene3d>
+      <a:camera prst="orthographicFront"/>
+      <a:lightRig rig="threePt" dir="t"/>
+    </dgm:scene3d>
+    <dgm:sp3d/>
+    <dgm:txPr/>
+    <dgm:style>
+      <a:lnRef idx="0">
+        <a:scrgbClr r="0" g="0" b="0"/>
+      </a:lnRef>
+      <a:fillRef idx="1">
+        <a:scrgbClr r="0" g="0" b="0"/>
+      </a:fillRef>
+      <a:effectRef idx="0">
+        <a:scrgbClr r="0" g="0" b="0"/>
+      </a:effectRef>
+      <a:fontRef idx="minor">
+        <a:schemeClr val="lt1"/>
+      </a:fontRef>
+    </dgm:style>
+  </dgm:styleLbl>
+  <dgm:styleLbl name="fgSibTrans2D1">
+    <dgm:scene3d>
+      <a:camera prst="orthographicFront"/>
+      <a:lightRig rig="threePt" dir="t"/>
+    </dgm:scene3d>
+    <dgm:sp3d/>
+    <dgm:txPr/>
+    <dgm:style>
+      <a:lnRef idx="0">
+        <a:scrgbClr r="0" g="0" b="0"/>
+      </a:lnRef>
+      <a:fillRef idx="1">
+        <a:scrgbClr r="0" g="0" b="0"/>
+      </a:fillRef>
+      <a:effectRef idx="0">
+        <a:scrgbClr r="0" g="0" b="0"/>
+      </a:effectRef>
+      <a:fontRef idx="minor">
+        <a:schemeClr val="lt1"/>
+      </a:fontRef>
+    </dgm:style>
+  </dgm:styleLbl>
+  <dgm:styleLbl name="bgSibTrans2D1">
+    <dgm:scene3d>
+      <a:camera prst="orthographicFront"/>
+      <a:lightRig rig="threePt" dir="t"/>
+    </dgm:scene3d>
+    <dgm:sp3d/>
+    <dgm:txPr/>
+    <dgm:style>
+      <a:lnRef idx="0">
+        <a:scrgbClr r="0" g="0" b="0"/>
+      </a:lnRef>
+      <a:fillRef idx="1">
+        <a:scrgbClr r="0" g="0" b="0"/>
+      </a:fillRef>
+      <a:effectRef idx="0">
+        <a:scrgbClr r="0" g="0" b="0"/>
+      </a:effectRef>
+      <a:fontRef idx="minor">
+        <a:schemeClr val="lt1"/>
+      </a:fontRef>
+    </dgm:style>
+  </dgm:styleLbl>
+  <dgm:styleLbl name="sibTrans1D1">
+    <dgm:scene3d>
+      <a:camera prst="orthographicFront"/>
+      <a:lightRig rig="threePt" dir="t"/>
+    </dgm:scene3d>
+    <dgm:sp3d/>
+    <dgm:txPr/>
+    <dgm:style>
+      <a:lnRef idx="1">
+        <a:scrgbClr r="0" g="0" b="0"/>
+      </a:lnRef>
+      <a:fillRef idx="0">
+        <a:scrgbClr r="0" g="0" b="0"/>
+      </a:fillRef>
+      <a:effectRef idx="0">
+        <a:scrgbClr r="0" g="0" b="0"/>
+      </a:effectRef>
+      <a:fontRef idx="minor"/>
+    </dgm:style>
+  </dgm:styleLbl>
+  <dgm:styleLbl name="callout">
+    <dgm:scene3d>
+      <a:camera prst="orthographicFront"/>
+      <a:lightRig rig="threePt" dir="t"/>
+    </dgm:scene3d>
+    <dgm:sp3d/>
+    <dgm:txPr/>
+    <dgm:style>
+      <a:lnRef idx="2">
+        <a:scrgbClr r="0" g="0" b="0"/>
+      </a:lnRef>
+      <a:fillRef idx="1">
+        <a:scrgbClr r="0" g="0" b="0"/>
+      </a:fillRef>
+      <a:effectRef idx="0">
+        <a:scrgbClr r="0" g="0" b="0"/>
+      </a:effectRef>
+      <a:fontRef idx="minor"/>
+    </dgm:style>
+  </dgm:styleLbl>
+  <dgm:styleLbl name="asst0">
+    <dgm:scene3d>
+      <a:camera prst="orthographicFront"/>
+      <a:lightRig rig="threePt" dir="t"/>
+    </dgm:scene3d>
+    <dgm:sp3d/>
+    <dgm:txPr/>
+    <dgm:style>
+      <a:lnRef idx="2">
+        <a:scrgbClr r="0" g="0" b="0"/>
+      </a:lnRef>
+      <a:fillRef idx="1">
+        <a:scrgbClr r="0" g="0" b="0"/>
+      </a:fillRef>
+      <a:effectRef idx="0">
+        <a:scrgbClr r="0" g="0" b="0"/>
+      </a:effectRef>
+      <a:fontRef idx="minor">
+        <a:schemeClr val="lt1"/>
+      </a:fontRef>
+    </dgm:style>
+  </dgm:styleLbl>
+  <dgm:styleLbl name="asst1">
+    <dgm:scene3d>
+      <a:camera prst="orthographicFront"/>
+      <a:lightRig rig="threePt" dir="t"/>
+    </dgm:scene3d>
+    <dgm:sp3d/>
+    <dgm:txPr/>
+    <dgm:style>
+      <a:lnRef idx="2">
+        <a:scrgbClr r="0" g="0" b="0"/>
+      </a:lnRef>
+      <a:fillRef idx="1">
+        <a:scrgbClr r="0" g="0" b="0"/>
+      </a:fillRef>
+      <a:effectRef idx="0">
+        <a:scrgbClr r="0" g="0" b="0"/>
+      </a:effectRef>
+      <a:fontRef idx="minor">
+        <a:schemeClr val="lt1"/>
+      </a:fontRef>
+    </dgm:style>
+  </dgm:styleLbl>
+  <dgm:styleLbl name="asst2">
+    <dgm:scene3d>
+      <a:camera prst="orthographicFront"/>
+      <a:lightRig rig="threePt" dir="t"/>
+    </dgm:scene3d>
+    <dgm:sp3d/>
+    <dgm:txPr/>
+    <dgm:style>
+      <a:lnRef idx="2">
+        <a:scrgbClr r="0" g="0" b="0"/>
+      </a:lnRef>
+      <a:fillRef idx="1">
+        <a:scrgbClr r="0" g="0" b="0"/>
+      </a:fillRef>
+      <a:effectRef idx="0">
+        <a:scrgbClr r="0" g="0" b="0"/>
+      </a:effectRef>
+      <a:fontRef idx="minor">
+        <a:schemeClr val="lt1"/>
+      </a:fontRef>
+    </dgm:style>
+  </dgm:styleLbl>
+  <dgm:styleLbl name="asst3">
+    <dgm:scene3d>
+      <a:camera prst="orthographicFront"/>
+      <a:lightRig rig="threePt" dir="t"/>
+    </dgm:scene3d>
+    <dgm:sp3d/>
+    <dgm:txPr/>
+    <dgm:style>
+      <a:lnRef idx="2">
+        <a:scrgbClr r="0" g="0" b="0"/>
+      </a:lnRef>
+      <a:fillRef idx="1">
+        <a:scrgbClr r="0" g="0" b="0"/>
+      </a:fillRef>
+      <a:effectRef idx="0">
+        <a:scrgbClr r="0" g="0" b="0"/>
+      </a:effectRef>
+      <a:fontRef idx="minor">
+        <a:schemeClr val="lt1"/>
+      </a:fontRef>
+    </dgm:style>
+  </dgm:styleLbl>
+  <dgm:styleLbl name="asst4">
+    <dgm:scene3d>
+      <a:camera prst="orthographicFront"/>
+      <a:lightRig rig="threePt" dir="t"/>
+    </dgm:scene3d>
+    <dgm:sp3d/>
+    <dgm:txPr/>
+    <dgm:style>
+      <a:lnRef idx="2">
+        <a:scrgbClr r="0" g="0" b="0"/>
+      </a:lnRef>
+      <a:fillRef idx="1">
+        <a:scrgbClr r="0" g="0" b="0"/>
+      </a:fillRef>
+      <a:effectRef idx="0">
+        <a:scrgbClr r="0" g="0" b="0"/>
+      </a:effectRef>
+      <a:fontRef idx="minor">
+        <a:schemeClr val="lt1"/>
+      </a:fontRef>
+    </dgm:style>
+  </dgm:styleLbl>
+  <dgm:styleLbl name="parChTrans2D1">
+    <dgm:scene3d>
+      <a:camera prst="orthographicFront"/>
+      <a:lightRig rig="threePt" dir="t"/>
+    </dgm:scene3d>
+    <dgm:sp3d/>
+    <dgm:txPr/>
+    <dgm:style>
+      <a:lnRef idx="2">
+        <a:scrgbClr r="0" g="0" b="0"/>
+      </a:lnRef>
+      <a:fillRef idx="1">
+        <a:scrgbClr r="0" g="0" b="0"/>
+      </a:fillRef>
+      <a:effectRef idx="0">
+        <a:scrgbClr r="0" g="0" b="0"/>
+      </a:effectRef>
+      <a:fontRef idx="minor">
+        <a:schemeClr val="lt1"/>
+      </a:fontRef>
+    </dgm:style>
+  </dgm:styleLbl>
+  <dgm:styleLbl name="parChTrans2D2">
+    <dgm:scene3d>
+      <a:camera prst="orthographicFront"/>
+      <a:lightRig rig="threePt" dir="t"/>
+    </dgm:scene3d>
+    <dgm:sp3d/>
+    <dgm:txPr/>
+    <dgm:style>
+      <a:lnRef idx="2">
+        <a:scrgbClr r="0" g="0" b="0"/>
+      </a:lnRef>
+      <a:fillRef idx="1">
+        <a:scrgbClr r="0" g="0" b="0"/>
+      </a:fillRef>
+      <a:effectRef idx="0">
+        <a:scrgbClr r="0" g="0" b="0"/>
+      </a:effectRef>
+      <a:fontRef idx="minor">
+        <a:schemeClr val="lt1"/>
+      </a:fontRef>
+    </dgm:style>
+  </dgm:styleLbl>
+  <dgm:styleLbl name="parChTrans2D3">
+    <dgm:scene3d>
+      <a:camera prst="orthographicFront"/>
+      <a:lightRig rig="threePt" dir="t"/>
+    </dgm:scene3d>
+    <dgm:sp3d/>
+    <dgm:txPr/>
+    <dgm:style>
+      <a:lnRef idx="2">
+        <a:scrgbClr r="0" g="0" b="0"/>
+      </a:lnRef>
+      <a:fillRef idx="1">
+        <a:scrgbClr r="0" g="0" b="0"/>
+      </a:fillRef>
+      <a:effectRef idx="0">
+        <a:scrgbClr r="0" g="0" b="0"/>
+      </a:effectRef>
+      <a:fontRef idx="minor">
+        <a:schemeClr val="lt1"/>
+      </a:fontRef>
+    </dgm:style>
+  </dgm:styleLbl>
+  <dgm:styleLbl name="parChTrans2D4">
+    <dgm:scene3d>
+      <a:camera prst="orthographicFront"/>
+      <a:lightRig rig="threePt" dir="t"/>
+    </dgm:scene3d>
+    <dgm:sp3d/>
+    <dgm:txPr/>
+    <dgm:style>
+      <a:lnRef idx="2">
+        <a:scrgbClr r="0" g="0" b="0"/>
+      </a:lnRef>
+      <a:fillRef idx="1">
+        <a:scrgbClr r="0" g="0" b="0"/>
+      </a:fillRef>
+      <a:effectRef idx="0">
+        <a:scrgbClr r="0" g="0" b="0"/>
+      </a:effectRef>
+      <a:fontRef idx="minor">
+        <a:schemeClr val="lt1"/>
+      </a:fontRef>
+    </dgm:style>
+  </dgm:styleLbl>
+  <dgm:styleLbl name="parChTrans1D1">
+    <dgm:scene3d>
+      <a:camera prst="orthographicFront"/>
+      <a:lightRig rig="threePt" dir="t"/>
+    </dgm:scene3d>
+    <dgm:sp3d/>
+    <dgm:txPr/>
+    <dgm:style>
+      <a:lnRef idx="2">
+        <a:scrgbClr r="0" g="0" b="0"/>
+      </a:lnRef>
+      <a:fillRef idx="0">
+        <a:scrgbClr r="0" g="0" b="0"/>
+      </a:fillRef>
+      <a:effectRef idx="0">
+        <a:scrgbClr r="0" g="0" b="0"/>
+      </a:effectRef>
+      <a:fontRef idx="minor"/>
+    </dgm:style>
+  </dgm:styleLbl>
+  <dgm:styleLbl name="parChTrans1D2">
+    <dgm:scene3d>
+      <a:camera prst="orthographicFront"/>
+      <a:lightRig rig="threePt" dir="t"/>
+    </dgm:scene3d>
+    <dgm:sp3d/>
+    <dgm:txPr/>
+    <dgm:style>
+      <a:lnRef idx="2">
+        <a:scrgbClr r="0" g="0" b="0"/>
+      </a:lnRef>
+      <a:fillRef idx="0">
+        <a:scrgbClr r="0" g="0" b="0"/>
+      </a:fillRef>
+      <a:effectRef idx="0">
+        <a:scrgbClr r="0" g="0" b="0"/>
+      </a:effectRef>
+      <a:fontRef idx="minor"/>
+    </dgm:style>
+  </dgm:styleLbl>
+  <dgm:styleLbl name="parChTrans1D3">
+    <dgm:scene3d>
+      <a:camera prst="orthographicFront"/>
+      <a:lightRig rig="threePt" dir="t"/>
+    </dgm:scene3d>
+    <dgm:sp3d/>
+    <dgm:txPr/>
+    <dgm:style>
+      <a:lnRef idx="2">
+        <a:scrgbClr r="0" g="0" b="0"/>
+      </a:lnRef>
+      <a:fillRef idx="0">
+        <a:scrgbClr r="0" g="0" b="0"/>
+      </a:fillRef>
+      <a:effectRef idx="0">
+        <a:scrgbClr r="0" g="0" b="0"/>
+      </a:effectRef>
+      <a:fontRef idx="minor"/>
+    </dgm:style>
+  </dgm:styleLbl>
+  <dgm:styleLbl name="parChTrans1D4">
+    <dgm:scene3d>
+      <a:camera prst="orthographicFront"/>
+      <a:lightRig rig="threePt" dir="t"/>
+    </dgm:scene3d>
+    <dgm:sp3d/>
+    <dgm:txPr/>
+    <dgm:style>
+      <a:lnRef idx="2">
+        <a:scrgbClr r="0" g="0" b="0"/>
+      </a:lnRef>
+      <a:fillRef idx="0">
+        <a:scrgbClr r="0" g="0" b="0"/>
+      </a:fillRef>
+      <a:effectRef idx="0">
+        <a:scrgbClr r="0" g="0" b="0"/>
+      </a:effectRef>
+      <a:fontRef idx="minor"/>
+    </dgm:style>
+  </dgm:styleLbl>
+  <dgm:styleLbl name="fgAcc1">
+    <dgm:scene3d>
+      <a:camera prst="orthographicFront"/>
+      <a:lightRig rig="threePt" dir="t"/>
+    </dgm:scene3d>
+    <dgm:sp3d/>
+    <dgm:txPr/>
+    <dgm:style>
+      <a:lnRef idx="2">
+        <a:scrgbClr r="0" g="0" b="0"/>
+      </a:lnRef>
+      <a:fillRef idx="1">
+        <a:scrgbClr r="0" g="0" b="0"/>
+      </a:fillRef>
+      <a:effectRef idx="0">
+        <a:scrgbClr r="0" g="0" b="0"/>
+      </a:effectRef>
+      <a:fontRef idx="minor"/>
+    </dgm:style>
+  </dgm:styleLbl>
+  <dgm:styleLbl name="conFgAcc1">
+    <dgm:scene3d>
+      <a:camera prst="orthographicFront"/>
+      <a:lightRig rig="threePt" dir="t"/>
+    </dgm:scene3d>
+    <dgm:sp3d/>
+    <dgm:txPr/>
+    <dgm:style>
+      <a:lnRef idx="2">
+        <a:scrgbClr r="0" g="0" b="0"/>
+      </a:lnRef>
+      <a:fillRef idx="1">
+        <a:scrgbClr r="0" g="0" b="0"/>
+      </a:fillRef>
+      <a:effectRef idx="0">
+        <a:scrgbClr r="0" g="0" b="0"/>
+      </a:effectRef>
+      <a:fontRef idx="minor"/>
+    </dgm:style>
+  </dgm:styleLbl>
+  <dgm:styleLbl name="alignAcc1">
+    <dgm:scene3d>
+      <a:camera prst="orthographicFront"/>
+      <a:lightRig rig="threePt" dir="t"/>
+    </dgm:scene3d>
+    <dgm:sp3d/>
+    <dgm:txPr/>
+    <dgm:style>
+      <a:lnRef idx="2">
+        <a:scrgbClr r="0" g="0" b="0"/>
+      </a:lnRef>
+      <a:fillRef idx="1">
+        <a:scrgbClr r="0" g="0" b="0"/>
+      </a:fillRef>
+      <a:effectRef idx="0">
+        <a:scrgbClr r="0" g="0" b="0"/>
+      </a:effectRef>
+      <a:fontRef idx="minor"/>
+    </dgm:style>
+  </dgm:styleLbl>
+  <dgm:styleLbl name="trAlignAcc1">
+    <dgm:scene3d>
+      <a:camera prst="orthographicFront"/>
+      <a:lightRig rig="threePt" dir="t"/>
+    </dgm:scene3d>
+    <dgm:sp3d/>
+    <dgm:txPr/>
+    <dgm:style>
+      <a:lnRef idx="1">
+        <a:scrgbClr r="0" g="0" b="0"/>
+      </a:lnRef>
+      <a:fillRef idx="1">
+        <a:scrgbClr r="0" g="0" b="0"/>
+      </a:fillRef>
+      <a:effectRef idx="0">
+        <a:scrgbClr r="0" g="0" b="0"/>
+      </a:effectRef>
+      <a:fontRef idx="minor"/>
+    </dgm:style>
+  </dgm:styleLbl>
+  <dgm:styleLbl name="bgAcc1">
+    <dgm:scene3d>
+      <a:camera prst="orthographicFront"/>
+      <a:lightRig rig="threePt" dir="t"/>
+    </dgm:scene3d>
+    <dgm:sp3d/>
+    <dgm:txPr/>
+    <dgm:style>
+      <a:lnRef idx="2">
+        <a:scrgbClr r="0" g="0" b="0"/>
+      </a:lnRef>
+      <a:fillRef idx="1">
+        <a:scrgbClr r="0" g="0" b="0"/>
+      </a:fillRef>
+      <a:effectRef idx="0">
+        <a:scrgbClr r="0" g="0" b="0"/>
+      </a:effectRef>
+      <a:fontRef idx="minor"/>
+    </dgm:style>
+  </dgm:styleLbl>
+  <dgm:styleLbl name="solidFgAcc1">
+    <dgm:scene3d>
+      <a:camera prst="orthographicFront"/>
+      <a:lightRig rig="threePt" dir="t"/>
+    </dgm:scene3d>
+    <dgm:sp3d/>
+    <dgm:txPr/>
+    <dgm:style>
+      <a:lnRef idx="2">
+        <a:scrgbClr r="0" g="0" b="0"/>
+      </a:lnRef>
+      <a:fillRef idx="1">
+        <a:scrgbClr r="0" g="0" b="0"/>
+      </a:fillRef>
+      <a:effectRef idx="0">
+        <a:scrgbClr r="0" g="0" b="0"/>
+      </a:effectRef>
+      <a:fontRef idx="minor"/>
+    </dgm:style>
+  </dgm:styleLbl>
+  <dgm:styleLbl name="solidAlignAcc1">
+    <dgm:scene3d>
+      <a:camera prst="orthographicFront"/>
+      <a:lightRig rig="threePt" dir="t"/>
+    </dgm:scene3d>
+    <dgm:sp3d/>
+    <dgm:txPr/>
+    <dgm:style>
+      <a:lnRef idx="2">
+        <a:scrgbClr r="0" g="0" b="0"/>
+      </a:lnRef>
+      <a:fillRef idx="1">
+        <a:scrgbClr r="0" g="0" b="0"/>
+      </a:fillRef>
+      <a:effectRef idx="0">
+        <a:scrgbClr r="0" g="0" b="0"/>
+      </a:effectRef>
+      <a:fontRef idx="minor"/>
+    </dgm:style>
+  </dgm:styleLbl>
+  <dgm:styleLbl name="solidBgAcc1">
+    <dgm:scene3d>
+      <a:camera prst="orthographicFront"/>
+      <a:lightRig rig="threePt" dir="t"/>
+    </dgm:scene3d>
+    <dgm:sp3d/>
+    <dgm:txPr/>
+    <dgm:style>
+      <a:lnRef idx="2">
+        <a:scrgbClr r="0" g="0" b="0"/>
+      </a:lnRef>
+      <a:fillRef idx="1">
+        <a:scrgbClr r="0" g="0" b="0"/>
+      </a:fillRef>
+      <a:effectRef idx="0">
+        <a:scrgbClr r="0" g="0" b="0"/>
+      </a:effectRef>
+      <a:fontRef idx="minor"/>
+    </dgm:style>
+  </dgm:styleLbl>
+  <dgm:styleLbl name="fgAccFollowNode1">
+    <dgm:scene3d>
+      <a:camera prst="orthographicFront"/>
+      <a:lightRig rig="threePt" dir="t"/>
+    </dgm:scene3d>
+    <dgm:sp3d/>
+    <dgm:txPr/>
+    <dgm:style>
+      <a:lnRef idx="2">
+        <a:scrgbClr r="0" g="0" b="0"/>
+      </a:lnRef>
+      <a:fillRef idx="1">
+        <a:scrgbClr r="0" g="0" b="0"/>
+      </a:fillRef>
+      <a:effectRef idx="0">
+        <a:scrgbClr r="0" g="0" b="0"/>
+      </a:effectRef>
+      <a:fontRef idx="minor"/>
+    </dgm:style>
+  </dgm:styleLbl>
+  <dgm:styleLbl name="alignAccFollowNode1">
+    <dgm:scene3d>
+      <a:camera prst="orthographicFront"/>
+      <a:lightRig rig="threePt" dir="t"/>
+    </dgm:scene3d>
+    <dgm:sp3d/>
+    <dgm:txPr/>
+    <dgm:style>
+      <a:lnRef idx="2">
+        <a:scrgbClr r="0" g="0" b="0"/>
+      </a:lnRef>
+      <a:fillRef idx="1">
+        <a:scrgbClr r="0" g="0" b="0"/>
+      </a:fillRef>
+      <a:effectRef idx="0">
+        <a:scrgbClr r="0" g="0" b="0"/>
+      </a:effectRef>
+      <a:fontRef idx="minor"/>
+    </dgm:style>
+  </dgm:styleLbl>
+  <dgm:styleLbl name="bgAccFollowNode1">
+    <dgm:scene3d>
+      <a:camera prst="orthographicFront"/>
+      <a:lightRig rig="threePt" dir="t"/>
+    </dgm:scene3d>
+    <dgm:sp3d/>
+    <dgm:txPr/>
+    <dgm:style>
+      <a:lnRef idx="2">
+        <a:scrgbClr r="0" g="0" b="0"/>
+      </a:lnRef>
+      <a:fillRef idx="1">
+        <a:scrgbClr r="0" g="0" b="0"/>
+      </a:fillRef>
+      <a:effectRef idx="0">
+        <a:scrgbClr r="0" g="0" b="0"/>
+      </a:effectRef>
+      <a:fontRef idx="minor"/>
+    </dgm:style>
+  </dgm:styleLbl>
+  <dgm:styleLbl name="fgAcc0">
+    <dgm:scene3d>
+      <a:camera prst="orthographicFront"/>
+      <a:lightRig rig="threePt" dir="t"/>
+    </dgm:scene3d>
+    <dgm:sp3d/>
+    <dgm:txPr/>
+    <dgm:style>
+      <a:lnRef idx="2">
+        <a:scrgbClr r="0" g="0" b="0"/>
+      </a:lnRef>
+      <a:fillRef idx="1">
+        <a:scrgbClr r="0" g="0" b="0"/>
+      </a:fillRef>
+      <a:effectRef idx="0">
+        <a:scrgbClr r="0" g="0" b="0"/>
+      </a:effectRef>
+      <a:fontRef idx="minor"/>
+    </dgm:style>
+  </dgm:styleLbl>
+  <dgm:styleLbl name="fgAcc2">
+    <dgm:scene3d>
+      <a:camera prst="orthographicFront"/>
+      <a:lightRig rig="threePt" dir="t"/>
+    </dgm:scene3d>
+    <dgm:sp3d/>
+    <dgm:txPr/>
+    <dgm:style>
+      <a:lnRef idx="2">
+        <a:scrgbClr r="0" g="0" b="0"/>
+      </a:lnRef>
+      <a:fillRef idx="1">
+        <a:scrgbClr r="0" g="0" b="0"/>
+      </a:fillRef>
+      <a:effectRef idx="0">
+        <a:scrgbClr r="0" g="0" b="0"/>
+      </a:effectRef>
+      <a:fontRef idx="minor"/>
+    </dgm:style>
+  </dgm:styleLbl>
+  <dgm:styleLbl name="fgAcc3">
+    <dgm:scene3d>
+      <a:camera prst="orthographicFront"/>
+      <a:lightRig rig="threePt" dir="t"/>
+    </dgm:scene3d>
+    <dgm:sp3d/>
+    <dgm:txPr/>
+    <dgm:style>
+      <a:lnRef idx="2">
+        <a:scrgbClr r="0" g="0" b="0"/>
+      </a:lnRef>
+      <a:fillRef idx="1">
+        <a:scrgbClr r="0" g="0" b="0"/>
+      </a:fillRef>
+      <a:effectRef idx="0">
+        <a:scrgbClr r="0" g="0" b="0"/>
+      </a:effectRef>
+      <a:fontRef idx="minor"/>
+    </dgm:style>
+  </dgm:styleLbl>
+  <dgm:styleLbl name="fgAcc4">
+    <dgm:scene3d>
+      <a:camera prst="orthographicFront"/>
+      <a:lightRig rig="threePt" dir="t"/>
+    </dgm:scene3d>
+    <dgm:sp3d/>
+    <dgm:txPr/>
+    <dgm:style>
+      <a:lnRef idx="2">
+        <a:scrgbClr r="0" g="0" b="0"/>
+      </a:lnRef>
+      <a:fillRef idx="1">
+        <a:scrgbClr r="0" g="0" b="0"/>
+      </a:fillRef>
+      <a:effectRef idx="0">
+        <a:scrgbClr r="0" g="0" b="0"/>
+      </a:effectRef>
+      <a:fontRef idx="minor"/>
+    </dgm:style>
+  </dgm:styleLbl>
+  <dgm:styleLbl name="bgShp">
+    <dgm:scene3d>
+      <a:camera prst="orthographicFront"/>
+      <a:lightRig rig="threePt" dir="t"/>
+    </dgm:scene3d>
+    <dgm:sp3d/>
+    <dgm:txPr/>
+    <dgm:style>
+      <a:lnRef idx="0">
+        <a:scrgbClr r="0" g="0" b="0"/>
+      </a:lnRef>
+      <a:fillRef idx="1">
+        <a:scrgbClr r="0" g="0" b="0"/>
+      </a:fillRef>
+      <a:effectRef idx="0">
+        <a:scrgbClr r="0" g="0" b="0"/>
+      </a:effectRef>
+      <a:fontRef idx="minor"/>
+    </dgm:style>
+  </dgm:styleLbl>
+  <dgm:styleLbl name="dkBgShp">
+    <dgm:scene3d>
+      <a:camera prst="orthographicFront"/>
+      <a:lightRig rig="threePt" dir="t"/>
+    </dgm:scene3d>
+    <dgm:sp3d/>
+    <dgm:txPr/>
+    <dgm:style>
+      <a:lnRef idx="0">
+        <a:scrgbClr r="0" g="0" b="0"/>
+      </a:lnRef>
+      <a:fillRef idx="1">
+        <a:scrgbClr r="0" g="0" b="0"/>
+      </a:fillRef>
+      <a:effectRef idx="0">
+        <a:scrgbClr r="0" g="0" b="0"/>
+      </a:effectRef>
+      <a:fontRef idx="minor"/>
+    </dgm:style>
+  </dgm:styleLbl>
+  <dgm:styleLbl name="trBgShp">
+    <dgm:scene3d>
+      <a:camera prst="orthographicFront"/>
+      <a:lightRig rig="threePt" dir="t"/>
+    </dgm:scene3d>
+    <dgm:sp3d/>
+    <dgm:txPr/>
+    <dgm:style>
+      <a:lnRef idx="0">
+        <a:scrgbClr r="0" g="0" b="0"/>
+      </a:lnRef>
+      <a:fillRef idx="1">
+        <a:scrgbClr r="0" g="0" b="0"/>
+      </a:fillRef>
+      <a:effectRef idx="0">
+        <a:scrgbClr r="0" g="0" b="0"/>
+      </a:effectRef>
+      <a:fontRef idx="minor"/>
+    </dgm:style>
+  </dgm:styleLbl>
+  <dgm:styleLbl name="fgShp">
+    <dgm:scene3d>
+      <a:camera prst="orthographicFront"/>
+      <a:lightRig rig="threePt" dir="t"/>
+    </dgm:scene3d>
+    <dgm:sp3d/>
+    <dgm:txPr/>
+    <dgm:style>
+      <a:lnRef idx="2">
+        <a:scrgbClr r="0" g="0" b="0"/>
+      </a:lnRef>
+      <a:fillRef idx="1">
+        <a:scrgbClr r="0" g="0" b="0"/>
+      </a:fillRef>
+      <a:effectRef idx="0">
+        <a:scrgbClr r="0" g="0" b="0"/>
+      </a:effectRef>
+      <a:fontRef idx="minor"/>
+    </dgm:style>
+  </dgm:styleLbl>
+  <dgm:styleLbl name="revTx">
+    <dgm:scene3d>
+      <a:camera prst="orthographicFront"/>
+      <a:lightRig rig="threePt" dir="t"/>
+    </dgm:scene3d>
+    <dgm:sp3d/>
+    <dgm:txPr/>
+    <dgm:style>
+      <a:lnRef idx="0">
+        <a:scrgbClr r="0" g="0" b="0"/>
+      </a:lnRef>
+      <a:fillRef idx="0">
+        <a:scrgbClr r="0" g="0" b="0"/>
+      </a:fillRef>
+      <a:effectRef idx="0">
+        <a:scrgbClr r="0" g="0" b="0"/>
+      </a:effectRef>
+      <a:fontRef idx="minor"/>
+    </dgm:style>
+  </dgm:styleLbl>
+</dgm:styleDef>
+</file>
+
 <file path=ppt/notesMasters/notesMaster1.xml><?xml version="1.0" encoding="utf-8"?>
 <p:notesMaster xmlns:a="http://schemas.openxmlformats.org/drawingml/2006/main" xmlns:r="http://schemas.openxmlformats.org/officeDocument/2006/relationships" xmlns:p="http://schemas.openxmlformats.org/presentationml/2006/main">
   <p:cSld>
@@ -1073,7 +6981,7 @@
           <a:p>
             <a:fld id="{6A3E7155-B3D5-47D8-BA2F-80EDD20483E5}" type="datetimeFigureOut">
               <a:rPr lang="de-AT" smtClean="0"/>
-              <a:t>08.06.2025</a:t>
+              <a:t>09.06.2025</a:t>
             </a:fld>
             <a:endParaRPr lang="de-AT"/>
           </a:p>
@@ -2672,6 +8580,61 @@
             <a:endParaRPr lang="de-DE" dirty="0"/>
           </a:p>
           <a:p>
+            <a:endParaRPr lang="de-DE" dirty="0"/>
+          </a:p>
+          <a:p>
+            <a:r>
+              <a:rPr lang="de-AT" dirty="0" err="1"/>
+              <a:t>Explain</a:t>
+            </a:r>
+            <a:r>
+              <a:rPr lang="de-AT" dirty="0"/>
+              <a:t> </a:t>
+            </a:r>
+            <a:r>
+              <a:rPr lang="de-AT" err="1"/>
+              <a:t>with</a:t>
+            </a:r>
+            <a:r>
+              <a:rPr lang="de-AT"/>
+              <a:t> Scenario:</a:t>
+            </a:r>
+            <a:br>
+              <a:rPr lang="de-AT" dirty="0"/>
+            </a:br>
+            <a:r>
+              <a:rPr lang="en-GB" dirty="0"/>
+              <a:t>phone 1: ram 8gb and storage 64gb </a:t>
+            </a:r>
+          </a:p>
+          <a:p>
+            <a:r>
+              <a:rPr lang="en-GB" dirty="0"/>
+              <a:t>phone 2: ram 4gb and storage 128gb</a:t>
+            </a:r>
+          </a:p>
+          <a:p>
+            <a:endParaRPr lang="en-GB" dirty="0"/>
+          </a:p>
+          <a:p>
+            <a:r>
+              <a:rPr lang="en-GB" dirty="0"/>
+              <a:t>8-4 = 4</a:t>
+            </a:r>
+            <a:br>
+              <a:rPr lang="en-GB" dirty="0"/>
+            </a:br>
+            <a:r>
+              <a:rPr lang="en-GB" dirty="0"/>
+              <a:t>128-64 = 64</a:t>
+            </a:r>
+            <a:br>
+              <a:rPr lang="en-GB" dirty="0"/>
+            </a:br>
+            <a:r>
+              <a:rPr lang="en-GB" dirty="0"/>
+              <a:t>absolute distance is 64+4 = 68</a:t>
+            </a:r>
             <a:endParaRPr lang="de-AT" dirty="0"/>
           </a:p>
         </p:txBody>
@@ -3212,7 +9175,7 @@
           <a:p>
             <a:fld id="{238C2597-4BE3-471B-93B9-37E5D8F7F0DA}" type="datetimeFigureOut">
               <a:rPr lang="de-AT" smtClean="0"/>
-              <a:t>08.06.2025</a:t>
+              <a:t>09.06.2025</a:t>
             </a:fld>
             <a:endParaRPr lang="de-AT"/>
           </a:p>
@@ -3487,7 +9450,7 @@
           <a:p>
             <a:fld id="{238C2597-4BE3-471B-93B9-37E5D8F7F0DA}" type="datetimeFigureOut">
               <a:rPr lang="de-AT" smtClean="0"/>
-              <a:t>08.06.2025</a:t>
+              <a:t>09.06.2025</a:t>
             </a:fld>
             <a:endParaRPr lang="de-AT"/>
           </a:p>
@@ -3681,7 +9644,7 @@
           <a:p>
             <a:fld id="{238C2597-4BE3-471B-93B9-37E5D8F7F0DA}" type="datetimeFigureOut">
               <a:rPr lang="de-AT" smtClean="0"/>
-              <a:t>08.06.2025</a:t>
+              <a:t>09.06.2025</a:t>
             </a:fld>
             <a:endParaRPr lang="de-AT"/>
           </a:p>
@@ -3952,7 +9915,7 @@
           <a:p>
             <a:fld id="{238C2597-4BE3-471B-93B9-37E5D8F7F0DA}" type="datetimeFigureOut">
               <a:rPr lang="de-AT" smtClean="0"/>
-              <a:t>08.06.2025</a:t>
+              <a:t>09.06.2025</a:t>
             </a:fld>
             <a:endParaRPr lang="de-AT"/>
           </a:p>
@@ -4279,7 +10242,7 @@
           <a:p>
             <a:fld id="{238C2597-4BE3-471B-93B9-37E5D8F7F0DA}" type="datetimeFigureOut">
               <a:rPr lang="de-AT" smtClean="0"/>
-              <a:t>08.06.2025</a:t>
+              <a:t>09.06.2025</a:t>
             </a:fld>
             <a:endParaRPr lang="de-AT"/>
           </a:p>
@@ -4898,7 +10861,7 @@
           <a:p>
             <a:fld id="{238C2597-4BE3-471B-93B9-37E5D8F7F0DA}" type="datetimeFigureOut">
               <a:rPr lang="de-AT" smtClean="0"/>
-              <a:t>08.06.2025</a:t>
+              <a:t>09.06.2025</a:t>
             </a:fld>
             <a:endParaRPr lang="de-AT"/>
           </a:p>
@@ -5745,7 +11708,7 @@
           <a:p>
             <a:fld id="{238C2597-4BE3-471B-93B9-37E5D8F7F0DA}" type="datetimeFigureOut">
               <a:rPr lang="de-AT" smtClean="0"/>
-              <a:t>08.06.2025</a:t>
+              <a:t>09.06.2025</a:t>
             </a:fld>
             <a:endParaRPr lang="de-AT"/>
           </a:p>
@@ -5915,7 +11878,7 @@
           <a:p>
             <a:fld id="{238C2597-4BE3-471B-93B9-37E5D8F7F0DA}" type="datetimeFigureOut">
               <a:rPr lang="de-AT" smtClean="0"/>
-              <a:t>08.06.2025</a:t>
+              <a:t>09.06.2025</a:t>
             </a:fld>
             <a:endParaRPr lang="de-AT"/>
           </a:p>
@@ -6095,7 +12058,7 @@
           <a:p>
             <a:fld id="{238C2597-4BE3-471B-93B9-37E5D8F7F0DA}" type="datetimeFigureOut">
               <a:rPr lang="de-AT" smtClean="0"/>
-              <a:t>08.06.2025</a:t>
+              <a:t>09.06.2025</a:t>
             </a:fld>
             <a:endParaRPr lang="de-AT"/>
           </a:p>
@@ -6265,7 +12228,7 @@
           <a:p>
             <a:fld id="{238C2597-4BE3-471B-93B9-37E5D8F7F0DA}" type="datetimeFigureOut">
               <a:rPr lang="de-AT" smtClean="0"/>
-              <a:t>08.06.2025</a:t>
+              <a:t>09.06.2025</a:t>
             </a:fld>
             <a:endParaRPr lang="de-AT"/>
           </a:p>
@@ -6512,7 +12475,7 @@
           <a:p>
             <a:fld id="{238C2597-4BE3-471B-93B9-37E5D8F7F0DA}" type="datetimeFigureOut">
               <a:rPr lang="de-AT" smtClean="0"/>
-              <a:t>08.06.2025</a:t>
+              <a:t>09.06.2025</a:t>
             </a:fld>
             <a:endParaRPr lang="de-AT"/>
           </a:p>
@@ -6804,7 +12767,7 @@
           <a:p>
             <a:fld id="{238C2597-4BE3-471B-93B9-37E5D8F7F0DA}" type="datetimeFigureOut">
               <a:rPr lang="de-AT" smtClean="0"/>
-              <a:t>08.06.2025</a:t>
+              <a:t>09.06.2025</a:t>
             </a:fld>
             <a:endParaRPr lang="de-AT"/>
           </a:p>
@@ -7248,7 +13211,7 @@
           <a:p>
             <a:fld id="{238C2597-4BE3-471B-93B9-37E5D8F7F0DA}" type="datetimeFigureOut">
               <a:rPr lang="de-AT" smtClean="0"/>
-              <a:t>08.06.2025</a:t>
+              <a:t>09.06.2025</a:t>
             </a:fld>
             <a:endParaRPr lang="de-AT"/>
           </a:p>
@@ -7366,7 +13329,7 @@
           <a:p>
             <a:fld id="{238C2597-4BE3-471B-93B9-37E5D8F7F0DA}" type="datetimeFigureOut">
               <a:rPr lang="de-AT" smtClean="0"/>
-              <a:t>08.06.2025</a:t>
+              <a:t>09.06.2025</a:t>
             </a:fld>
             <a:endParaRPr lang="de-AT"/>
           </a:p>
@@ -7461,7 +13424,7 @@
           <a:p>
             <a:fld id="{238C2597-4BE3-471B-93B9-37E5D8F7F0DA}" type="datetimeFigureOut">
               <a:rPr lang="de-AT" smtClean="0"/>
-              <a:t>08.06.2025</a:t>
+              <a:t>09.06.2025</a:t>
             </a:fld>
             <a:endParaRPr lang="de-AT"/>
           </a:p>
@@ -7740,7 +13703,7 @@
           <a:p>
             <a:fld id="{238C2597-4BE3-471B-93B9-37E5D8F7F0DA}" type="datetimeFigureOut">
               <a:rPr lang="de-AT" smtClean="0"/>
-              <a:t>08.06.2025</a:t>
+              <a:t>09.06.2025</a:t>
             </a:fld>
             <a:endParaRPr lang="de-AT"/>
           </a:p>
@@ -8015,7 +13978,7 @@
           <a:p>
             <a:fld id="{238C2597-4BE3-471B-93B9-37E5D8F7F0DA}" type="datetimeFigureOut">
               <a:rPr lang="de-AT" smtClean="0"/>
-              <a:t>08.06.2025</a:t>
+              <a:t>09.06.2025</a:t>
             </a:fld>
             <a:endParaRPr lang="de-AT"/>
           </a:p>
@@ -8438,7 +14401,7 @@
           <a:p>
             <a:fld id="{238C2597-4BE3-471B-93B9-37E5D8F7F0DA}" type="datetimeFigureOut">
               <a:rPr lang="de-AT" smtClean="0"/>
-              <a:t>08.06.2025</a:t>
+              <a:t>09.06.2025</a:t>
             </a:fld>
             <a:endParaRPr lang="de-AT"/>
           </a:p>
@@ -9092,99 +15055,44 @@
           <a:lstStyle/>
           <a:p>
             <a:r>
-              <a:rPr lang="en-US" noProof="0" dirty="0"/>
+              <a:rPr lang="en-US" noProof="0"/>
               <a:t>Domain Expert Perspective</a:t>
             </a:r>
+            <a:endParaRPr lang="en-US" noProof="0" dirty="0"/>
           </a:p>
         </p:txBody>
       </p:sp>
-      <p:sp>
-        <p:nvSpPr>
-          <p:cNvPr id="3" name="Inhaltsplatzhalter 2">
+      <p:graphicFrame>
+        <p:nvGraphicFramePr>
+          <p:cNvPr id="23" name="Inhaltsplatzhalter 2">
             <a:extLst>
               <a:ext uri="{FF2B5EF4-FFF2-40B4-BE49-F238E27FC236}">
-                <a16:creationId xmlns:a16="http://schemas.microsoft.com/office/drawing/2014/main" id="{1220D917-1486-8AEE-8670-FD49830A89B1}"/>
+                <a16:creationId xmlns:a16="http://schemas.microsoft.com/office/drawing/2014/main" id="{7FAA8C9F-4534-3A06-B39C-B790C2D906AE}"/>
               </a:ext>
             </a:extLst>
           </p:cNvPr>
-          <p:cNvSpPr>
-            <a:spLocks noGrp="1"/>
-          </p:cNvSpPr>
+          <p:cNvGraphicFramePr>
+            <a:graphicFrameLocks noGrp="1"/>
+          </p:cNvGraphicFramePr>
           <p:nvPr>
             <p:ph idx="1"/>
-          </p:nvPr>
-        </p:nvSpPr>
-        <p:spPr/>
-        <p:txBody>
-          <a:bodyPr/>
-          <a:lstStyle/>
-          <a:p>
-            <a:pPr>
-              <a:buFont typeface="Wingdings" panose="05000000000000000000" pitchFamily="2" charset="2"/>
-              <a:buChar char="v"/>
-            </a:pPr>
-            <a:r>
-              <a:rPr lang="en-US" noProof="0" dirty="0"/>
-              <a:t>Mistakes &amp; Risks</a:t>
-            </a:r>
-          </a:p>
-          <a:p>
-            <a:pPr lvl="1">
-              <a:buFont typeface="Wingdings" panose="05000000000000000000" pitchFamily="2" charset="2"/>
-              <a:buChar char="v"/>
-            </a:pPr>
-            <a:r>
-              <a:rPr lang="en-US" noProof="0" dirty="0"/>
-              <a:t>Misclassification</a:t>
-            </a:r>
-          </a:p>
-          <a:p>
-            <a:pPr lvl="1">
-              <a:buFont typeface="Wingdings" panose="05000000000000000000" pitchFamily="2" charset="2"/>
-              <a:buChar char="v"/>
-            </a:pPr>
-            <a:r>
-              <a:rPr lang="en-US" noProof="0" dirty="0"/>
-              <a:t>Constant monitoring of trends</a:t>
-            </a:r>
-          </a:p>
-          <a:p>
-            <a:pPr>
-              <a:buFont typeface="Wingdings" panose="05000000000000000000" pitchFamily="2" charset="2"/>
-              <a:buChar char="v"/>
-            </a:pPr>
-            <a:r>
-              <a:rPr lang="en-US" noProof="0" dirty="0"/>
-              <a:t>Solutions</a:t>
-            </a:r>
-          </a:p>
-          <a:p>
-            <a:pPr lvl="1">
-              <a:buFont typeface="Wingdings" panose="05000000000000000000" pitchFamily="2" charset="2"/>
-              <a:buChar char="v"/>
-            </a:pPr>
-            <a:r>
-              <a:rPr lang="en-US" noProof="0" dirty="0"/>
-              <a:t>Double checking</a:t>
-            </a:r>
-          </a:p>
-          <a:p>
-            <a:pPr lvl="1">
-              <a:buFont typeface="Wingdings" panose="05000000000000000000" pitchFamily="2" charset="2"/>
-              <a:buChar char="v"/>
-            </a:pPr>
-            <a:r>
-              <a:rPr lang="en-US" noProof="0" dirty="0"/>
-              <a:t>Simulate </a:t>
-            </a:r>
-            <a:r>
-              <a:rPr lang="en-US" noProof="0"/>
-              <a:t>Predictions early</a:t>
-            </a:r>
-            <a:endParaRPr lang="en-US" noProof="0" dirty="0"/>
-          </a:p>
-        </p:txBody>
-      </p:sp>
+            <p:extLst>
+              <p:ext uri="{D42A27DB-BD31-4B8C-83A1-F6EECF244321}">
+                <p14:modId xmlns:p14="http://schemas.microsoft.com/office/powerpoint/2010/main" val="3692631374"/>
+              </p:ext>
+            </p:extLst>
+          </p:nvPr>
+        </p:nvGraphicFramePr>
+        <p:xfrm>
+          <a:off x="1103312" y="2052918"/>
+          <a:ext cx="8946541" cy="4195481"/>
+        </p:xfrm>
+        <a:graphic>
+          <a:graphicData uri="http://schemas.openxmlformats.org/drawingml/2006/diagram">
+            <dgm:relIds xmlns:dgm="http://schemas.openxmlformats.org/drawingml/2006/diagram" xmlns:r="http://schemas.openxmlformats.org/officeDocument/2006/relationships" r:dm="rId3" r:lo="rId4" r:qs="rId5" r:cs="rId6"/>
+          </a:graphicData>
+        </a:graphic>
+      </p:graphicFrame>
     </p:spTree>
     <p:extLst>
       <p:ext uri="{BB962C8B-B14F-4D97-AF65-F5344CB8AC3E}">
@@ -9243,98 +15151,32 @@
           </a:p>
         </p:txBody>
       </p:sp>
-      <p:sp>
-        <p:nvSpPr>
-          <p:cNvPr id="3" name="Inhaltsplatzhalter 2">
+      <p:graphicFrame>
+        <p:nvGraphicFramePr>
+          <p:cNvPr id="6" name="Inhaltsplatzhalter 2">
             <a:extLst>
               <a:ext uri="{FF2B5EF4-FFF2-40B4-BE49-F238E27FC236}">
-                <a16:creationId xmlns:a16="http://schemas.microsoft.com/office/drawing/2014/main" id="{69F5E269-E31D-BA43-5384-41D919037EE2}"/>
+                <a16:creationId xmlns:a16="http://schemas.microsoft.com/office/drawing/2014/main" id="{F5B11798-C7F4-BA0F-151D-A9D65C55D044}"/>
               </a:ext>
             </a:extLst>
           </p:cNvPr>
-          <p:cNvSpPr>
-            <a:spLocks noGrp="1"/>
-          </p:cNvSpPr>
+          <p:cNvGraphicFramePr>
+            <a:graphicFrameLocks noGrp="1"/>
+          </p:cNvGraphicFramePr>
           <p:nvPr>
             <p:ph idx="1"/>
           </p:nvPr>
-        </p:nvSpPr>
-        <p:spPr/>
-        <p:txBody>
-          <a:bodyPr/>
-          <a:lstStyle/>
-          <a:p>
-            <a:pPr>
-              <a:buFont typeface="Wingdings" panose="05000000000000000000" pitchFamily="2" charset="2"/>
-              <a:buChar char="v"/>
-            </a:pPr>
-            <a:r>
-              <a:rPr lang="en-US" noProof="0" dirty="0"/>
-              <a:t>Dangers</a:t>
-            </a:r>
-          </a:p>
-          <a:p>
-            <a:pPr lvl="1">
-              <a:buFont typeface="Wingdings" panose="05000000000000000000" pitchFamily="2" charset="2"/>
-              <a:buChar char="v"/>
-            </a:pPr>
-            <a:r>
-              <a:rPr lang="en-US" noProof="0" dirty="0"/>
-              <a:t>Biases in data </a:t>
-            </a:r>
-          </a:p>
-          <a:p>
-            <a:pPr lvl="1">
-              <a:buFont typeface="Wingdings" panose="05000000000000000000" pitchFamily="2" charset="2"/>
-              <a:buChar char="v"/>
-            </a:pPr>
-            <a:r>
-              <a:rPr lang="en-US" noProof="0" dirty="0"/>
-              <a:t>Over-reliance</a:t>
-            </a:r>
-          </a:p>
-          <a:p>
-            <a:pPr lvl="1">
-              <a:buFont typeface="Wingdings" panose="05000000000000000000" pitchFamily="2" charset="2"/>
-              <a:buChar char="v"/>
-            </a:pPr>
-            <a:r>
-              <a:rPr lang="en-US" noProof="0" dirty="0"/>
-              <a:t>Consumer trust</a:t>
-            </a:r>
-          </a:p>
-          <a:p>
-            <a:pPr>
-              <a:buFont typeface="Wingdings" panose="05000000000000000000" pitchFamily="2" charset="2"/>
-              <a:buChar char="v"/>
-            </a:pPr>
-            <a:r>
-              <a:rPr lang="en-US" noProof="0" dirty="0"/>
-              <a:t>Positive</a:t>
-            </a:r>
-          </a:p>
-          <a:p>
-            <a:pPr lvl="1">
-              <a:buFont typeface="Wingdings" panose="05000000000000000000" pitchFamily="2" charset="2"/>
-              <a:buChar char="v"/>
-            </a:pPr>
-            <a:r>
-              <a:rPr lang="en-US" noProof="0" dirty="0"/>
-              <a:t>Help smaller companies</a:t>
-            </a:r>
-          </a:p>
-          <a:p>
-            <a:pPr lvl="1">
-              <a:buFont typeface="Wingdings" panose="05000000000000000000" pitchFamily="2" charset="2"/>
-              <a:buChar char="v"/>
-            </a:pPr>
-            <a:r>
-              <a:rPr lang="en-US" noProof="0" dirty="0"/>
-              <a:t>Fast classification</a:t>
-            </a:r>
-          </a:p>
-        </p:txBody>
-      </p:sp>
+        </p:nvGraphicFramePr>
+        <p:xfrm>
+          <a:off x="1103312" y="2052918"/>
+          <a:ext cx="8946541" cy="4195481"/>
+        </p:xfrm>
+        <a:graphic>
+          <a:graphicData uri="http://schemas.openxmlformats.org/drawingml/2006/diagram">
+            <dgm:relIds xmlns:dgm="http://schemas.openxmlformats.org/drawingml/2006/diagram" xmlns:r="http://schemas.openxmlformats.org/officeDocument/2006/relationships" r:dm="rId3" r:lo="rId4" r:qs="rId5" r:cs="rId6"/>
+          </a:graphicData>
+        </a:graphic>
+      </p:graphicFrame>
     </p:spTree>
     <p:extLst>
       <p:ext uri="{BB962C8B-B14F-4D97-AF65-F5344CB8AC3E}">
@@ -10423,115 +16265,45 @@
           <a:bodyPr/>
           <a:lstStyle/>
           <a:p>
-            <a:r>
-              <a:rPr lang="en-US" noProof="0" dirty="0"/>
-              <a:t>Model</a:t>
-            </a:r>
+            <a:endParaRPr lang="en-US" noProof="0" dirty="0"/>
           </a:p>
         </p:txBody>
       </p:sp>
-      <p:sp>
-        <p:nvSpPr>
-          <p:cNvPr id="3" name="Inhaltsplatzhalter 2">
+      <p:pic>
+        <p:nvPicPr>
+          <p:cNvPr id="9" name="Inhaltsplatzhalter 8" descr="Ein Bild, das Text, Screenshot, Schrift, Zahl enthält.&#10;&#10;KI-generierte Inhalte können fehlerhaft sein.">
             <a:extLst>
               <a:ext uri="{FF2B5EF4-FFF2-40B4-BE49-F238E27FC236}">
-                <a16:creationId xmlns:a16="http://schemas.microsoft.com/office/drawing/2014/main" id="{29245E8F-94D3-0A38-31F3-23A25538C8AD}"/>
+                <a16:creationId xmlns:a16="http://schemas.microsoft.com/office/drawing/2014/main" id="{7DC48D76-7729-C36B-0CA6-EA27FAE18BBB}"/>
               </a:ext>
             </a:extLst>
           </p:cNvPr>
-          <p:cNvSpPr>
-            <a:spLocks noGrp="1"/>
-          </p:cNvSpPr>
+          <p:cNvPicPr>
+            <a:picLocks noGrp="1" noChangeAspect="1"/>
+          </p:cNvPicPr>
           <p:nvPr>
             <p:ph idx="1"/>
           </p:nvPr>
-        </p:nvSpPr>
-        <p:spPr/>
-        <p:txBody>
-          <a:bodyPr/>
-          <a:lstStyle/>
-          <a:p>
-            <a:pPr marL="457200" indent="-457200">
-              <a:buFont typeface="+mj-lt"/>
-              <a:buAutoNum type="arabicPeriod"/>
-            </a:pPr>
-            <a:r>
-              <a:rPr lang="en-US" noProof="0" dirty="0"/>
-              <a:t>Scale Data</a:t>
-            </a:r>
-          </a:p>
-          <a:p>
-            <a:pPr marL="457200" indent="-457200">
-              <a:buFont typeface="+mj-lt"/>
-              <a:buAutoNum type="arabicPeriod"/>
-            </a:pPr>
-            <a:r>
-              <a:rPr lang="en-US" noProof="0" dirty="0"/>
-              <a:t>Compare each Test Phone with all Training Phones</a:t>
-            </a:r>
-          </a:p>
-          <a:p>
-            <a:pPr marL="457200" indent="-457200">
-              <a:buFont typeface="+mj-lt"/>
-              <a:buAutoNum type="arabicPeriod"/>
-            </a:pPr>
-            <a:r>
-              <a:rPr lang="en-US" noProof="0" dirty="0"/>
-              <a:t>Use </a:t>
-            </a:r>
-            <a:r>
-              <a:rPr lang="en-US" i="1" noProof="0" dirty="0"/>
-              <a:t>Manhattan Distance</a:t>
-            </a:r>
-          </a:p>
-          <a:p>
-            <a:pPr marL="457200" indent="-457200">
-              <a:buFont typeface="+mj-lt"/>
-              <a:buAutoNum type="arabicPeriod"/>
-            </a:pPr>
-            <a:r>
-              <a:rPr lang="en-US" noProof="0" dirty="0"/>
-              <a:t>Pick the </a:t>
-            </a:r>
-            <a:r>
-              <a:rPr lang="en-US" i="1" noProof="0" dirty="0"/>
-              <a:t>k</a:t>
-            </a:r>
-            <a:r>
-              <a:rPr lang="en-US" noProof="0" dirty="0"/>
-              <a:t> closest Training Phones</a:t>
-            </a:r>
-          </a:p>
-          <a:p>
-            <a:pPr marL="457200" indent="-457200">
-              <a:buFont typeface="+mj-lt"/>
-              <a:buAutoNum type="arabicPeriod"/>
-            </a:pPr>
-            <a:r>
-              <a:rPr lang="en-US" noProof="0" dirty="0"/>
-              <a:t>Pick most frequent Price Class from </a:t>
-            </a:r>
-            <a:r>
-              <a:rPr lang="en-US" i="1" noProof="0" dirty="0"/>
-              <a:t>k</a:t>
-            </a:r>
-            <a:r>
-              <a:rPr lang="en-US" noProof="0" dirty="0"/>
-              <a:t> closest Training Phones</a:t>
-            </a:r>
-          </a:p>
-          <a:p>
-            <a:pPr marL="457200" indent="-457200">
-              <a:buFont typeface="+mj-lt"/>
-              <a:buAutoNum type="arabicPeriod"/>
-            </a:pPr>
-            <a:r>
-              <a:rPr lang="en-US" noProof="0" dirty="0"/>
-              <a:t>Assign Price Class to Test phone</a:t>
-            </a:r>
-          </a:p>
-        </p:txBody>
-      </p:sp>
+        </p:nvPicPr>
+        <p:blipFill>
+          <a:blip r:embed="rId3">
+            <a:extLst>
+              <a:ext uri="{28A0092B-C50C-407E-A947-70E740481C1C}">
+                <a14:useLocalDpi xmlns:a14="http://schemas.microsoft.com/office/drawing/2010/main" val="0"/>
+              </a:ext>
+            </a:extLst>
+          </a:blip>
+          <a:stretch>
+            <a:fillRect/>
+          </a:stretch>
+        </p:blipFill>
+        <p:spPr>
+          <a:xfrm>
+            <a:off x="0" y="0"/>
+            <a:ext cx="12192000" cy="6858000"/>
+          </a:xfrm>
+        </p:spPr>
+      </p:pic>
     </p:spTree>
     <p:extLst>
       <p:ext uri="{BB962C8B-B14F-4D97-AF65-F5344CB8AC3E}">
@@ -10679,6 +16451,53 @@
           </a:p>
         </p:txBody>
       </p:sp>
+      <p:pic>
+        <p:nvPicPr>
+          <p:cNvPr id="1026" name="Picture 2" descr="Performance - Openclipart">
+            <a:extLst>
+              <a:ext uri="{FF2B5EF4-FFF2-40B4-BE49-F238E27FC236}">
+                <a16:creationId xmlns:a16="http://schemas.microsoft.com/office/drawing/2014/main" id="{3DA241AF-4145-6A00-2CBA-5008276EC762}"/>
+              </a:ext>
+            </a:extLst>
+          </p:cNvPr>
+          <p:cNvPicPr>
+            <a:picLocks noChangeAspect="1" noChangeArrowheads="1"/>
+          </p:cNvPicPr>
+          <p:nvPr/>
+        </p:nvPicPr>
+        <p:blipFill rotWithShape="1">
+          <a:blip r:embed="rId3">
+            <a:extLst>
+              <a:ext uri="{28A0092B-C50C-407E-A947-70E740481C1C}">
+                <a14:useLocalDpi xmlns:a14="http://schemas.microsoft.com/office/drawing/2010/main" val="0"/>
+              </a:ext>
+            </a:extLst>
+          </a:blip>
+          <a:srcRect b="3795"/>
+          <a:stretch>
+            <a:fillRect/>
+          </a:stretch>
+        </p:blipFill>
+        <p:spPr bwMode="auto">
+          <a:xfrm>
+            <a:off x="6212378" y="3697086"/>
+            <a:ext cx="5841076" cy="3160914"/>
+          </a:xfrm>
+          <a:prstGeom prst="rect">
+            <a:avLst/>
+          </a:prstGeom>
+          <a:noFill/>
+          <a:extLst>
+            <a:ext uri="{909E8E84-426E-40DD-AFC4-6F175D3DCCD1}">
+              <a14:hiddenFill xmlns:a14="http://schemas.microsoft.com/office/drawing/2010/main">
+                <a:solidFill>
+                  <a:srgbClr val="FFFFFF"/>
+                </a:solidFill>
+              </a14:hiddenFill>
+            </a:ext>
+          </a:extLst>
+        </p:spPr>
+      </p:pic>
     </p:spTree>
     <p:extLst>
       <p:ext uri="{BB962C8B-B14F-4D97-AF65-F5344CB8AC3E}">

--- a/Documents/Final Presentation.pptx
+++ b/Documents/Final Presentation.pptx
@@ -136,211 +136,6 @@
 
 <file path=ppt/changesInfos/changesInfo1.xml><?xml version="1.0" encoding="utf-8"?>
 <pc:chgInfo xmlns:a="http://schemas.openxmlformats.org/drawingml/2006/main" xmlns:r="http://schemas.openxmlformats.org/officeDocument/2006/relationships" xmlns:ac="http://schemas.microsoft.com/office/drawing/2013/main/command" xmlns:pc="http://schemas.microsoft.com/office/powerpoint/2013/main/command">
-  <pc:docChgLst>
-    <pc:chgData name="Nicolai Plachetzky" userId="823c8b06-e4c9-469b-b821-a844d7744de1" providerId="ADAL" clId="{014B04EA-880C-4F53-AF3E-54B947C3017E}"/>
-    <pc:docChg chg="undo custSel modSld">
-      <pc:chgData name="Nicolai Plachetzky" userId="823c8b06-e4c9-469b-b821-a844d7744de1" providerId="ADAL" clId="{014B04EA-880C-4F53-AF3E-54B947C3017E}" dt="2025-06-09T14:23:01.150" v="168" actId="26606"/>
-      <pc:docMkLst>
-        <pc:docMk/>
-      </pc:docMkLst>
-      <pc:sldChg chg="addSp delSp modSp mod modNotesTx">
-        <pc:chgData name="Nicolai Plachetzky" userId="823c8b06-e4c9-469b-b821-a844d7744de1" providerId="ADAL" clId="{014B04EA-880C-4F53-AF3E-54B947C3017E}" dt="2025-06-09T14:15:11.129" v="148" actId="20577"/>
-        <pc:sldMkLst>
-          <pc:docMk/>
-          <pc:sldMk cId="3153824113" sldId="263"/>
-        </pc:sldMkLst>
-        <pc:spChg chg="mod">
-          <ac:chgData name="Nicolai Plachetzky" userId="823c8b06-e4c9-469b-b821-a844d7744de1" providerId="ADAL" clId="{014B04EA-880C-4F53-AF3E-54B947C3017E}" dt="2025-06-09T13:57:12.878" v="25" actId="20577"/>
-          <ac:spMkLst>
-            <pc:docMk/>
-            <pc:sldMk cId="3153824113" sldId="263"/>
-            <ac:spMk id="2" creationId="{5238A395-6E0A-71EF-FF2D-04103080E988}"/>
-          </ac:spMkLst>
-        </pc:spChg>
-        <pc:spChg chg="del mod">
-          <ac:chgData name="Nicolai Plachetzky" userId="823c8b06-e4c9-469b-b821-a844d7744de1" providerId="ADAL" clId="{014B04EA-880C-4F53-AF3E-54B947C3017E}" dt="2025-06-09T14:07:16.380" v="31"/>
-          <ac:spMkLst>
-            <pc:docMk/>
-            <pc:sldMk cId="3153824113" sldId="263"/>
-            <ac:spMk id="3" creationId="{29245E8F-94D3-0A38-31F3-23A25538C8AD}"/>
-          </ac:spMkLst>
-        </pc:spChg>
-        <pc:picChg chg="add del mod">
-          <ac:chgData name="Nicolai Plachetzky" userId="823c8b06-e4c9-469b-b821-a844d7744de1" providerId="ADAL" clId="{014B04EA-880C-4F53-AF3E-54B947C3017E}" dt="2025-06-09T13:56:31.975" v="13" actId="478"/>
-          <ac:picMkLst>
-            <pc:docMk/>
-            <pc:sldMk cId="3153824113" sldId="263"/>
-            <ac:picMk id="5" creationId="{914A35EE-378C-EDB8-4611-E5E18291A3A4}"/>
-          </ac:picMkLst>
-        </pc:picChg>
-        <pc:picChg chg="add del mod">
-          <ac:chgData name="Nicolai Plachetzky" userId="823c8b06-e4c9-469b-b821-a844d7744de1" providerId="ADAL" clId="{014B04EA-880C-4F53-AF3E-54B947C3017E}" dt="2025-06-09T14:07:14.062" v="30" actId="478"/>
-          <ac:picMkLst>
-            <pc:docMk/>
-            <pc:sldMk cId="3153824113" sldId="263"/>
-            <ac:picMk id="7" creationId="{A30A075C-A710-93D6-771D-3D43279DC51F}"/>
-          </ac:picMkLst>
-        </pc:picChg>
-        <pc:picChg chg="add mod">
-          <ac:chgData name="Nicolai Plachetzky" userId="823c8b06-e4c9-469b-b821-a844d7744de1" providerId="ADAL" clId="{014B04EA-880C-4F53-AF3E-54B947C3017E}" dt="2025-06-09T14:07:38.251" v="39" actId="14100"/>
-          <ac:picMkLst>
-            <pc:docMk/>
-            <pc:sldMk cId="3153824113" sldId="263"/>
-            <ac:picMk id="9" creationId="{7DC48D76-7729-C36B-0CA6-EA27FAE18BBB}"/>
-          </ac:picMkLst>
-        </pc:picChg>
-      </pc:sldChg>
-      <pc:sldChg chg="addSp modSp mod">
-        <pc:chgData name="Nicolai Plachetzky" userId="823c8b06-e4c9-469b-b821-a844d7744de1" providerId="ADAL" clId="{014B04EA-880C-4F53-AF3E-54B947C3017E}" dt="2025-06-09T14:21:06.483" v="154" actId="1076"/>
-        <pc:sldMkLst>
-          <pc:docMk/>
-          <pc:sldMk cId="3772376716" sldId="264"/>
-        </pc:sldMkLst>
-        <pc:spChg chg="mod">
-          <ac:chgData name="Nicolai Plachetzky" userId="823c8b06-e4c9-469b-b821-a844d7744de1" providerId="ADAL" clId="{014B04EA-880C-4F53-AF3E-54B947C3017E}" dt="2025-06-09T14:15:10.863" v="147" actId="20577"/>
-          <ac:spMkLst>
-            <pc:docMk/>
-            <pc:sldMk cId="3772376716" sldId="264"/>
-            <ac:spMk id="3" creationId="{78056E36-A6DD-AB79-5CB9-B2A35B549BE1}"/>
-          </ac:spMkLst>
-        </pc:spChg>
-        <pc:picChg chg="add mod">
-          <ac:chgData name="Nicolai Plachetzky" userId="823c8b06-e4c9-469b-b821-a844d7744de1" providerId="ADAL" clId="{014B04EA-880C-4F53-AF3E-54B947C3017E}" dt="2025-06-09T14:21:06.483" v="154" actId="1076"/>
-          <ac:picMkLst>
-            <pc:docMk/>
-            <pc:sldMk cId="3772376716" sldId="264"/>
-            <ac:picMk id="1026" creationId="{3DA241AF-4145-6A00-2CBA-5008276EC762}"/>
-          </ac:picMkLst>
-        </pc:picChg>
-      </pc:sldChg>
-      <pc:sldChg chg="addSp delSp modSp mod setBg setClrOvrMap">
-        <pc:chgData name="Nicolai Plachetzky" userId="823c8b06-e4c9-469b-b821-a844d7744de1" providerId="ADAL" clId="{014B04EA-880C-4F53-AF3E-54B947C3017E}" dt="2025-06-09T14:22:31.949" v="167" actId="12"/>
-        <pc:sldMkLst>
-          <pc:docMk/>
-          <pc:sldMk cId="2536878213" sldId="265"/>
-        </pc:sldMkLst>
-        <pc:spChg chg="mod">
-          <ac:chgData name="Nicolai Plachetzky" userId="823c8b06-e4c9-469b-b821-a844d7744de1" providerId="ADAL" clId="{014B04EA-880C-4F53-AF3E-54B947C3017E}" dt="2025-06-09T14:22:03.437" v="157" actId="26606"/>
-          <ac:spMkLst>
-            <pc:docMk/>
-            <pc:sldMk cId="2536878213" sldId="265"/>
-            <ac:spMk id="2" creationId="{2E5BAF5E-09DD-BDF0-8BF2-8D58386BC47D}"/>
-          </ac:spMkLst>
-        </pc:spChg>
-        <pc:spChg chg="add del">
-          <ac:chgData name="Nicolai Plachetzky" userId="823c8b06-e4c9-469b-b821-a844d7744de1" providerId="ADAL" clId="{014B04EA-880C-4F53-AF3E-54B947C3017E}" dt="2025-06-09T14:22:13.325" v="164" actId="26606"/>
-          <ac:spMkLst>
-            <pc:docMk/>
-            <pc:sldMk cId="2536878213" sldId="265"/>
-            <ac:spMk id="3" creationId="{1220D917-1486-8AEE-8670-FD49830A89B1}"/>
-          </ac:spMkLst>
-        </pc:spChg>
-        <pc:spChg chg="add del">
-          <ac:chgData name="Nicolai Plachetzky" userId="823c8b06-e4c9-469b-b821-a844d7744de1" providerId="ADAL" clId="{014B04EA-880C-4F53-AF3E-54B947C3017E}" dt="2025-06-09T14:22:03.437" v="157" actId="26606"/>
-          <ac:spMkLst>
-            <pc:docMk/>
-            <pc:sldMk cId="2536878213" sldId="265"/>
-            <ac:spMk id="9" creationId="{25482F9D-E110-434E-9B4F-41A3F5CB2A2F}"/>
-          </ac:spMkLst>
-        </pc:spChg>
-        <pc:spChg chg="add del">
-          <ac:chgData name="Nicolai Plachetzky" userId="823c8b06-e4c9-469b-b821-a844d7744de1" providerId="ADAL" clId="{014B04EA-880C-4F53-AF3E-54B947C3017E}" dt="2025-06-09T14:22:03.437" v="157" actId="26606"/>
-          <ac:spMkLst>
-            <pc:docMk/>
-            <pc:sldMk cId="2536878213" sldId="265"/>
-            <ac:spMk id="11" creationId="{5779FF2E-BB5C-4805-AAD5-275495A2B7EF}"/>
-          </ac:spMkLst>
-        </pc:spChg>
-        <pc:spChg chg="add del">
-          <ac:chgData name="Nicolai Plachetzky" userId="823c8b06-e4c9-469b-b821-a844d7744de1" providerId="ADAL" clId="{014B04EA-880C-4F53-AF3E-54B947C3017E}" dt="2025-06-09T14:22:03.437" v="157" actId="26606"/>
-          <ac:spMkLst>
-            <pc:docMk/>
-            <pc:sldMk cId="2536878213" sldId="265"/>
-            <ac:spMk id="13" creationId="{6EB83258-50E7-4A51-8C48-ADA7CD7FCA02}"/>
-          </ac:spMkLst>
-        </pc:spChg>
-        <pc:spChg chg="add del">
-          <ac:chgData name="Nicolai Plachetzky" userId="823c8b06-e4c9-469b-b821-a844d7744de1" providerId="ADAL" clId="{014B04EA-880C-4F53-AF3E-54B947C3017E}" dt="2025-06-09T14:22:03.437" v="157" actId="26606"/>
-          <ac:spMkLst>
-            <pc:docMk/>
-            <pc:sldMk cId="2536878213" sldId="265"/>
-            <ac:spMk id="15" creationId="{A4188960-1398-409C-BA5D-F87CCB743390}"/>
-          </ac:spMkLst>
-        </pc:spChg>
-        <pc:graphicFrameChg chg="add del">
-          <ac:chgData name="Nicolai Plachetzky" userId="823c8b06-e4c9-469b-b821-a844d7744de1" providerId="ADAL" clId="{014B04EA-880C-4F53-AF3E-54B947C3017E}" dt="2025-06-09T14:22:03.437" v="157" actId="26606"/>
-          <ac:graphicFrameMkLst>
-            <pc:docMk/>
-            <pc:sldMk cId="2536878213" sldId="265"/>
-            <ac:graphicFrameMk id="5" creationId="{40E381DC-DB01-9930-DC0C-9CFD3BBC8F5F}"/>
-          </ac:graphicFrameMkLst>
-        </pc:graphicFrameChg>
-        <pc:graphicFrameChg chg="add del">
-          <ac:chgData name="Nicolai Plachetzky" userId="823c8b06-e4c9-469b-b821-a844d7744de1" providerId="ADAL" clId="{014B04EA-880C-4F53-AF3E-54B947C3017E}" dt="2025-06-09T14:22:10.845" v="159" actId="26606"/>
-          <ac:graphicFrameMkLst>
-            <pc:docMk/>
-            <pc:sldMk cId="2536878213" sldId="265"/>
-            <ac:graphicFrameMk id="17" creationId="{506D488A-794B-C84C-F4AA-10A07F48B519}"/>
-          </ac:graphicFrameMkLst>
-        </pc:graphicFrameChg>
-        <pc:graphicFrameChg chg="add del">
-          <ac:chgData name="Nicolai Plachetzky" userId="823c8b06-e4c9-469b-b821-a844d7744de1" providerId="ADAL" clId="{014B04EA-880C-4F53-AF3E-54B947C3017E}" dt="2025-06-09T14:22:12.575" v="161" actId="26606"/>
-          <ac:graphicFrameMkLst>
-            <pc:docMk/>
-            <pc:sldMk cId="2536878213" sldId="265"/>
-            <ac:graphicFrameMk id="19" creationId="{B7E2E4AA-2DA6-1223-48AF-6878C1A11DA4}"/>
-          </ac:graphicFrameMkLst>
-        </pc:graphicFrameChg>
-        <pc:graphicFrameChg chg="add del">
-          <ac:chgData name="Nicolai Plachetzky" userId="823c8b06-e4c9-469b-b821-a844d7744de1" providerId="ADAL" clId="{014B04EA-880C-4F53-AF3E-54B947C3017E}" dt="2025-06-09T14:22:13.315" v="163" actId="26606"/>
-          <ac:graphicFrameMkLst>
-            <pc:docMk/>
-            <pc:sldMk cId="2536878213" sldId="265"/>
-            <ac:graphicFrameMk id="21" creationId="{506D488A-794B-C84C-F4AA-10A07F48B519}"/>
-          </ac:graphicFrameMkLst>
-        </pc:graphicFrameChg>
-        <pc:graphicFrameChg chg="add mod">
-          <ac:chgData name="Nicolai Plachetzky" userId="823c8b06-e4c9-469b-b821-a844d7744de1" providerId="ADAL" clId="{014B04EA-880C-4F53-AF3E-54B947C3017E}" dt="2025-06-09T14:22:31.949" v="167" actId="12"/>
-          <ac:graphicFrameMkLst>
-            <pc:docMk/>
-            <pc:sldMk cId="2536878213" sldId="265"/>
-            <ac:graphicFrameMk id="23" creationId="{7FAA8C9F-4534-3A06-B39C-B790C2D906AE}"/>
-          </ac:graphicFrameMkLst>
-        </pc:graphicFrameChg>
-        <pc:picChg chg="add">
-          <ac:chgData name="Nicolai Plachetzky" userId="823c8b06-e4c9-469b-b821-a844d7744de1" providerId="ADAL" clId="{014B04EA-880C-4F53-AF3E-54B947C3017E}" dt="2025-06-09T14:21:52.630" v="155"/>
-          <ac:picMkLst>
-            <pc:docMk/>
-            <pc:sldMk cId="2536878213" sldId="265"/>
-            <ac:picMk id="2050" creationId="{674F214F-6720-FF63-1971-326F81013BDE}"/>
-          </ac:picMkLst>
-        </pc:picChg>
-      </pc:sldChg>
-      <pc:sldChg chg="addSp delSp mod">
-        <pc:chgData name="Nicolai Plachetzky" userId="823c8b06-e4c9-469b-b821-a844d7744de1" providerId="ADAL" clId="{014B04EA-880C-4F53-AF3E-54B947C3017E}" dt="2025-06-09T14:23:01.150" v="168" actId="26606"/>
-        <pc:sldMkLst>
-          <pc:docMk/>
-          <pc:sldMk cId="3853091742" sldId="266"/>
-        </pc:sldMkLst>
-        <pc:spChg chg="del">
-          <ac:chgData name="Nicolai Plachetzky" userId="823c8b06-e4c9-469b-b821-a844d7744de1" providerId="ADAL" clId="{014B04EA-880C-4F53-AF3E-54B947C3017E}" dt="2025-06-09T14:23:01.150" v="168" actId="26606"/>
-          <ac:spMkLst>
-            <pc:docMk/>
-            <pc:sldMk cId="3853091742" sldId="266"/>
-            <ac:spMk id="3" creationId="{69F5E269-E31D-BA43-5384-41D919037EE2}"/>
-          </ac:spMkLst>
-        </pc:spChg>
-        <pc:graphicFrameChg chg="add">
-          <ac:chgData name="Nicolai Plachetzky" userId="823c8b06-e4c9-469b-b821-a844d7744de1" providerId="ADAL" clId="{014B04EA-880C-4F53-AF3E-54B947C3017E}" dt="2025-06-09T14:23:01.150" v="168" actId="26606"/>
-          <ac:graphicFrameMkLst>
-            <pc:docMk/>
-            <pc:sldMk cId="3853091742" sldId="266"/>
-            <ac:graphicFrameMk id="6" creationId="{F5B11798-C7F4-BA0F-151D-A9D65C55D044}"/>
-          </ac:graphicFrameMkLst>
-        </pc:graphicFrameChg>
-      </pc:sldChg>
-    </pc:docChg>
-  </pc:docChgLst>
   <pc:docChgLst>
     <pc:chgData name="Nicolai Plachetzky" userId="823c8b06-e4c9-469b-b821-a844d7744de1" providerId="ADAL" clId="{8828F114-EB9B-4CB9-8A46-B9A739E80DA9}"/>
     <pc:docChg chg="undo redo custSel addSld delSld modSld sldOrd addMainMaster delMainMaster">
@@ -1197,6 +992,211 @@
           </pc:sldLayoutMkLst>
         </pc:sldLayoutChg>
       </pc:sldMasterChg>
+    </pc:docChg>
+  </pc:docChgLst>
+  <pc:docChgLst>
+    <pc:chgData name="Nicolai Plachetzky" userId="823c8b06-e4c9-469b-b821-a844d7744de1" providerId="ADAL" clId="{014B04EA-880C-4F53-AF3E-54B947C3017E}"/>
+    <pc:docChg chg="undo custSel modSld">
+      <pc:chgData name="Nicolai Plachetzky" userId="823c8b06-e4c9-469b-b821-a844d7744de1" providerId="ADAL" clId="{014B04EA-880C-4F53-AF3E-54B947C3017E}" dt="2025-06-09T14:23:01.150" v="168" actId="26606"/>
+      <pc:docMkLst>
+        <pc:docMk/>
+      </pc:docMkLst>
+      <pc:sldChg chg="addSp delSp modSp mod modNotesTx">
+        <pc:chgData name="Nicolai Plachetzky" userId="823c8b06-e4c9-469b-b821-a844d7744de1" providerId="ADAL" clId="{014B04EA-880C-4F53-AF3E-54B947C3017E}" dt="2025-06-09T14:15:11.129" v="148" actId="20577"/>
+        <pc:sldMkLst>
+          <pc:docMk/>
+          <pc:sldMk cId="3153824113" sldId="263"/>
+        </pc:sldMkLst>
+        <pc:spChg chg="mod">
+          <ac:chgData name="Nicolai Plachetzky" userId="823c8b06-e4c9-469b-b821-a844d7744de1" providerId="ADAL" clId="{014B04EA-880C-4F53-AF3E-54B947C3017E}" dt="2025-06-09T13:57:12.878" v="25" actId="20577"/>
+          <ac:spMkLst>
+            <pc:docMk/>
+            <pc:sldMk cId="3153824113" sldId="263"/>
+            <ac:spMk id="2" creationId="{5238A395-6E0A-71EF-FF2D-04103080E988}"/>
+          </ac:spMkLst>
+        </pc:spChg>
+        <pc:spChg chg="del mod">
+          <ac:chgData name="Nicolai Plachetzky" userId="823c8b06-e4c9-469b-b821-a844d7744de1" providerId="ADAL" clId="{014B04EA-880C-4F53-AF3E-54B947C3017E}" dt="2025-06-09T14:07:16.380" v="31"/>
+          <ac:spMkLst>
+            <pc:docMk/>
+            <pc:sldMk cId="3153824113" sldId="263"/>
+            <ac:spMk id="3" creationId="{29245E8F-94D3-0A38-31F3-23A25538C8AD}"/>
+          </ac:spMkLst>
+        </pc:spChg>
+        <pc:picChg chg="add del mod">
+          <ac:chgData name="Nicolai Plachetzky" userId="823c8b06-e4c9-469b-b821-a844d7744de1" providerId="ADAL" clId="{014B04EA-880C-4F53-AF3E-54B947C3017E}" dt="2025-06-09T13:56:31.975" v="13" actId="478"/>
+          <ac:picMkLst>
+            <pc:docMk/>
+            <pc:sldMk cId="3153824113" sldId="263"/>
+            <ac:picMk id="5" creationId="{914A35EE-378C-EDB8-4611-E5E18291A3A4}"/>
+          </ac:picMkLst>
+        </pc:picChg>
+        <pc:picChg chg="add del mod">
+          <ac:chgData name="Nicolai Plachetzky" userId="823c8b06-e4c9-469b-b821-a844d7744de1" providerId="ADAL" clId="{014B04EA-880C-4F53-AF3E-54B947C3017E}" dt="2025-06-09T14:07:14.062" v="30" actId="478"/>
+          <ac:picMkLst>
+            <pc:docMk/>
+            <pc:sldMk cId="3153824113" sldId="263"/>
+            <ac:picMk id="7" creationId="{A30A075C-A710-93D6-771D-3D43279DC51F}"/>
+          </ac:picMkLst>
+        </pc:picChg>
+        <pc:picChg chg="add mod">
+          <ac:chgData name="Nicolai Plachetzky" userId="823c8b06-e4c9-469b-b821-a844d7744de1" providerId="ADAL" clId="{014B04EA-880C-4F53-AF3E-54B947C3017E}" dt="2025-06-09T14:07:38.251" v="39" actId="14100"/>
+          <ac:picMkLst>
+            <pc:docMk/>
+            <pc:sldMk cId="3153824113" sldId="263"/>
+            <ac:picMk id="9" creationId="{7DC48D76-7729-C36B-0CA6-EA27FAE18BBB}"/>
+          </ac:picMkLst>
+        </pc:picChg>
+      </pc:sldChg>
+      <pc:sldChg chg="addSp modSp mod">
+        <pc:chgData name="Nicolai Plachetzky" userId="823c8b06-e4c9-469b-b821-a844d7744de1" providerId="ADAL" clId="{014B04EA-880C-4F53-AF3E-54B947C3017E}" dt="2025-06-09T14:21:06.483" v="154" actId="1076"/>
+        <pc:sldMkLst>
+          <pc:docMk/>
+          <pc:sldMk cId="3772376716" sldId="264"/>
+        </pc:sldMkLst>
+        <pc:spChg chg="mod">
+          <ac:chgData name="Nicolai Plachetzky" userId="823c8b06-e4c9-469b-b821-a844d7744de1" providerId="ADAL" clId="{014B04EA-880C-4F53-AF3E-54B947C3017E}" dt="2025-06-09T14:15:10.863" v="147" actId="20577"/>
+          <ac:spMkLst>
+            <pc:docMk/>
+            <pc:sldMk cId="3772376716" sldId="264"/>
+            <ac:spMk id="3" creationId="{78056E36-A6DD-AB79-5CB9-B2A35B549BE1}"/>
+          </ac:spMkLst>
+        </pc:spChg>
+        <pc:picChg chg="add mod">
+          <ac:chgData name="Nicolai Plachetzky" userId="823c8b06-e4c9-469b-b821-a844d7744de1" providerId="ADAL" clId="{014B04EA-880C-4F53-AF3E-54B947C3017E}" dt="2025-06-09T14:21:06.483" v="154" actId="1076"/>
+          <ac:picMkLst>
+            <pc:docMk/>
+            <pc:sldMk cId="3772376716" sldId="264"/>
+            <ac:picMk id="1026" creationId="{3DA241AF-4145-6A00-2CBA-5008276EC762}"/>
+          </ac:picMkLst>
+        </pc:picChg>
+      </pc:sldChg>
+      <pc:sldChg chg="addSp delSp modSp mod setBg setClrOvrMap">
+        <pc:chgData name="Nicolai Plachetzky" userId="823c8b06-e4c9-469b-b821-a844d7744de1" providerId="ADAL" clId="{014B04EA-880C-4F53-AF3E-54B947C3017E}" dt="2025-06-09T14:22:31.949" v="167" actId="12"/>
+        <pc:sldMkLst>
+          <pc:docMk/>
+          <pc:sldMk cId="2536878213" sldId="265"/>
+        </pc:sldMkLst>
+        <pc:spChg chg="mod">
+          <ac:chgData name="Nicolai Plachetzky" userId="823c8b06-e4c9-469b-b821-a844d7744de1" providerId="ADAL" clId="{014B04EA-880C-4F53-AF3E-54B947C3017E}" dt="2025-06-09T14:22:03.437" v="157" actId="26606"/>
+          <ac:spMkLst>
+            <pc:docMk/>
+            <pc:sldMk cId="2536878213" sldId="265"/>
+            <ac:spMk id="2" creationId="{2E5BAF5E-09DD-BDF0-8BF2-8D58386BC47D}"/>
+          </ac:spMkLst>
+        </pc:spChg>
+        <pc:spChg chg="add del">
+          <ac:chgData name="Nicolai Plachetzky" userId="823c8b06-e4c9-469b-b821-a844d7744de1" providerId="ADAL" clId="{014B04EA-880C-4F53-AF3E-54B947C3017E}" dt="2025-06-09T14:22:13.325" v="164" actId="26606"/>
+          <ac:spMkLst>
+            <pc:docMk/>
+            <pc:sldMk cId="2536878213" sldId="265"/>
+            <ac:spMk id="3" creationId="{1220D917-1486-8AEE-8670-FD49830A89B1}"/>
+          </ac:spMkLst>
+        </pc:spChg>
+        <pc:spChg chg="add del">
+          <ac:chgData name="Nicolai Plachetzky" userId="823c8b06-e4c9-469b-b821-a844d7744de1" providerId="ADAL" clId="{014B04EA-880C-4F53-AF3E-54B947C3017E}" dt="2025-06-09T14:22:03.437" v="157" actId="26606"/>
+          <ac:spMkLst>
+            <pc:docMk/>
+            <pc:sldMk cId="2536878213" sldId="265"/>
+            <ac:spMk id="9" creationId="{25482F9D-E110-434E-9B4F-41A3F5CB2A2F}"/>
+          </ac:spMkLst>
+        </pc:spChg>
+        <pc:spChg chg="add del">
+          <ac:chgData name="Nicolai Plachetzky" userId="823c8b06-e4c9-469b-b821-a844d7744de1" providerId="ADAL" clId="{014B04EA-880C-4F53-AF3E-54B947C3017E}" dt="2025-06-09T14:22:03.437" v="157" actId="26606"/>
+          <ac:spMkLst>
+            <pc:docMk/>
+            <pc:sldMk cId="2536878213" sldId="265"/>
+            <ac:spMk id="11" creationId="{5779FF2E-BB5C-4805-AAD5-275495A2B7EF}"/>
+          </ac:spMkLst>
+        </pc:spChg>
+        <pc:spChg chg="add del">
+          <ac:chgData name="Nicolai Plachetzky" userId="823c8b06-e4c9-469b-b821-a844d7744de1" providerId="ADAL" clId="{014B04EA-880C-4F53-AF3E-54B947C3017E}" dt="2025-06-09T14:22:03.437" v="157" actId="26606"/>
+          <ac:spMkLst>
+            <pc:docMk/>
+            <pc:sldMk cId="2536878213" sldId="265"/>
+            <ac:spMk id="13" creationId="{6EB83258-50E7-4A51-8C48-ADA7CD7FCA02}"/>
+          </ac:spMkLst>
+        </pc:spChg>
+        <pc:spChg chg="add del">
+          <ac:chgData name="Nicolai Plachetzky" userId="823c8b06-e4c9-469b-b821-a844d7744de1" providerId="ADAL" clId="{014B04EA-880C-4F53-AF3E-54B947C3017E}" dt="2025-06-09T14:22:03.437" v="157" actId="26606"/>
+          <ac:spMkLst>
+            <pc:docMk/>
+            <pc:sldMk cId="2536878213" sldId="265"/>
+            <ac:spMk id="15" creationId="{A4188960-1398-409C-BA5D-F87CCB743390}"/>
+          </ac:spMkLst>
+        </pc:spChg>
+        <pc:graphicFrameChg chg="add del">
+          <ac:chgData name="Nicolai Plachetzky" userId="823c8b06-e4c9-469b-b821-a844d7744de1" providerId="ADAL" clId="{014B04EA-880C-4F53-AF3E-54B947C3017E}" dt="2025-06-09T14:22:03.437" v="157" actId="26606"/>
+          <ac:graphicFrameMkLst>
+            <pc:docMk/>
+            <pc:sldMk cId="2536878213" sldId="265"/>
+            <ac:graphicFrameMk id="5" creationId="{40E381DC-DB01-9930-DC0C-9CFD3BBC8F5F}"/>
+          </ac:graphicFrameMkLst>
+        </pc:graphicFrameChg>
+        <pc:graphicFrameChg chg="add del">
+          <ac:chgData name="Nicolai Plachetzky" userId="823c8b06-e4c9-469b-b821-a844d7744de1" providerId="ADAL" clId="{014B04EA-880C-4F53-AF3E-54B947C3017E}" dt="2025-06-09T14:22:10.845" v="159" actId="26606"/>
+          <ac:graphicFrameMkLst>
+            <pc:docMk/>
+            <pc:sldMk cId="2536878213" sldId="265"/>
+            <ac:graphicFrameMk id="17" creationId="{506D488A-794B-C84C-F4AA-10A07F48B519}"/>
+          </ac:graphicFrameMkLst>
+        </pc:graphicFrameChg>
+        <pc:graphicFrameChg chg="add del">
+          <ac:chgData name="Nicolai Plachetzky" userId="823c8b06-e4c9-469b-b821-a844d7744de1" providerId="ADAL" clId="{014B04EA-880C-4F53-AF3E-54B947C3017E}" dt="2025-06-09T14:22:12.575" v="161" actId="26606"/>
+          <ac:graphicFrameMkLst>
+            <pc:docMk/>
+            <pc:sldMk cId="2536878213" sldId="265"/>
+            <ac:graphicFrameMk id="19" creationId="{B7E2E4AA-2DA6-1223-48AF-6878C1A11DA4}"/>
+          </ac:graphicFrameMkLst>
+        </pc:graphicFrameChg>
+        <pc:graphicFrameChg chg="add del">
+          <ac:chgData name="Nicolai Plachetzky" userId="823c8b06-e4c9-469b-b821-a844d7744de1" providerId="ADAL" clId="{014B04EA-880C-4F53-AF3E-54B947C3017E}" dt="2025-06-09T14:22:13.315" v="163" actId="26606"/>
+          <ac:graphicFrameMkLst>
+            <pc:docMk/>
+            <pc:sldMk cId="2536878213" sldId="265"/>
+            <ac:graphicFrameMk id="21" creationId="{506D488A-794B-C84C-F4AA-10A07F48B519}"/>
+          </ac:graphicFrameMkLst>
+        </pc:graphicFrameChg>
+        <pc:graphicFrameChg chg="add mod">
+          <ac:chgData name="Nicolai Plachetzky" userId="823c8b06-e4c9-469b-b821-a844d7744de1" providerId="ADAL" clId="{014B04EA-880C-4F53-AF3E-54B947C3017E}" dt="2025-06-09T14:22:31.949" v="167" actId="12"/>
+          <ac:graphicFrameMkLst>
+            <pc:docMk/>
+            <pc:sldMk cId="2536878213" sldId="265"/>
+            <ac:graphicFrameMk id="23" creationId="{7FAA8C9F-4534-3A06-B39C-B790C2D906AE}"/>
+          </ac:graphicFrameMkLst>
+        </pc:graphicFrameChg>
+        <pc:picChg chg="add">
+          <ac:chgData name="Nicolai Plachetzky" userId="823c8b06-e4c9-469b-b821-a844d7744de1" providerId="ADAL" clId="{014B04EA-880C-4F53-AF3E-54B947C3017E}" dt="2025-06-09T14:21:52.630" v="155"/>
+          <ac:picMkLst>
+            <pc:docMk/>
+            <pc:sldMk cId="2536878213" sldId="265"/>
+            <ac:picMk id="2050" creationId="{674F214F-6720-FF63-1971-326F81013BDE}"/>
+          </ac:picMkLst>
+        </pc:picChg>
+      </pc:sldChg>
+      <pc:sldChg chg="addSp delSp mod">
+        <pc:chgData name="Nicolai Plachetzky" userId="823c8b06-e4c9-469b-b821-a844d7744de1" providerId="ADAL" clId="{014B04EA-880C-4F53-AF3E-54B947C3017E}" dt="2025-06-09T14:23:01.150" v="168" actId="26606"/>
+        <pc:sldMkLst>
+          <pc:docMk/>
+          <pc:sldMk cId="3853091742" sldId="266"/>
+        </pc:sldMkLst>
+        <pc:spChg chg="del">
+          <ac:chgData name="Nicolai Plachetzky" userId="823c8b06-e4c9-469b-b821-a844d7744de1" providerId="ADAL" clId="{014B04EA-880C-4F53-AF3E-54B947C3017E}" dt="2025-06-09T14:23:01.150" v="168" actId="26606"/>
+          <ac:spMkLst>
+            <pc:docMk/>
+            <pc:sldMk cId="3853091742" sldId="266"/>
+            <ac:spMk id="3" creationId="{69F5E269-E31D-BA43-5384-41D919037EE2}"/>
+          </ac:spMkLst>
+        </pc:spChg>
+        <pc:graphicFrameChg chg="add">
+          <ac:chgData name="Nicolai Plachetzky" userId="823c8b06-e4c9-469b-b821-a844d7744de1" providerId="ADAL" clId="{014B04EA-880C-4F53-AF3E-54B947C3017E}" dt="2025-06-09T14:23:01.150" v="168" actId="26606"/>
+          <ac:graphicFrameMkLst>
+            <pc:docMk/>
+            <pc:sldMk cId="3853091742" sldId="266"/>
+            <ac:graphicFrameMk id="6" creationId="{F5B11798-C7F4-BA0F-151D-A9D65C55D044}"/>
+          </ac:graphicFrameMkLst>
+        </pc:graphicFrameChg>
+      </pc:sldChg>
     </pc:docChg>
   </pc:docChgLst>
 </pc:chgInfo>
@@ -6981,7 +6981,7 @@
           <a:p>
             <a:fld id="{6A3E7155-B3D5-47D8-BA2F-80EDD20483E5}" type="datetimeFigureOut">
               <a:rPr lang="de-AT" smtClean="0"/>
-              <a:t>09.06.2025</a:t>
+              <a:t>26.06.2025</a:t>
             </a:fld>
             <a:endParaRPr lang="de-AT"/>
           </a:p>
@@ -8479,124 +8479,126 @@
           <a:bodyPr/>
           <a:lstStyle/>
           <a:p>
-            <a:r>
-              <a:rPr lang="de-DE" dirty="0"/>
-              <a:t>Manhattan </a:t>
-            </a:r>
-            <a:r>
-              <a:rPr lang="de-DE" dirty="0" err="1"/>
-              <a:t>Distance</a:t>
-            </a:r>
-            <a:r>
-              <a:rPr lang="de-DE" dirty="0"/>
+            <a:pPr marL="0" marR="0" lvl="0" indent="0" algn="l" defTabSz="914400" rtl="0" eaLnBrk="1" fontAlgn="auto" latinLnBrk="0" hangingPunct="1">
+              <a:lnSpc>
+                <a:spcPct val="100000"/>
+              </a:lnSpc>
+              <a:spcBef>
+                <a:spcPts val="0"/>
+              </a:spcBef>
+              <a:spcAft>
+                <a:spcPts val="0"/>
+              </a:spcAft>
+              <a:buClrTx/>
+              <a:buSzTx/>
+              <a:buFontTx/>
+              <a:buNone/>
+              <a:tabLst/>
+              <a:defRPr/>
+            </a:pPr>
+            <a:r>
+              <a:rPr lang="de-AT" sz="1200" b="0" kern="1200" dirty="0" err="1">
+                <a:solidFill>
+                  <a:schemeClr val="tx1"/>
+                </a:solidFill>
+                <a:effectLst/>
+                <a:latin typeface="+mn-lt"/>
+                <a:ea typeface="+mn-ea"/>
+                <a:cs typeface="+mn-cs"/>
+              </a:rPr>
+              <a:t>Euclidean</a:t>
+            </a:r>
+            <a:r>
+              <a:rPr lang="de-AT" sz="1200" b="0" kern="1200" dirty="0">
+                <a:solidFill>
+                  <a:schemeClr val="tx1"/>
+                </a:solidFill>
+                <a:effectLst/>
+                <a:latin typeface="+mn-lt"/>
+                <a:ea typeface="+mn-ea"/>
+                <a:cs typeface="+mn-cs"/>
+              </a:rPr>
+              <a:t> </a:t>
+            </a:r>
+            <a:r>
+              <a:rPr lang="de-AT" sz="1200" b="0" kern="1200" dirty="0" err="1">
+                <a:solidFill>
+                  <a:schemeClr val="tx1"/>
+                </a:solidFill>
+                <a:effectLst/>
+                <a:latin typeface="+mn-lt"/>
+                <a:ea typeface="+mn-ea"/>
+                <a:cs typeface="+mn-cs"/>
+              </a:rPr>
+              <a:t>distance</a:t>
+            </a:r>
+            <a:r>
+              <a:rPr lang="de-AT" sz="1200" b="0" kern="1200" dirty="0">
+                <a:solidFill>
+                  <a:schemeClr val="tx1"/>
+                </a:solidFill>
+                <a:effectLst/>
+                <a:latin typeface="+mn-lt"/>
+                <a:ea typeface="+mn-ea"/>
+                <a:cs typeface="+mn-cs"/>
+              </a:rPr>
               <a:t>:</a:t>
             </a:r>
           </a:p>
           <a:p>
-            <a:r>
-              <a:rPr lang="de-DE" dirty="0" err="1"/>
-              <a:t>Sum</a:t>
-            </a:r>
-            <a:r>
-              <a:rPr lang="de-DE" dirty="0"/>
-              <a:t> </a:t>
-            </a:r>
-            <a:r>
-              <a:rPr lang="de-DE" dirty="0" err="1"/>
-              <a:t>of</a:t>
-            </a:r>
-            <a:r>
-              <a:rPr lang="de-DE" dirty="0"/>
-              <a:t> absolute </a:t>
-            </a:r>
-            <a:r>
-              <a:rPr lang="de-DE" dirty="0" err="1"/>
-              <a:t>differences</a:t>
-            </a:r>
-            <a:r>
-              <a:rPr lang="de-DE" dirty="0"/>
-              <a:t> </a:t>
-            </a:r>
-            <a:r>
-              <a:rPr lang="de-DE" dirty="0" err="1"/>
-              <a:t>between</a:t>
-            </a:r>
-            <a:r>
-              <a:rPr lang="de-DE" dirty="0"/>
-              <a:t> </a:t>
-            </a:r>
-            <a:r>
-              <a:rPr lang="de-DE" dirty="0" err="1"/>
-              <a:t>the</a:t>
-            </a:r>
-            <a:r>
-              <a:rPr lang="de-DE" dirty="0"/>
-              <a:t> feature </a:t>
-            </a:r>
-            <a:r>
-              <a:rPr lang="de-DE" dirty="0" err="1"/>
-              <a:t>values</a:t>
-            </a:r>
-            <a:r>
-              <a:rPr lang="de-DE" dirty="0"/>
-              <a:t> </a:t>
-            </a:r>
-            <a:r>
-              <a:rPr lang="de-DE" dirty="0" err="1"/>
-              <a:t>of</a:t>
-            </a:r>
-            <a:r>
-              <a:rPr lang="de-DE" dirty="0"/>
-              <a:t> a </a:t>
-            </a:r>
-            <a:r>
-              <a:rPr lang="de-DE" dirty="0" err="1"/>
-              <a:t>test</a:t>
-            </a:r>
-            <a:r>
-              <a:rPr lang="de-DE" dirty="0"/>
-              <a:t> </a:t>
-            </a:r>
-            <a:r>
-              <a:rPr lang="de-DE" dirty="0" err="1"/>
-              <a:t>point</a:t>
-            </a:r>
-            <a:r>
-              <a:rPr lang="de-DE" dirty="0"/>
-              <a:t> and a </a:t>
-            </a:r>
-            <a:r>
-              <a:rPr lang="de-DE" dirty="0" err="1"/>
-              <a:t>training</a:t>
-            </a:r>
-            <a:r>
-              <a:rPr lang="de-DE" dirty="0"/>
-              <a:t> </a:t>
-            </a:r>
-            <a:r>
-              <a:rPr lang="de-DE" dirty="0" err="1"/>
-              <a:t>point</a:t>
-            </a:r>
+            <a:pPr marL="0" marR="0" lvl="0" indent="0" algn="l" defTabSz="914400" rtl="0" eaLnBrk="1" fontAlgn="auto" latinLnBrk="0" hangingPunct="1">
+              <a:lnSpc>
+                <a:spcPct val="100000"/>
+              </a:lnSpc>
+              <a:spcBef>
+                <a:spcPts val="0"/>
+              </a:spcBef>
+              <a:spcAft>
+                <a:spcPts val="0"/>
+              </a:spcAft>
+              <a:buClrTx/>
+              <a:buSzTx/>
+              <a:buFontTx/>
+              <a:buNone/>
+              <a:tabLst/>
+              <a:defRPr/>
+            </a:pPr>
+            <a:r>
+              <a:rPr lang="en-US" dirty="0"/>
+              <a:t>Square root of the sum of squared differences between the feature values of a test point and a training point</a:t>
+            </a:r>
+          </a:p>
+          <a:p>
+            <a:pPr marL="0" marR="0" lvl="0" indent="0" algn="l" defTabSz="914400" rtl="0" eaLnBrk="1" fontAlgn="auto" latinLnBrk="0" hangingPunct="1">
+              <a:lnSpc>
+                <a:spcPct val="100000"/>
+              </a:lnSpc>
+              <a:spcBef>
+                <a:spcPts val="0"/>
+              </a:spcBef>
+              <a:spcAft>
+                <a:spcPts val="0"/>
+              </a:spcAft>
+              <a:buClrTx/>
+              <a:buSzTx/>
+              <a:buFontTx/>
+              <a:buNone/>
+              <a:tabLst/>
+              <a:defRPr/>
+            </a:pPr>
             <a:endParaRPr lang="de-DE" dirty="0"/>
           </a:p>
           <a:p>
-            <a:endParaRPr lang="de-DE" dirty="0"/>
-          </a:p>
-          <a:p>
+            <a:r>
+              <a:rPr lang="de-AT" dirty="0"/>
+              <a:t>Explain </a:t>
+            </a:r>
             <a:r>
               <a:rPr lang="de-AT" dirty="0" err="1"/>
-              <a:t>Explain</a:t>
+              <a:t>with</a:t>
             </a:r>
             <a:r>
               <a:rPr lang="de-AT" dirty="0"/>
-              <a:t> </a:t>
-            </a:r>
-            <a:r>
-              <a:rPr lang="de-AT" err="1"/>
-              <a:t>with</a:t>
-            </a:r>
-            <a:r>
-              <a:rPr lang="de-AT"/>
               <a:t> Scenario:</a:t>
             </a:r>
             <a:br>
@@ -8618,24 +8620,140 @@
           </a:p>
           <a:p>
             <a:r>
-              <a:rPr lang="en-GB" dirty="0"/>
-              <a:t>8-4 = 4</a:t>
+              <a:rPr lang="de-AT" b="1" dirty="0" err="1"/>
+              <a:t>Step-by-step</a:t>
+            </a:r>
+            <a:r>
+              <a:rPr lang="de-AT" b="1" dirty="0"/>
+              <a:t> </a:t>
+            </a:r>
+            <a:r>
+              <a:rPr lang="de-AT" b="1" dirty="0" err="1"/>
+              <a:t>calculation</a:t>
+            </a:r>
+            <a:r>
+              <a:rPr lang="de-AT" b="1" dirty="0"/>
+              <a:t>:</a:t>
+            </a:r>
+            <a:endParaRPr lang="de-AT" dirty="0"/>
+          </a:p>
+          <a:p>
+            <a:r>
+              <a:rPr lang="de-AT" dirty="0" err="1"/>
+              <a:t>Difference</a:t>
+            </a:r>
+            <a:r>
+              <a:rPr lang="de-AT" dirty="0"/>
+              <a:t> in RAM: 8−4=48 - 4 = 48−4=4 → </a:t>
+            </a:r>
+            <a:r>
+              <a:rPr lang="de-AT" dirty="0" err="1"/>
+              <a:t>Squared</a:t>
+            </a:r>
+            <a:r>
+              <a:rPr lang="de-AT" dirty="0"/>
+              <a:t>: 42=164^2 = 1642=16</a:t>
+            </a:r>
+          </a:p>
+          <a:p>
+            <a:r>
+              <a:rPr lang="de-AT" dirty="0" err="1"/>
+              <a:t>Difference</a:t>
+            </a:r>
+            <a:r>
+              <a:rPr lang="de-AT" dirty="0"/>
+              <a:t> in Storage: 64−128=−6464 - 128 = -6464−128=−64 → </a:t>
+            </a:r>
+            <a:r>
+              <a:rPr lang="de-AT" dirty="0" err="1"/>
+              <a:t>Squared</a:t>
+            </a:r>
+            <a:r>
+              <a:rPr lang="de-AT" dirty="0"/>
+              <a:t>: (−64)2=4096(-64)^2 = 4096(−64)2=4096</a:t>
+            </a:r>
+          </a:p>
+          <a:p>
+            <a:r>
+              <a:rPr lang="de-AT" b="1" dirty="0" err="1"/>
+              <a:t>Sum</a:t>
+            </a:r>
+            <a:r>
+              <a:rPr lang="de-AT" b="1" dirty="0"/>
+              <a:t> </a:t>
+            </a:r>
+            <a:r>
+              <a:rPr lang="de-AT" b="1" dirty="0" err="1"/>
+              <a:t>of</a:t>
+            </a:r>
+            <a:r>
+              <a:rPr lang="de-AT" b="1" dirty="0"/>
+              <a:t> </a:t>
+            </a:r>
+            <a:r>
+              <a:rPr lang="de-AT" b="1" dirty="0" err="1"/>
+              <a:t>squared</a:t>
+            </a:r>
+            <a:r>
+              <a:rPr lang="de-AT" b="1" dirty="0"/>
+              <a:t> </a:t>
+            </a:r>
+            <a:r>
+              <a:rPr lang="de-AT" b="1" dirty="0" err="1"/>
+              <a:t>differences</a:t>
+            </a:r>
+            <a:r>
+              <a:rPr lang="de-AT" b="1" dirty="0"/>
+              <a:t>:</a:t>
             </a:r>
             <a:br>
-              <a:rPr lang="en-GB" dirty="0"/>
+              <a:rPr lang="de-AT" dirty="0"/>
             </a:br>
             <a:r>
-              <a:rPr lang="en-GB" dirty="0"/>
-              <a:t>128-64 = 64</a:t>
+              <a:rPr lang="de-AT" dirty="0"/>
+              <a:t>16+4096=411216 + 4096 = 411216+4096=4112</a:t>
+            </a:r>
+          </a:p>
+          <a:p>
+            <a:r>
+              <a:rPr lang="de-AT" b="1" dirty="0" err="1"/>
+              <a:t>Euclidean</a:t>
+            </a:r>
+            <a:r>
+              <a:rPr lang="de-AT" b="1" dirty="0"/>
+              <a:t> </a:t>
+            </a:r>
+            <a:r>
+              <a:rPr lang="de-AT" b="1" dirty="0" err="1"/>
+              <a:t>distance</a:t>
+            </a:r>
+            <a:r>
+              <a:rPr lang="de-AT" b="1" dirty="0"/>
+              <a:t>:</a:t>
             </a:r>
             <a:br>
-              <a:rPr lang="en-GB" dirty="0"/>
+              <a:rPr lang="de-AT" dirty="0"/>
             </a:br>
             <a:r>
-              <a:rPr lang="en-GB" dirty="0"/>
-              <a:t>absolute distance is 64+4 = 68</a:t>
-            </a:r>
-            <a:endParaRPr lang="de-AT" dirty="0"/>
+              <a:rPr lang="de-AT" dirty="0"/>
+              <a:t>4112≈64.11\</a:t>
+            </a:r>
+            <a:r>
+              <a:rPr lang="de-AT" dirty="0" err="1"/>
+              <a:t>sqrt</a:t>
+            </a:r>
+            <a:r>
+              <a:rPr lang="de-AT" dirty="0"/>
+              <a:t>{4112} \</a:t>
+            </a:r>
+            <a:r>
+              <a:rPr lang="de-AT" dirty="0" err="1"/>
+              <a:t>approx</a:t>
+            </a:r>
+            <a:r>
+              <a:rPr lang="de-AT" dirty="0"/>
+              <a:t> 64.114112​≈64.11</a:t>
+            </a:r>
           </a:p>
         </p:txBody>
       </p:sp>
@@ -8788,6 +8906,122 @@
               <a:t>Can not learn on fluctuating market data</a:t>
             </a:r>
           </a:p>
+          <a:p>
+            <a:pPr marL="457200" marR="0" lvl="1" indent="0" algn="l" defTabSz="914400" rtl="0" eaLnBrk="1" fontAlgn="auto" latinLnBrk="0" hangingPunct="1">
+              <a:lnSpc>
+                <a:spcPct val="100000"/>
+              </a:lnSpc>
+              <a:spcBef>
+                <a:spcPts val="0"/>
+              </a:spcBef>
+              <a:spcAft>
+                <a:spcPts val="0"/>
+              </a:spcAft>
+              <a:buClrTx/>
+              <a:buSzTx/>
+              <a:buFontTx/>
+              <a:buNone/>
+              <a:tabLst/>
+              <a:defRPr/>
+            </a:pPr>
+            <a:endParaRPr lang="en-US" noProof="0" dirty="0"/>
+          </a:p>
+          <a:p>
+            <a:pPr marL="457200" marR="0" lvl="1" indent="0" algn="l" defTabSz="914400" rtl="0" eaLnBrk="1" fontAlgn="auto" latinLnBrk="0" hangingPunct="1">
+              <a:lnSpc>
+                <a:spcPct val="100000"/>
+              </a:lnSpc>
+              <a:spcBef>
+                <a:spcPts val="0"/>
+              </a:spcBef>
+              <a:spcAft>
+                <a:spcPts val="0"/>
+              </a:spcAft>
+              <a:buClrTx/>
+              <a:buSzTx/>
+              <a:buFontTx/>
+              <a:buNone/>
+              <a:tabLst/>
+              <a:defRPr/>
+            </a:pPr>
+            <a:endParaRPr lang="en-US" noProof="0" dirty="0"/>
+          </a:p>
+          <a:p>
+            <a:r>
+              <a:rPr lang="en-US" sz="1200" b="0" kern="1200" dirty="0">
+                <a:solidFill>
+                  <a:schemeClr val="tx1"/>
+                </a:solidFill>
+                <a:effectLst/>
+                <a:latin typeface="+mn-lt"/>
+                <a:ea typeface="+mn-ea"/>
+                <a:cs typeface="+mn-cs"/>
+              </a:rPr>
+              <a:t>Deployment Strategy:</a:t>
+            </a:r>
+          </a:p>
+          <a:p>
+            <a:r>
+              <a:rPr lang="en-US" sz="1200" b="0" kern="1200" dirty="0">
+                <a:solidFill>
+                  <a:schemeClr val="tx1"/>
+                </a:solidFill>
+                <a:effectLst/>
+                <a:latin typeface="+mn-lt"/>
+                <a:ea typeface="+mn-ea"/>
+                <a:cs typeface="+mn-cs"/>
+              </a:rPr>
+              <a:t>- RESTful API development</a:t>
+            </a:r>
+          </a:p>
+          <a:p>
+            <a:r>
+              <a:rPr lang="en-US" sz="1200" b="0" kern="1200" dirty="0">
+                <a:solidFill>
+                  <a:schemeClr val="tx1"/>
+                </a:solidFill>
+                <a:effectLst/>
+                <a:latin typeface="+mn-lt"/>
+                <a:ea typeface="+mn-ea"/>
+                <a:cs typeface="+mn-cs"/>
+              </a:rPr>
+              <a:t>- Cloud infrastructure</a:t>
+            </a:r>
+          </a:p>
+          <a:p>
+            <a:r>
+              <a:rPr lang="en-US" sz="1200" b="0" kern="1200" dirty="0">
+                <a:solidFill>
+                  <a:schemeClr val="tx1"/>
+                </a:solidFill>
+                <a:effectLst/>
+                <a:latin typeface="+mn-lt"/>
+                <a:ea typeface="+mn-ea"/>
+                <a:cs typeface="+mn-cs"/>
+              </a:rPr>
+              <a:t>- Caching mechanisms</a:t>
+            </a:r>
+          </a:p>
+          <a:p>
+            <a:pPr marL="457200" marR="0" lvl="1" indent="0" algn="l" defTabSz="914400" rtl="0" eaLnBrk="1" fontAlgn="auto" latinLnBrk="0" hangingPunct="1">
+              <a:lnSpc>
+                <a:spcPct val="100000"/>
+              </a:lnSpc>
+              <a:spcBef>
+                <a:spcPts val="0"/>
+              </a:spcBef>
+              <a:spcAft>
+                <a:spcPts val="0"/>
+              </a:spcAft>
+              <a:buClrTx/>
+              <a:buSzTx/>
+              <a:buFontTx/>
+              <a:buNone/>
+              <a:tabLst/>
+              <a:defRPr/>
+            </a:pPr>
+            <a:endParaRPr lang="en-US" noProof="0" dirty="0"/>
+          </a:p>
         </p:txBody>
       </p:sp>
       <p:sp>
@@ -9175,7 +9409,7 @@
           <a:p>
             <a:fld id="{238C2597-4BE3-471B-93B9-37E5D8F7F0DA}" type="datetimeFigureOut">
               <a:rPr lang="de-AT" smtClean="0"/>
-              <a:t>09.06.2025</a:t>
+              <a:t>26.06.2025</a:t>
             </a:fld>
             <a:endParaRPr lang="de-AT"/>
           </a:p>
@@ -9450,7 +9684,7 @@
           <a:p>
             <a:fld id="{238C2597-4BE3-471B-93B9-37E5D8F7F0DA}" type="datetimeFigureOut">
               <a:rPr lang="de-AT" smtClean="0"/>
-              <a:t>09.06.2025</a:t>
+              <a:t>26.06.2025</a:t>
             </a:fld>
             <a:endParaRPr lang="de-AT"/>
           </a:p>
@@ -9644,7 +9878,7 @@
           <a:p>
             <a:fld id="{238C2597-4BE3-471B-93B9-37E5D8F7F0DA}" type="datetimeFigureOut">
               <a:rPr lang="de-AT" smtClean="0"/>
-              <a:t>09.06.2025</a:t>
+              <a:t>26.06.2025</a:t>
             </a:fld>
             <a:endParaRPr lang="de-AT"/>
           </a:p>
@@ -9915,7 +10149,7 @@
           <a:p>
             <a:fld id="{238C2597-4BE3-471B-93B9-37E5D8F7F0DA}" type="datetimeFigureOut">
               <a:rPr lang="de-AT" smtClean="0"/>
-              <a:t>09.06.2025</a:t>
+              <a:t>26.06.2025</a:t>
             </a:fld>
             <a:endParaRPr lang="de-AT"/>
           </a:p>
@@ -10242,7 +10476,7 @@
           <a:p>
             <a:fld id="{238C2597-4BE3-471B-93B9-37E5D8F7F0DA}" type="datetimeFigureOut">
               <a:rPr lang="de-AT" smtClean="0"/>
-              <a:t>09.06.2025</a:t>
+              <a:t>26.06.2025</a:t>
             </a:fld>
             <a:endParaRPr lang="de-AT"/>
           </a:p>
@@ -10861,7 +11095,7 @@
           <a:p>
             <a:fld id="{238C2597-4BE3-471B-93B9-37E5D8F7F0DA}" type="datetimeFigureOut">
               <a:rPr lang="de-AT" smtClean="0"/>
-              <a:t>09.06.2025</a:t>
+              <a:t>26.06.2025</a:t>
             </a:fld>
             <a:endParaRPr lang="de-AT"/>
           </a:p>
@@ -11708,7 +11942,7 @@
           <a:p>
             <a:fld id="{238C2597-4BE3-471B-93B9-37E5D8F7F0DA}" type="datetimeFigureOut">
               <a:rPr lang="de-AT" smtClean="0"/>
-              <a:t>09.06.2025</a:t>
+              <a:t>26.06.2025</a:t>
             </a:fld>
             <a:endParaRPr lang="de-AT"/>
           </a:p>
@@ -11878,7 +12112,7 @@
           <a:p>
             <a:fld id="{238C2597-4BE3-471B-93B9-37E5D8F7F0DA}" type="datetimeFigureOut">
               <a:rPr lang="de-AT" smtClean="0"/>
-              <a:t>09.06.2025</a:t>
+              <a:t>26.06.2025</a:t>
             </a:fld>
             <a:endParaRPr lang="de-AT"/>
           </a:p>
@@ -12058,7 +12292,7 @@
           <a:p>
             <a:fld id="{238C2597-4BE3-471B-93B9-37E5D8F7F0DA}" type="datetimeFigureOut">
               <a:rPr lang="de-AT" smtClean="0"/>
-              <a:t>09.06.2025</a:t>
+              <a:t>26.06.2025</a:t>
             </a:fld>
             <a:endParaRPr lang="de-AT"/>
           </a:p>
@@ -12228,7 +12462,7 @@
           <a:p>
             <a:fld id="{238C2597-4BE3-471B-93B9-37E5D8F7F0DA}" type="datetimeFigureOut">
               <a:rPr lang="de-AT" smtClean="0"/>
-              <a:t>09.06.2025</a:t>
+              <a:t>26.06.2025</a:t>
             </a:fld>
             <a:endParaRPr lang="de-AT"/>
           </a:p>
@@ -12475,7 +12709,7 @@
           <a:p>
             <a:fld id="{238C2597-4BE3-471B-93B9-37E5D8F7F0DA}" type="datetimeFigureOut">
               <a:rPr lang="de-AT" smtClean="0"/>
-              <a:t>09.06.2025</a:t>
+              <a:t>26.06.2025</a:t>
             </a:fld>
             <a:endParaRPr lang="de-AT"/>
           </a:p>
@@ -12767,7 +13001,7 @@
           <a:p>
             <a:fld id="{238C2597-4BE3-471B-93B9-37E5D8F7F0DA}" type="datetimeFigureOut">
               <a:rPr lang="de-AT" smtClean="0"/>
-              <a:t>09.06.2025</a:t>
+              <a:t>26.06.2025</a:t>
             </a:fld>
             <a:endParaRPr lang="de-AT"/>
           </a:p>
@@ -13211,7 +13445,7 @@
           <a:p>
             <a:fld id="{238C2597-4BE3-471B-93B9-37E5D8F7F0DA}" type="datetimeFigureOut">
               <a:rPr lang="de-AT" smtClean="0"/>
-              <a:t>09.06.2025</a:t>
+              <a:t>26.06.2025</a:t>
             </a:fld>
             <a:endParaRPr lang="de-AT"/>
           </a:p>
@@ -13329,7 +13563,7 @@
           <a:p>
             <a:fld id="{238C2597-4BE3-471B-93B9-37E5D8F7F0DA}" type="datetimeFigureOut">
               <a:rPr lang="de-AT" smtClean="0"/>
-              <a:t>09.06.2025</a:t>
+              <a:t>26.06.2025</a:t>
             </a:fld>
             <a:endParaRPr lang="de-AT"/>
           </a:p>
@@ -13424,7 +13658,7 @@
           <a:p>
             <a:fld id="{238C2597-4BE3-471B-93B9-37E5D8F7F0DA}" type="datetimeFigureOut">
               <a:rPr lang="de-AT" smtClean="0"/>
-              <a:t>09.06.2025</a:t>
+              <a:t>26.06.2025</a:t>
             </a:fld>
             <a:endParaRPr lang="de-AT"/>
           </a:p>
@@ -13703,7 +13937,7 @@
           <a:p>
             <a:fld id="{238C2597-4BE3-471B-93B9-37E5D8F7F0DA}" type="datetimeFigureOut">
               <a:rPr lang="de-AT" smtClean="0"/>
-              <a:t>09.06.2025</a:t>
+              <a:t>26.06.2025</a:t>
             </a:fld>
             <a:endParaRPr lang="de-AT"/>
           </a:p>
@@ -13978,7 +14212,7 @@
           <a:p>
             <a:fld id="{238C2597-4BE3-471B-93B9-37E5D8F7F0DA}" type="datetimeFigureOut">
               <a:rPr lang="de-AT" smtClean="0"/>
-              <a:t>09.06.2025</a:t>
+              <a:t>26.06.2025</a:t>
             </a:fld>
             <a:endParaRPr lang="de-AT"/>
           </a:p>
@@ -14401,7 +14635,7 @@
           <a:p>
             <a:fld id="{238C2597-4BE3-471B-93B9-37E5D8F7F0DA}" type="datetimeFigureOut">
               <a:rPr lang="de-AT" smtClean="0"/>
-              <a:t>09.06.2025</a:t>
+              <a:t>26.06.2025</a:t>
             </a:fld>
             <a:endParaRPr lang="de-AT"/>
           </a:p>
@@ -15856,10 +16090,10 @@
       </p:sp>
       <p:pic>
         <p:nvPicPr>
-          <p:cNvPr id="5" name="Grafik 4">
+          <p:cNvPr id="6" name="Grafik 5">
             <a:extLst>
               <a:ext uri="{FF2B5EF4-FFF2-40B4-BE49-F238E27FC236}">
-                <a16:creationId xmlns:a16="http://schemas.microsoft.com/office/drawing/2014/main" id="{702FFB39-5E78-9F61-092A-0F7ECB077D94}"/>
+                <a16:creationId xmlns:a16="http://schemas.microsoft.com/office/drawing/2014/main" id="{B4425084-4C3D-1C16-C04A-A3625698B3AD}"/>
               </a:ext>
             </a:extLst>
           </p:cNvPr>
@@ -15877,7 +16111,7 @@
         <p:spPr>
           <a:xfrm>
             <a:off x="0" y="0"/>
-            <a:ext cx="12192000" cy="6858000"/>
+            <a:ext cx="12192000" cy="6857999"/>
           </a:xfrm>
           <a:prstGeom prst="rect">
             <a:avLst/>
@@ -15916,31 +16150,6 @@
       </p:grpSpPr>
       <p:sp>
         <p:nvSpPr>
-          <p:cNvPr id="2" name="Titel 1">
-            <a:extLst>
-              <a:ext uri="{FF2B5EF4-FFF2-40B4-BE49-F238E27FC236}">
-                <a16:creationId xmlns:a16="http://schemas.microsoft.com/office/drawing/2014/main" id="{0D52295D-3ADD-CA00-A662-462FE86ACC6D}"/>
-              </a:ext>
-            </a:extLst>
-          </p:cNvPr>
-          <p:cNvSpPr>
-            <a:spLocks noGrp="1"/>
-          </p:cNvSpPr>
-          <p:nvPr>
-            <p:ph type="title"/>
-          </p:nvPr>
-        </p:nvSpPr>
-        <p:spPr/>
-        <p:txBody>
-          <a:bodyPr/>
-          <a:lstStyle/>
-          <a:p>
-            <a:endParaRPr lang="en-US" noProof="0" dirty="0"/>
-          </a:p>
-        </p:txBody>
-      </p:sp>
-      <p:sp>
-        <p:nvSpPr>
           <p:cNvPr id="3" name="Inhaltsplatzhalter 2">
             <a:extLst>
               <a:ext uri="{FF2B5EF4-FFF2-40B4-BE49-F238E27FC236}">
@@ -15964,12 +16173,59 @@
           </a:p>
         </p:txBody>
       </p:sp>
+      <p:sp>
+        <p:nvSpPr>
+          <p:cNvPr id="9" name="Rechteck 8">
+            <a:extLst>
+              <a:ext uri="{FF2B5EF4-FFF2-40B4-BE49-F238E27FC236}">
+                <a16:creationId xmlns:a16="http://schemas.microsoft.com/office/drawing/2014/main" id="{993C2029-14D1-D543-6D29-7635233DE3D5}"/>
+              </a:ext>
+            </a:extLst>
+          </p:cNvPr>
+          <p:cNvSpPr/>
+          <p:nvPr/>
+        </p:nvSpPr>
+        <p:spPr>
+          <a:xfrm>
+            <a:off x="3717561" y="1768839"/>
+            <a:ext cx="4751882" cy="509666"/>
+          </a:xfrm>
+          <a:prstGeom prst="rect">
+            <a:avLst/>
+          </a:prstGeom>
+          <a:solidFill>
+            <a:srgbClr val="002060"/>
+          </a:solidFill>
+        </p:spPr>
+        <p:style>
+          <a:lnRef idx="2">
+            <a:schemeClr val="accent6"/>
+          </a:lnRef>
+          <a:fillRef idx="1">
+            <a:schemeClr val="lt1"/>
+          </a:fillRef>
+          <a:effectRef idx="0">
+            <a:schemeClr val="accent6"/>
+          </a:effectRef>
+          <a:fontRef idx="minor">
+            <a:schemeClr val="dk1"/>
+          </a:fontRef>
+        </p:style>
+        <p:txBody>
+          <a:bodyPr rtlCol="0" anchor="ctr"/>
+          <a:lstStyle/>
+          <a:p>
+            <a:pPr algn="ctr"/>
+            <a:endParaRPr lang="de-AT"/>
+          </a:p>
+        </p:txBody>
+      </p:sp>
       <p:pic>
         <p:nvPicPr>
-          <p:cNvPr id="5" name="Grafik 4">
+          <p:cNvPr id="6" name="Grafik 5">
             <a:extLst>
               <a:ext uri="{FF2B5EF4-FFF2-40B4-BE49-F238E27FC236}">
-                <a16:creationId xmlns:a16="http://schemas.microsoft.com/office/drawing/2014/main" id="{9B2067C1-EC17-8179-6137-DE502E53DDB2}"/>
+                <a16:creationId xmlns:a16="http://schemas.microsoft.com/office/drawing/2014/main" id="{0AF8EEAE-64BA-E1A5-3B9D-FD079FFC098D}"/>
               </a:ext>
             </a:extLst>
           </p:cNvPr>
@@ -15987,7 +16243,7 @@
         <p:spPr>
           <a:xfrm>
             <a:off x="0" y="0"/>
-            <a:ext cx="12192000" cy="6858000"/>
+            <a:ext cx="12192000" cy="6745574"/>
           </a:xfrm>
           <a:prstGeom prst="rect">
             <a:avLst/>
@@ -16076,10 +16332,10 @@
       </p:sp>
       <p:pic>
         <p:nvPicPr>
-          <p:cNvPr id="5" name="Grafik 4">
+          <p:cNvPr id="6" name="Grafik 5">
             <a:extLst>
               <a:ext uri="{FF2B5EF4-FFF2-40B4-BE49-F238E27FC236}">
-                <a16:creationId xmlns:a16="http://schemas.microsoft.com/office/drawing/2014/main" id="{1C71652E-78F5-B88B-8486-EAFF6B5D56C2}"/>
+                <a16:creationId xmlns:a16="http://schemas.microsoft.com/office/drawing/2014/main" id="{1322EA71-44F9-0738-E5B1-DEE163DD3623}"/>
               </a:ext>
             </a:extLst>
           </p:cNvPr>
@@ -16134,62 +16390,42 @@
           <a:chExt cx="0" cy="0"/>
         </a:xfrm>
       </p:grpSpPr>
-      <p:sp>
-        <p:nvSpPr>
-          <p:cNvPr id="2" name="Titel 1">
+      <p:pic>
+        <p:nvPicPr>
+          <p:cNvPr id="8" name="Inhaltsplatzhalter 7">
             <a:extLst>
               <a:ext uri="{FF2B5EF4-FFF2-40B4-BE49-F238E27FC236}">
-                <a16:creationId xmlns:a16="http://schemas.microsoft.com/office/drawing/2014/main" id="{5D702B23-48A9-7C0E-C3A6-E5C574FF82A6}"/>
+                <a16:creationId xmlns:a16="http://schemas.microsoft.com/office/drawing/2014/main" id="{67C19AD0-4A12-4CCE-A494-677C04C1D775}"/>
               </a:ext>
             </a:extLst>
           </p:cNvPr>
-          <p:cNvSpPr>
-            <a:spLocks noGrp="1"/>
-          </p:cNvSpPr>
-          <p:nvPr>
-            <p:ph type="title"/>
-          </p:nvPr>
-        </p:nvSpPr>
-        <p:spPr/>
-        <p:txBody>
-          <a:bodyPr/>
-          <a:lstStyle/>
-          <a:p>
-            <a:endParaRPr lang="en-US" noProof="0" dirty="0"/>
-          </a:p>
-        </p:txBody>
-      </p:sp>
-      <p:sp>
-        <p:nvSpPr>
-          <p:cNvPr id="3" name="Inhaltsplatzhalter 2">
-            <a:extLst>
-              <a:ext uri="{FF2B5EF4-FFF2-40B4-BE49-F238E27FC236}">
-                <a16:creationId xmlns:a16="http://schemas.microsoft.com/office/drawing/2014/main" id="{5CEF87AF-F925-058E-F84A-3B0C05EB6358}"/>
-              </a:ext>
-            </a:extLst>
-          </p:cNvPr>
-          <p:cNvSpPr>
-            <a:spLocks noGrp="1"/>
-          </p:cNvSpPr>
+          <p:cNvPicPr>
+            <a:picLocks noGrp="1" noChangeAspect="1"/>
+          </p:cNvPicPr>
           <p:nvPr>
             <p:ph idx="1"/>
           </p:nvPr>
-        </p:nvSpPr>
-        <p:spPr/>
-        <p:txBody>
-          <a:bodyPr/>
-          <a:lstStyle/>
-          <a:p>
-            <a:endParaRPr lang="en-US" noProof="0" dirty="0"/>
-          </a:p>
-        </p:txBody>
-      </p:sp>
+        </p:nvPicPr>
+        <p:blipFill>
+          <a:blip r:embed="rId3"/>
+          <a:srcRect t="39105"/>
+          <a:stretch>
+            <a:fillRect/>
+          </a:stretch>
+        </p:blipFill>
+        <p:spPr>
+          <a:xfrm>
+            <a:off x="823466" y="3867462"/>
+            <a:ext cx="10210804" cy="2934890"/>
+          </a:xfrm>
+        </p:spPr>
+      </p:pic>
       <p:pic>
         <p:nvPicPr>
-          <p:cNvPr id="5" name="Grafik 4">
+          <p:cNvPr id="6" name="Grafik 5">
             <a:extLst>
               <a:ext uri="{FF2B5EF4-FFF2-40B4-BE49-F238E27FC236}">
-                <a16:creationId xmlns:a16="http://schemas.microsoft.com/office/drawing/2014/main" id="{F4BF6079-5995-F0C8-ADAF-73786F262DD1}"/>
+                <a16:creationId xmlns:a16="http://schemas.microsoft.com/office/drawing/2014/main" id="{80A41AE1-4159-DD4C-810A-528ADCB2E966}"/>
               </a:ext>
             </a:extLst>
           </p:cNvPr>
@@ -16199,15 +16435,15 @@
           <p:nvPr/>
         </p:nvPicPr>
         <p:blipFill>
-          <a:blip r:embed="rId3"/>
+          <a:blip r:embed="rId4"/>
           <a:stretch>
             <a:fillRect/>
           </a:stretch>
         </p:blipFill>
         <p:spPr>
           <a:xfrm>
-            <a:off x="0" y="0"/>
-            <a:ext cx="12192000" cy="6858000"/>
+            <a:off x="2398426" y="55648"/>
+            <a:ext cx="7674964" cy="3811814"/>
           </a:xfrm>
           <a:prstGeom prst="rect">
             <a:avLst/>
@@ -16304,6 +16540,134 @@
           </a:xfrm>
         </p:spPr>
       </p:pic>
+      <p:sp>
+        <p:nvSpPr>
+          <p:cNvPr id="7" name="Ellipse 6" descr="Euclidean distances">
+            <a:extLst>
+              <a:ext uri="{FF2B5EF4-FFF2-40B4-BE49-F238E27FC236}">
+                <a16:creationId xmlns:a16="http://schemas.microsoft.com/office/drawing/2014/main" id="{6CC55776-229D-3F6E-FB58-A52D133F2A6F}"/>
+              </a:ext>
+            </a:extLst>
+          </p:cNvPr>
+          <p:cNvSpPr/>
+          <p:nvPr/>
+        </p:nvSpPr>
+        <p:spPr>
+          <a:xfrm>
+            <a:off x="3521414" y="2305966"/>
+            <a:ext cx="2081718" cy="1123034"/>
+          </a:xfrm>
+          <a:prstGeom prst="ellipse">
+            <a:avLst/>
+          </a:prstGeom>
+        </p:spPr>
+        <p:style>
+          <a:lnRef idx="2">
+            <a:schemeClr val="dk1"/>
+          </a:lnRef>
+          <a:fillRef idx="1">
+            <a:schemeClr val="lt1"/>
+          </a:fillRef>
+          <a:effectRef idx="0">
+            <a:schemeClr val="dk1"/>
+          </a:effectRef>
+          <a:fontRef idx="minor">
+            <a:schemeClr val="dk1"/>
+          </a:fontRef>
+        </p:style>
+        <p:txBody>
+          <a:bodyPr rtlCol="0" anchor="ctr"/>
+          <a:lstStyle/>
+          <a:p>
+            <a:pPr algn="ctr"/>
+            <a:endParaRPr lang="de-AT"/>
+          </a:p>
+        </p:txBody>
+      </p:sp>
+      <p:sp>
+        <p:nvSpPr>
+          <p:cNvPr id="6" name="Textfeld 5">
+            <a:extLst>
+              <a:ext uri="{FF2B5EF4-FFF2-40B4-BE49-F238E27FC236}">
+                <a16:creationId xmlns:a16="http://schemas.microsoft.com/office/drawing/2014/main" id="{56A47704-FF85-4581-5F5C-DF1C040B03F6}"/>
+              </a:ext>
+            </a:extLst>
+          </p:cNvPr>
+          <p:cNvSpPr txBox="1"/>
+          <p:nvPr/>
+        </p:nvSpPr>
+        <p:spPr>
+          <a:xfrm>
+            <a:off x="3521414" y="2682817"/>
+            <a:ext cx="1877437" cy="646331"/>
+          </a:xfrm>
+          <a:prstGeom prst="rect">
+            <a:avLst/>
+          </a:prstGeom>
+          <a:noFill/>
+        </p:spPr>
+        <p:txBody>
+          <a:bodyPr wrap="none" rtlCol="0">
+            <a:spAutoFit/>
+          </a:bodyPr>
+          <a:lstStyle/>
+          <a:p>
+            <a:r>
+              <a:rPr lang="de-AT" dirty="0">
+                <a:solidFill>
+                  <a:schemeClr val="bg1"/>
+                </a:solidFill>
+                <a:latin typeface="Abadi" panose="020B0604020104020204" pitchFamily="34" charset="0"/>
+              </a:rPr>
+              <a:t> Using </a:t>
+            </a:r>
+            <a:r>
+              <a:rPr lang="de-AT" dirty="0" err="1">
+                <a:solidFill>
+                  <a:schemeClr val="bg1"/>
+                </a:solidFill>
+                <a:latin typeface="Abadi" panose="020B0604020104020204" pitchFamily="34" charset="0"/>
+              </a:rPr>
+              <a:t>Euclidean</a:t>
+            </a:r>
+            <a:r>
+              <a:rPr lang="de-AT" dirty="0">
+                <a:solidFill>
+                  <a:schemeClr val="bg1"/>
+                </a:solidFill>
+                <a:latin typeface="Abadi" panose="020B0604020104020204" pitchFamily="34" charset="0"/>
+              </a:rPr>
+              <a:t> </a:t>
+            </a:r>
+          </a:p>
+          <a:p>
+            <a:r>
+              <a:rPr lang="de-AT" dirty="0">
+                <a:solidFill>
+                  <a:schemeClr val="bg1"/>
+                </a:solidFill>
+                <a:latin typeface="Abadi" panose="020B0604020104020204" pitchFamily="34" charset="0"/>
+              </a:rPr>
+              <a:t>      </a:t>
+            </a:r>
+            <a:r>
+              <a:rPr lang="de-AT" dirty="0" err="1">
+                <a:solidFill>
+                  <a:schemeClr val="bg1"/>
+                </a:solidFill>
+                <a:latin typeface="Abadi" panose="020B0604020104020204" pitchFamily="34" charset="0"/>
+              </a:rPr>
+              <a:t>distances</a:t>
+            </a:r>
+            <a:endParaRPr lang="de-AT" dirty="0">
+              <a:solidFill>
+                <a:schemeClr val="bg1"/>
+              </a:solidFill>
+              <a:latin typeface="Abadi" panose="020B0604020104020204" pitchFamily="34" charset="0"/>
+            </a:endParaRPr>
+          </a:p>
+        </p:txBody>
+      </p:sp>
     </p:spTree>
     <p:extLst>
       <p:ext uri="{BB962C8B-B14F-4D97-AF65-F5344CB8AC3E}">
